--- a/Android/Lesson4/Peremennie.pptx
+++ b/Android/Lesson4/Peremennie.pptx
@@ -5,10 +5,10 @@
     <p:sldMasterId id="2147483648" r:id="rId1"/>
   </p:sldMasterIdLst>
   <p:notesMasterIdLst>
-    <p:notesMasterId r:id="rId25"/>
+    <p:notesMasterId r:id="rId27"/>
   </p:notesMasterIdLst>
   <p:handoutMasterIdLst>
-    <p:handoutMasterId r:id="rId26"/>
+    <p:handoutMasterId r:id="rId28"/>
   </p:handoutMasterIdLst>
   <p:sldIdLst>
     <p:sldId id="256" r:id="rId2"/>
@@ -27,13 +27,15 @@
     <p:sldId id="283" r:id="rId15"/>
     <p:sldId id="285" r:id="rId16"/>
     <p:sldId id="286" r:id="rId17"/>
-    <p:sldId id="287" r:id="rId18"/>
-    <p:sldId id="288" r:id="rId19"/>
-    <p:sldId id="289" r:id="rId20"/>
-    <p:sldId id="290" r:id="rId21"/>
-    <p:sldId id="268" r:id="rId22"/>
-    <p:sldId id="265" r:id="rId23"/>
-    <p:sldId id="270" r:id="rId24"/>
+    <p:sldId id="292" r:id="rId18"/>
+    <p:sldId id="293" r:id="rId19"/>
+    <p:sldId id="294" r:id="rId20"/>
+    <p:sldId id="295" r:id="rId21"/>
+    <p:sldId id="296" r:id="rId22"/>
+    <p:sldId id="287" r:id="rId23"/>
+    <p:sldId id="288" r:id="rId24"/>
+    <p:sldId id="289" r:id="rId25"/>
+    <p:sldId id="290" r:id="rId26"/>
   </p:sldIdLst>
   <p:sldSz cx="9144000" cy="6858000" type="screen4x3"/>
   <p:notesSz cx="6858000" cy="9144000"/>
@@ -874,725 +876,6 @@
 </file>
 
 <file path=ppt/diagrams/colors2.xml><?xml version="1.0" encoding="utf-8"?>
-<dgm:colorsDef xmlns:dgm="http://schemas.openxmlformats.org/drawingml/2006/diagram" xmlns:a="http://schemas.openxmlformats.org/drawingml/2006/main" uniqueId="urn:microsoft.com/office/officeart/2005/8/colors/accent1_2#3" minVer="12.0">
-  <dgm:title val=""/>
-  <dgm:desc val=""/>
-  <dgm:catLst>
-    <dgm:cat type="accent1" pri="11200"/>
-  </dgm:catLst>
-  <dgm:styleLbl name="node0">
-    <dgm:fillClrLst meth="repeat">
-      <a:schemeClr val="accent1"/>
-    </dgm:fillClrLst>
-    <dgm:linClrLst meth="repeat">
-      <a:schemeClr val="lt1"/>
-    </dgm:linClrLst>
-    <dgm:effectClrLst/>
-    <dgm:txLinClrLst/>
-    <dgm:txFillClrLst/>
-    <dgm:txEffectClrLst/>
-  </dgm:styleLbl>
-  <dgm:styleLbl name="node1">
-    <dgm:fillClrLst meth="repeat">
-      <a:schemeClr val="accent1"/>
-    </dgm:fillClrLst>
-    <dgm:linClrLst meth="repeat">
-      <a:schemeClr val="lt1"/>
-    </dgm:linClrLst>
-    <dgm:effectClrLst/>
-    <dgm:txLinClrLst/>
-    <dgm:txFillClrLst/>
-    <dgm:txEffectClrLst/>
-  </dgm:styleLbl>
-  <dgm:styleLbl name="lnNode1">
-    <dgm:fillClrLst meth="repeat">
-      <a:schemeClr val="accent1"/>
-    </dgm:fillClrLst>
-    <dgm:linClrLst meth="repeat">
-      <a:schemeClr val="lt1"/>
-    </dgm:linClrLst>
-    <dgm:effectClrLst/>
-    <dgm:txLinClrLst/>
-    <dgm:txFillClrLst/>
-    <dgm:txEffectClrLst/>
-  </dgm:styleLbl>
-  <dgm:styleLbl name="vennNode1">
-    <dgm:fillClrLst meth="repeat">
-      <a:schemeClr val="accent1">
-        <a:alpha val="50000"/>
-      </a:schemeClr>
-    </dgm:fillClrLst>
-    <dgm:linClrLst meth="repeat">
-      <a:schemeClr val="lt1"/>
-    </dgm:linClrLst>
-    <dgm:effectClrLst/>
-    <dgm:txLinClrLst/>
-    <dgm:txFillClrLst/>
-    <dgm:txEffectClrLst/>
-  </dgm:styleLbl>
-  <dgm:styleLbl name="node2">
-    <dgm:fillClrLst meth="repeat">
-      <a:schemeClr val="accent1"/>
-    </dgm:fillClrLst>
-    <dgm:linClrLst meth="repeat">
-      <a:schemeClr val="lt1"/>
-    </dgm:linClrLst>
-    <dgm:effectClrLst/>
-    <dgm:txLinClrLst/>
-    <dgm:txFillClrLst/>
-    <dgm:txEffectClrLst/>
-  </dgm:styleLbl>
-  <dgm:styleLbl name="node3">
-    <dgm:fillClrLst meth="repeat">
-      <a:schemeClr val="accent1"/>
-    </dgm:fillClrLst>
-    <dgm:linClrLst meth="repeat">
-      <a:schemeClr val="lt1"/>
-    </dgm:linClrLst>
-    <dgm:effectClrLst/>
-    <dgm:txLinClrLst/>
-    <dgm:txFillClrLst/>
-    <dgm:txEffectClrLst/>
-  </dgm:styleLbl>
-  <dgm:styleLbl name="node4">
-    <dgm:fillClrLst meth="repeat">
-      <a:schemeClr val="accent1"/>
-    </dgm:fillClrLst>
-    <dgm:linClrLst meth="repeat">
-      <a:schemeClr val="lt1"/>
-    </dgm:linClrLst>
-    <dgm:effectClrLst/>
-    <dgm:txLinClrLst/>
-    <dgm:txFillClrLst/>
-    <dgm:txEffectClrLst/>
-  </dgm:styleLbl>
-  <dgm:styleLbl name="fgImgPlace1">
-    <dgm:fillClrLst meth="repeat">
-      <a:schemeClr val="accent1">
-        <a:tint val="50000"/>
-      </a:schemeClr>
-    </dgm:fillClrLst>
-    <dgm:linClrLst meth="repeat">
-      <a:schemeClr val="lt1"/>
-    </dgm:linClrLst>
-    <dgm:effectClrLst/>
-    <dgm:txLinClrLst/>
-    <dgm:txFillClrLst meth="repeat">
-      <a:schemeClr val="lt1"/>
-    </dgm:txFillClrLst>
-    <dgm:txEffectClrLst/>
-  </dgm:styleLbl>
-  <dgm:styleLbl name="alignImgPlace1">
-    <dgm:fillClrLst meth="repeat">
-      <a:schemeClr val="accent1">
-        <a:tint val="50000"/>
-      </a:schemeClr>
-    </dgm:fillClrLst>
-    <dgm:linClrLst meth="repeat">
-      <a:schemeClr val="lt1"/>
-    </dgm:linClrLst>
-    <dgm:effectClrLst/>
-    <dgm:txLinClrLst/>
-    <dgm:txFillClrLst meth="repeat">
-      <a:schemeClr val="lt1"/>
-    </dgm:txFillClrLst>
-    <dgm:txEffectClrLst/>
-  </dgm:styleLbl>
-  <dgm:styleLbl name="bgImgPlace1">
-    <dgm:fillClrLst meth="repeat">
-      <a:schemeClr val="accent1">
-        <a:tint val="50000"/>
-      </a:schemeClr>
-    </dgm:fillClrLst>
-    <dgm:linClrLst meth="repeat">
-      <a:schemeClr val="lt1"/>
-    </dgm:linClrLst>
-    <dgm:effectClrLst/>
-    <dgm:txLinClrLst/>
-    <dgm:txFillClrLst meth="repeat">
-      <a:schemeClr val="lt1"/>
-    </dgm:txFillClrLst>
-    <dgm:txEffectClrLst/>
-  </dgm:styleLbl>
-  <dgm:styleLbl name="sibTrans2D1">
-    <dgm:fillClrLst meth="repeat">
-      <a:schemeClr val="accent1">
-        <a:tint val="60000"/>
-      </a:schemeClr>
-    </dgm:fillClrLst>
-    <dgm:linClrLst meth="repeat">
-      <a:schemeClr val="accent1">
-        <a:tint val="60000"/>
-      </a:schemeClr>
-    </dgm:linClrLst>
-    <dgm:effectClrLst/>
-    <dgm:txLinClrLst/>
-    <dgm:txFillClrLst/>
-    <dgm:txEffectClrLst/>
-  </dgm:styleLbl>
-  <dgm:styleLbl name="fgSibTrans2D1">
-    <dgm:fillClrLst meth="repeat">
-      <a:schemeClr val="accent1">
-        <a:tint val="60000"/>
-      </a:schemeClr>
-    </dgm:fillClrLst>
-    <dgm:linClrLst meth="repeat">
-      <a:schemeClr val="accent1">
-        <a:tint val="60000"/>
-      </a:schemeClr>
-    </dgm:linClrLst>
-    <dgm:effectClrLst/>
-    <dgm:txLinClrLst/>
-    <dgm:txFillClrLst/>
-    <dgm:txEffectClrLst/>
-  </dgm:styleLbl>
-  <dgm:styleLbl name="bgSibTrans2D1">
-    <dgm:fillClrLst meth="repeat">
-      <a:schemeClr val="accent1">
-        <a:tint val="60000"/>
-      </a:schemeClr>
-    </dgm:fillClrLst>
-    <dgm:linClrLst meth="repeat">
-      <a:schemeClr val="accent1">
-        <a:tint val="60000"/>
-      </a:schemeClr>
-    </dgm:linClrLst>
-    <dgm:effectClrLst/>
-    <dgm:txLinClrLst/>
-    <dgm:txFillClrLst/>
-    <dgm:txEffectClrLst/>
-  </dgm:styleLbl>
-  <dgm:styleLbl name="sibTrans1D1">
-    <dgm:fillClrLst meth="repeat">
-      <a:schemeClr val="accent1"/>
-    </dgm:fillClrLst>
-    <dgm:linClrLst meth="repeat">
-      <a:schemeClr val="accent1"/>
-    </dgm:linClrLst>
-    <dgm:effectClrLst/>
-    <dgm:txLinClrLst/>
-    <dgm:txFillClrLst meth="repeat">
-      <a:schemeClr val="tx1"/>
-    </dgm:txFillClrLst>
-    <dgm:txEffectClrLst/>
-  </dgm:styleLbl>
-  <dgm:styleLbl name="callout">
-    <dgm:fillClrLst meth="repeat">
-      <a:schemeClr val="accent1"/>
-    </dgm:fillClrLst>
-    <dgm:linClrLst meth="repeat">
-      <a:schemeClr val="accent1">
-        <a:tint val="50000"/>
-      </a:schemeClr>
-    </dgm:linClrLst>
-    <dgm:effectClrLst/>
-    <dgm:txLinClrLst/>
-    <dgm:txFillClrLst meth="repeat">
-      <a:schemeClr val="tx1"/>
-    </dgm:txFillClrLst>
-    <dgm:txEffectClrLst/>
-  </dgm:styleLbl>
-  <dgm:styleLbl name="asst0">
-    <dgm:fillClrLst meth="repeat">
-      <a:schemeClr val="accent1"/>
-    </dgm:fillClrLst>
-    <dgm:linClrLst meth="repeat">
-      <a:schemeClr val="lt1"/>
-    </dgm:linClrLst>
-    <dgm:effectClrLst/>
-    <dgm:txLinClrLst/>
-    <dgm:txFillClrLst/>
-    <dgm:txEffectClrLst/>
-  </dgm:styleLbl>
-  <dgm:styleLbl name="asst1">
-    <dgm:fillClrLst meth="repeat">
-      <a:schemeClr val="accent1"/>
-    </dgm:fillClrLst>
-    <dgm:linClrLst meth="repeat">
-      <a:schemeClr val="lt1"/>
-    </dgm:linClrLst>
-    <dgm:effectClrLst/>
-    <dgm:txLinClrLst/>
-    <dgm:txFillClrLst/>
-    <dgm:txEffectClrLst/>
-  </dgm:styleLbl>
-  <dgm:styleLbl name="asst2">
-    <dgm:fillClrLst meth="repeat">
-      <a:schemeClr val="accent1"/>
-    </dgm:fillClrLst>
-    <dgm:linClrLst meth="repeat">
-      <a:schemeClr val="lt1"/>
-    </dgm:linClrLst>
-    <dgm:effectClrLst/>
-    <dgm:txLinClrLst/>
-    <dgm:txFillClrLst/>
-    <dgm:txEffectClrLst/>
-  </dgm:styleLbl>
-  <dgm:styleLbl name="asst3">
-    <dgm:fillClrLst meth="repeat">
-      <a:schemeClr val="accent1"/>
-    </dgm:fillClrLst>
-    <dgm:linClrLst meth="repeat">
-      <a:schemeClr val="lt1"/>
-    </dgm:linClrLst>
-    <dgm:effectClrLst/>
-    <dgm:txLinClrLst/>
-    <dgm:txFillClrLst/>
-    <dgm:txEffectClrLst/>
-  </dgm:styleLbl>
-  <dgm:styleLbl name="asst4">
-    <dgm:fillClrLst meth="repeat">
-      <a:schemeClr val="accent1"/>
-    </dgm:fillClrLst>
-    <dgm:linClrLst meth="repeat">
-      <a:schemeClr val="lt1"/>
-    </dgm:linClrLst>
-    <dgm:effectClrLst/>
-    <dgm:txLinClrLst/>
-    <dgm:txFillClrLst/>
-    <dgm:txEffectClrLst/>
-  </dgm:styleLbl>
-  <dgm:styleLbl name="parChTrans2D1">
-    <dgm:fillClrLst meth="repeat">
-      <a:schemeClr val="accent1">
-        <a:tint val="60000"/>
-      </a:schemeClr>
-    </dgm:fillClrLst>
-    <dgm:linClrLst meth="repeat">
-      <a:schemeClr val="accent1">
-        <a:tint val="60000"/>
-      </a:schemeClr>
-    </dgm:linClrLst>
-    <dgm:effectClrLst/>
-    <dgm:txLinClrLst/>
-    <dgm:txFillClrLst meth="repeat">
-      <a:schemeClr val="lt1"/>
-    </dgm:txFillClrLst>
-    <dgm:txEffectClrLst/>
-  </dgm:styleLbl>
-  <dgm:styleLbl name="parChTrans2D2">
-    <dgm:fillClrLst meth="repeat">
-      <a:schemeClr val="accent1"/>
-    </dgm:fillClrLst>
-    <dgm:linClrLst meth="repeat">
-      <a:schemeClr val="accent1"/>
-    </dgm:linClrLst>
-    <dgm:effectClrLst/>
-    <dgm:txLinClrLst/>
-    <dgm:txFillClrLst meth="repeat">
-      <a:schemeClr val="lt1"/>
-    </dgm:txFillClrLst>
-    <dgm:txEffectClrLst/>
-  </dgm:styleLbl>
-  <dgm:styleLbl name="parChTrans2D3">
-    <dgm:fillClrLst meth="repeat">
-      <a:schemeClr val="accent1"/>
-    </dgm:fillClrLst>
-    <dgm:linClrLst meth="repeat">
-      <a:schemeClr val="accent1"/>
-    </dgm:linClrLst>
-    <dgm:effectClrLst/>
-    <dgm:txLinClrLst/>
-    <dgm:txFillClrLst meth="repeat">
-      <a:schemeClr val="lt1"/>
-    </dgm:txFillClrLst>
-    <dgm:txEffectClrLst/>
-  </dgm:styleLbl>
-  <dgm:styleLbl name="parChTrans2D4">
-    <dgm:fillClrLst meth="repeat">
-      <a:schemeClr val="accent1"/>
-    </dgm:fillClrLst>
-    <dgm:linClrLst meth="repeat">
-      <a:schemeClr val="accent1"/>
-    </dgm:linClrLst>
-    <dgm:effectClrLst/>
-    <dgm:txLinClrLst/>
-    <dgm:txFillClrLst meth="repeat">
-      <a:schemeClr val="lt1"/>
-    </dgm:txFillClrLst>
-    <dgm:txEffectClrLst/>
-  </dgm:styleLbl>
-  <dgm:styleLbl name="parChTrans1D1">
-    <dgm:fillClrLst meth="repeat">
-      <a:schemeClr val="accent1"/>
-    </dgm:fillClrLst>
-    <dgm:linClrLst meth="repeat">
-      <a:schemeClr val="accent1">
-        <a:shade val="60000"/>
-      </a:schemeClr>
-    </dgm:linClrLst>
-    <dgm:effectClrLst/>
-    <dgm:txLinClrLst/>
-    <dgm:txFillClrLst meth="repeat">
-      <a:schemeClr val="tx1"/>
-    </dgm:txFillClrLst>
-    <dgm:txEffectClrLst/>
-  </dgm:styleLbl>
-  <dgm:styleLbl name="parChTrans1D2">
-    <dgm:fillClrLst meth="repeat">
-      <a:schemeClr val="accent1"/>
-    </dgm:fillClrLst>
-    <dgm:linClrLst meth="repeat">
-      <a:schemeClr val="accent1">
-        <a:shade val="60000"/>
-      </a:schemeClr>
-    </dgm:linClrLst>
-    <dgm:effectClrLst/>
-    <dgm:txLinClrLst/>
-    <dgm:txFillClrLst meth="repeat">
-      <a:schemeClr val="tx1"/>
-    </dgm:txFillClrLst>
-    <dgm:txEffectClrLst/>
-  </dgm:styleLbl>
-  <dgm:styleLbl name="parChTrans1D3">
-    <dgm:fillClrLst meth="repeat">
-      <a:schemeClr val="accent1"/>
-    </dgm:fillClrLst>
-    <dgm:linClrLst meth="repeat">
-      <a:schemeClr val="accent1">
-        <a:shade val="80000"/>
-      </a:schemeClr>
-    </dgm:linClrLst>
-    <dgm:effectClrLst/>
-    <dgm:txLinClrLst/>
-    <dgm:txFillClrLst meth="repeat">
-      <a:schemeClr val="tx1"/>
-    </dgm:txFillClrLst>
-    <dgm:txEffectClrLst/>
-  </dgm:styleLbl>
-  <dgm:styleLbl name="parChTrans1D4">
-    <dgm:fillClrLst meth="repeat">
-      <a:schemeClr val="accent1"/>
-    </dgm:fillClrLst>
-    <dgm:linClrLst meth="repeat">
-      <a:schemeClr val="accent1">
-        <a:shade val="80000"/>
-      </a:schemeClr>
-    </dgm:linClrLst>
-    <dgm:effectClrLst/>
-    <dgm:txLinClrLst/>
-    <dgm:txFillClrLst meth="repeat">
-      <a:schemeClr val="tx1"/>
-    </dgm:txFillClrLst>
-    <dgm:txEffectClrLst/>
-  </dgm:styleLbl>
-  <dgm:styleLbl name="fgAcc1">
-    <dgm:fillClrLst meth="repeat">
-      <a:schemeClr val="lt1">
-        <a:alpha val="90000"/>
-      </a:schemeClr>
-    </dgm:fillClrLst>
-    <dgm:linClrLst meth="repeat">
-      <a:schemeClr val="accent1"/>
-    </dgm:linClrLst>
-    <dgm:effectClrLst/>
-    <dgm:txLinClrLst/>
-    <dgm:txFillClrLst meth="repeat">
-      <a:schemeClr val="dk1"/>
-    </dgm:txFillClrLst>
-    <dgm:txEffectClrLst/>
-  </dgm:styleLbl>
-  <dgm:styleLbl name="alignAcc1">
-    <dgm:fillClrLst meth="repeat">
-      <a:schemeClr val="lt1">
-        <a:alpha val="90000"/>
-      </a:schemeClr>
-    </dgm:fillClrLst>
-    <dgm:linClrLst meth="repeat">
-      <a:schemeClr val="accent1"/>
-    </dgm:linClrLst>
-    <dgm:effectClrLst/>
-    <dgm:txLinClrLst/>
-    <dgm:txFillClrLst meth="repeat">
-      <a:schemeClr val="dk1"/>
-    </dgm:txFillClrLst>
-    <dgm:txEffectClrLst/>
-  </dgm:styleLbl>
-  <dgm:styleLbl name="trAlignAcc1">
-    <dgm:fillClrLst meth="repeat">
-      <a:schemeClr val="lt1">
-        <a:alpha val="40000"/>
-      </a:schemeClr>
-    </dgm:fillClrLst>
-    <dgm:linClrLst meth="repeat">
-      <a:schemeClr val="accent1"/>
-    </dgm:linClrLst>
-    <dgm:effectClrLst/>
-    <dgm:txLinClrLst/>
-    <dgm:txFillClrLst meth="repeat">
-      <a:schemeClr val="dk1"/>
-    </dgm:txFillClrLst>
-    <dgm:txEffectClrLst/>
-  </dgm:styleLbl>
-  <dgm:styleLbl name="bgAcc1">
-    <dgm:fillClrLst meth="repeat">
-      <a:schemeClr val="lt1">
-        <a:alpha val="90000"/>
-      </a:schemeClr>
-    </dgm:fillClrLst>
-    <dgm:linClrLst meth="repeat">
-      <a:schemeClr val="accent1"/>
-    </dgm:linClrLst>
-    <dgm:effectClrLst/>
-    <dgm:txLinClrLst/>
-    <dgm:txFillClrLst meth="repeat">
-      <a:schemeClr val="dk1"/>
-    </dgm:txFillClrLst>
-    <dgm:txEffectClrLst/>
-  </dgm:styleLbl>
-  <dgm:styleLbl name="solidFgAcc1">
-    <dgm:fillClrLst meth="repeat">
-      <a:schemeClr val="lt1"/>
-    </dgm:fillClrLst>
-    <dgm:linClrLst meth="repeat">
-      <a:schemeClr val="accent1"/>
-    </dgm:linClrLst>
-    <dgm:effectClrLst/>
-    <dgm:txLinClrLst/>
-    <dgm:txFillClrLst meth="repeat">
-      <a:schemeClr val="dk1"/>
-    </dgm:txFillClrLst>
-    <dgm:txEffectClrLst/>
-  </dgm:styleLbl>
-  <dgm:styleLbl name="solidAlignAcc1">
-    <dgm:fillClrLst meth="repeat">
-      <a:schemeClr val="lt1"/>
-    </dgm:fillClrLst>
-    <dgm:linClrLst meth="repeat">
-      <a:schemeClr val="accent1"/>
-    </dgm:linClrLst>
-    <dgm:effectClrLst/>
-    <dgm:txLinClrLst/>
-    <dgm:txFillClrLst meth="repeat">
-      <a:schemeClr val="dk1"/>
-    </dgm:txFillClrLst>
-    <dgm:txEffectClrLst/>
-  </dgm:styleLbl>
-  <dgm:styleLbl name="solidBgAcc1">
-    <dgm:fillClrLst meth="repeat">
-      <a:schemeClr val="lt1"/>
-    </dgm:fillClrLst>
-    <dgm:linClrLst meth="repeat">
-      <a:schemeClr val="accent1"/>
-    </dgm:linClrLst>
-    <dgm:effectClrLst/>
-    <dgm:txLinClrLst/>
-    <dgm:txFillClrLst meth="repeat">
-      <a:schemeClr val="dk1"/>
-    </dgm:txFillClrLst>
-    <dgm:txEffectClrLst/>
-  </dgm:styleLbl>
-  <dgm:styleLbl name="fgAccFollowNode1">
-    <dgm:fillClrLst meth="repeat">
-      <a:schemeClr val="accent1">
-        <a:alpha val="90000"/>
-        <a:tint val="40000"/>
-      </a:schemeClr>
-    </dgm:fillClrLst>
-    <dgm:linClrLst meth="repeat">
-      <a:schemeClr val="accent1">
-        <a:alpha val="90000"/>
-        <a:tint val="40000"/>
-      </a:schemeClr>
-    </dgm:linClrLst>
-    <dgm:effectClrLst/>
-    <dgm:txLinClrLst/>
-    <dgm:txFillClrLst meth="repeat">
-      <a:schemeClr val="dk1"/>
-    </dgm:txFillClrLst>
-    <dgm:txEffectClrLst/>
-  </dgm:styleLbl>
-  <dgm:styleLbl name="alignAccFollowNode1">
-    <dgm:fillClrLst meth="repeat">
-      <a:schemeClr val="accent1">
-        <a:alpha val="90000"/>
-        <a:tint val="40000"/>
-      </a:schemeClr>
-    </dgm:fillClrLst>
-    <dgm:linClrLst meth="repeat">
-      <a:schemeClr val="accent1">
-        <a:alpha val="90000"/>
-        <a:tint val="40000"/>
-      </a:schemeClr>
-    </dgm:linClrLst>
-    <dgm:effectClrLst/>
-    <dgm:txLinClrLst/>
-    <dgm:txFillClrLst meth="repeat">
-      <a:schemeClr val="dk1"/>
-    </dgm:txFillClrLst>
-    <dgm:txEffectClrLst/>
-  </dgm:styleLbl>
-  <dgm:styleLbl name="bgAccFollowNode1">
-    <dgm:fillClrLst meth="repeat">
-      <a:schemeClr val="accent1">
-        <a:alpha val="90000"/>
-        <a:tint val="40000"/>
-      </a:schemeClr>
-    </dgm:fillClrLst>
-    <dgm:linClrLst meth="repeat">
-      <a:schemeClr val="accent1">
-        <a:alpha val="90000"/>
-        <a:tint val="40000"/>
-      </a:schemeClr>
-    </dgm:linClrLst>
-    <dgm:effectClrLst/>
-    <dgm:txLinClrLst/>
-    <dgm:txFillClrLst meth="repeat">
-      <a:schemeClr val="dk1"/>
-    </dgm:txFillClrLst>
-    <dgm:txEffectClrLst/>
-  </dgm:styleLbl>
-  <dgm:styleLbl name="fgAcc0">
-    <dgm:fillClrLst meth="repeat">
-      <a:schemeClr val="lt1">
-        <a:alpha val="90000"/>
-      </a:schemeClr>
-    </dgm:fillClrLst>
-    <dgm:linClrLst meth="repeat">
-      <a:schemeClr val="accent1"/>
-    </dgm:linClrLst>
-    <dgm:effectClrLst/>
-    <dgm:txLinClrLst/>
-    <dgm:txFillClrLst meth="repeat">
-      <a:schemeClr val="dk1"/>
-    </dgm:txFillClrLst>
-    <dgm:txEffectClrLst/>
-  </dgm:styleLbl>
-  <dgm:styleLbl name="fgAcc2">
-    <dgm:fillClrLst meth="repeat">
-      <a:schemeClr val="lt1">
-        <a:alpha val="90000"/>
-      </a:schemeClr>
-    </dgm:fillClrLst>
-    <dgm:linClrLst meth="repeat">
-      <a:schemeClr val="accent1"/>
-    </dgm:linClrLst>
-    <dgm:effectClrLst/>
-    <dgm:txLinClrLst/>
-    <dgm:txFillClrLst meth="repeat">
-      <a:schemeClr val="dk1"/>
-    </dgm:txFillClrLst>
-    <dgm:txEffectClrLst/>
-  </dgm:styleLbl>
-  <dgm:styleLbl name="fgAcc3">
-    <dgm:fillClrLst meth="repeat">
-      <a:schemeClr val="lt1">
-        <a:alpha val="90000"/>
-      </a:schemeClr>
-    </dgm:fillClrLst>
-    <dgm:linClrLst meth="repeat">
-      <a:schemeClr val="accent1"/>
-    </dgm:linClrLst>
-    <dgm:effectClrLst/>
-    <dgm:txLinClrLst/>
-    <dgm:txFillClrLst meth="repeat">
-      <a:schemeClr val="dk1"/>
-    </dgm:txFillClrLst>
-    <dgm:txEffectClrLst/>
-  </dgm:styleLbl>
-  <dgm:styleLbl name="fgAcc4">
-    <dgm:fillClrLst meth="repeat">
-      <a:schemeClr val="lt1">
-        <a:alpha val="90000"/>
-      </a:schemeClr>
-    </dgm:fillClrLst>
-    <dgm:linClrLst meth="repeat">
-      <a:schemeClr val="accent1"/>
-    </dgm:linClrLst>
-    <dgm:effectClrLst/>
-    <dgm:txLinClrLst/>
-    <dgm:txFillClrLst meth="repeat">
-      <a:schemeClr val="dk1"/>
-    </dgm:txFillClrLst>
-    <dgm:txEffectClrLst/>
-  </dgm:styleLbl>
-  <dgm:styleLbl name="bgShp">
-    <dgm:fillClrLst meth="repeat">
-      <a:schemeClr val="accent1">
-        <a:tint val="40000"/>
-      </a:schemeClr>
-    </dgm:fillClrLst>
-    <dgm:linClrLst meth="repeat">
-      <a:schemeClr val="accent1"/>
-    </dgm:linClrLst>
-    <dgm:effectClrLst/>
-    <dgm:txLinClrLst/>
-    <dgm:txFillClrLst meth="repeat">
-      <a:schemeClr val="dk1"/>
-    </dgm:txFillClrLst>
-    <dgm:txEffectClrLst/>
-  </dgm:styleLbl>
-  <dgm:styleLbl name="dkBgShp">
-    <dgm:fillClrLst meth="repeat">
-      <a:schemeClr val="accent1">
-        <a:shade val="80000"/>
-      </a:schemeClr>
-    </dgm:fillClrLst>
-    <dgm:linClrLst meth="repeat">
-      <a:schemeClr val="accent1"/>
-    </dgm:linClrLst>
-    <dgm:effectClrLst/>
-    <dgm:txLinClrLst/>
-    <dgm:txFillClrLst meth="repeat">
-      <a:schemeClr val="lt1"/>
-    </dgm:txFillClrLst>
-    <dgm:txEffectClrLst/>
-  </dgm:styleLbl>
-  <dgm:styleLbl name="trBgShp">
-    <dgm:fillClrLst meth="repeat">
-      <a:schemeClr val="accent1">
-        <a:tint val="50000"/>
-        <a:alpha val="40000"/>
-      </a:schemeClr>
-    </dgm:fillClrLst>
-    <dgm:linClrLst meth="repeat">
-      <a:schemeClr val="accent1"/>
-    </dgm:linClrLst>
-    <dgm:effectClrLst/>
-    <dgm:txLinClrLst/>
-    <dgm:txFillClrLst meth="repeat">
-      <a:schemeClr val="lt1"/>
-    </dgm:txFillClrLst>
-    <dgm:txEffectClrLst/>
-  </dgm:styleLbl>
-  <dgm:styleLbl name="fgShp">
-    <dgm:fillClrLst meth="repeat">
-      <a:schemeClr val="accent1">
-        <a:tint val="60000"/>
-      </a:schemeClr>
-    </dgm:fillClrLst>
-    <dgm:linClrLst meth="repeat">
-      <a:schemeClr val="lt1"/>
-    </dgm:linClrLst>
-    <dgm:effectClrLst/>
-    <dgm:txLinClrLst/>
-    <dgm:txFillClrLst meth="repeat">
-      <a:schemeClr val="dk1"/>
-    </dgm:txFillClrLst>
-    <dgm:txEffectClrLst/>
-  </dgm:styleLbl>
-  <dgm:styleLbl name="revTx">
-    <dgm:fillClrLst meth="repeat">
-      <a:schemeClr val="lt1">
-        <a:alpha val="0"/>
-      </a:schemeClr>
-    </dgm:fillClrLst>
-    <dgm:linClrLst meth="repeat">
-      <a:schemeClr val="dk1">
-        <a:alpha val="0"/>
-      </a:schemeClr>
-    </dgm:linClrLst>
-    <dgm:effectClrLst/>
-    <dgm:txLinClrLst/>
-    <dgm:txFillClrLst meth="repeat">
-      <a:schemeClr val="tx1"/>
-    </dgm:txFillClrLst>
-    <dgm:txEffectClrLst/>
-  </dgm:styleLbl>
-</dgm:colorsDef>
-</file>
-
-<file path=ppt/diagrams/colors3.xml><?xml version="1.0" encoding="utf-8"?>
 <dgm:colorsDef xmlns:dgm="http://schemas.openxmlformats.org/drawingml/2006/diagram" xmlns:a="http://schemas.openxmlformats.org/drawingml/2006/main" uniqueId="urn:microsoft.com/office/officeart/2005/8/colors/accent1_2#3" minVer="12.0">
   <dgm:title val=""/>
   <dgm:desc val=""/>
@@ -3437,381 +2720,6 @@
 </dgm:dataModel>
 </file>
 
-<file path=ppt/diagrams/data3.xml><?xml version="1.0" encoding="utf-8"?>
-<dgm:dataModel xmlns:dgm="http://schemas.openxmlformats.org/drawingml/2006/diagram" xmlns:a="http://schemas.openxmlformats.org/drawingml/2006/main">
-  <dgm:ptLst>
-    <dgm:pt modelId="{B7B4D503-0B80-4460-922F-678D7B3B9A0D}" type="doc">
-      <dgm:prSet loTypeId="urn:microsoft.com/office/officeart/2005/8/layout/list1#2" loCatId="list" qsTypeId="urn:microsoft.com/office/officeart/2005/8/quickstyle/simple1" qsCatId="simple" csTypeId="urn:microsoft.com/office/officeart/2005/8/colors/accent1_2#3" csCatId="accent1" phldr="1"/>
-      <dgm:spPr/>
-      <dgm:t>
-        <a:bodyPr rtlCol="0"/>
-        <a:lstStyle/>
-        <a:p>
-          <a:pPr rtl="0"/>
-          <a:endParaRPr lang="en-US"/>
-        </a:p>
-      </dgm:t>
-    </dgm:pt>
-    <dgm:pt modelId="{35CE50FE-FA6B-438A-BDBA-9B273E6736BA}">
-      <dgm:prSet/>
-      <dgm:spPr/>
-      <dgm:t>
-        <a:bodyPr rtlCol="0"/>
-        <a:lstStyle/>
-        <a:p>
-          <a:pPr rtl="0"/>
-          <a:r>
-            <a:rPr lang="ru-RU" noProof="0" dirty="0"/>
-            <a:t>Интерфейс</a:t>
-          </a:r>
-        </a:p>
-      </dgm:t>
-    </dgm:pt>
-    <dgm:pt modelId="{041EA2AA-79BF-4E81-BE26-7602451C547A}" type="parTrans" cxnId="{045A973B-2793-4233-B0DD-A06A4D9E568A}">
-      <dgm:prSet/>
-      <dgm:spPr/>
-      <dgm:t>
-        <a:bodyPr rtlCol="0"/>
-        <a:lstStyle/>
-        <a:p>
-          <a:pPr rtl="0"/>
-          <a:endParaRPr lang="ru-RU" noProof="0" dirty="0"/>
-        </a:p>
-      </dgm:t>
-    </dgm:pt>
-    <dgm:pt modelId="{5E917E99-E082-4E09-A2C0-44C12F971A6A}" type="sibTrans" cxnId="{045A973B-2793-4233-B0DD-A06A4D9E568A}">
-      <dgm:prSet/>
-      <dgm:spPr/>
-      <dgm:t>
-        <a:bodyPr rtlCol="0"/>
-        <a:lstStyle/>
-        <a:p>
-          <a:pPr rtl="0"/>
-          <a:endParaRPr lang="ru-RU" noProof="0" dirty="0"/>
-        </a:p>
-      </dgm:t>
-    </dgm:pt>
-    <dgm:pt modelId="{0CAD6BAE-C3D8-4C9E-99F7-B8721A5E98BA}">
-      <dgm:prSet/>
-      <dgm:spPr/>
-      <dgm:t>
-        <a:bodyPr rtlCol="0"/>
-        <a:lstStyle/>
-        <a:p>
-          <a:pPr rtl="0"/>
-          <a:r>
-            <a:rPr lang="ru-RU" noProof="0" dirty="0"/>
-            <a:t>Два поля для ввода слагаемых</a:t>
-          </a:r>
-        </a:p>
-      </dgm:t>
-    </dgm:pt>
-    <dgm:pt modelId="{8DB6AA9C-2239-43DF-9839-D6CB1D543D54}" type="parTrans" cxnId="{E3A69125-6FFB-45E4-9E9E-B6EA314C1766}">
-      <dgm:prSet/>
-      <dgm:spPr/>
-      <dgm:t>
-        <a:bodyPr rtlCol="0"/>
-        <a:lstStyle/>
-        <a:p>
-          <a:pPr rtl="0"/>
-          <a:endParaRPr lang="ru-RU" noProof="0" dirty="0"/>
-        </a:p>
-      </dgm:t>
-    </dgm:pt>
-    <dgm:pt modelId="{24056423-FE4B-4F8C-AC4A-01D94F90392B}" type="sibTrans" cxnId="{E3A69125-6FFB-45E4-9E9E-B6EA314C1766}">
-      <dgm:prSet/>
-      <dgm:spPr/>
-      <dgm:t>
-        <a:bodyPr rtlCol="0"/>
-        <a:lstStyle/>
-        <a:p>
-          <a:pPr rtl="0"/>
-          <a:endParaRPr lang="ru-RU" noProof="0" dirty="0"/>
-        </a:p>
-      </dgm:t>
-    </dgm:pt>
-    <dgm:pt modelId="{9D917CEA-E1DE-4F82-8267-4F7F8CD888EE}">
-      <dgm:prSet/>
-      <dgm:spPr/>
-      <dgm:t>
-        <a:bodyPr rtlCol="0"/>
-        <a:lstStyle/>
-        <a:p>
-          <a:pPr rtl="0"/>
-          <a:r>
-            <a:rPr lang="ru-RU" noProof="0" dirty="0"/>
-            <a:t>Кнопка, по нажатию которой происходит расчет</a:t>
-          </a:r>
-        </a:p>
-      </dgm:t>
-    </dgm:pt>
-    <dgm:pt modelId="{6114FE61-1325-456B-A0AD-FC7CADFA8674}" type="parTrans" cxnId="{0C4255E5-A099-42C1-A2C4-EDD7AF90B7AB}">
-      <dgm:prSet/>
-      <dgm:spPr/>
-      <dgm:t>
-        <a:bodyPr rtlCol="0"/>
-        <a:lstStyle/>
-        <a:p>
-          <a:pPr rtl="0"/>
-          <a:endParaRPr lang="ru-RU" noProof="0" dirty="0"/>
-        </a:p>
-      </dgm:t>
-    </dgm:pt>
-    <dgm:pt modelId="{32D7CD6A-211F-4E49-BC44-084FD1018470}" type="sibTrans" cxnId="{0C4255E5-A099-42C1-A2C4-EDD7AF90B7AB}">
-      <dgm:prSet/>
-      <dgm:spPr/>
-      <dgm:t>
-        <a:bodyPr rtlCol="0"/>
-        <a:lstStyle/>
-        <a:p>
-          <a:pPr rtl="0"/>
-          <a:endParaRPr lang="ru-RU" noProof="0" dirty="0"/>
-        </a:p>
-      </dgm:t>
-    </dgm:pt>
-    <dgm:pt modelId="{87CEC704-C58C-41F7-BF40-B3CC69DEB8B4}">
-      <dgm:prSet/>
-      <dgm:spPr/>
-      <dgm:t>
-        <a:bodyPr rtlCol="0"/>
-        <a:lstStyle/>
-        <a:p>
-          <a:pPr rtl="0"/>
-          <a:r>
-            <a:rPr lang="ru-RU" noProof="0" dirty="0"/>
-            <a:t>Поле для вывода результата</a:t>
-          </a:r>
-        </a:p>
-      </dgm:t>
-    </dgm:pt>
-    <dgm:pt modelId="{FF49FE88-D33B-456F-A327-35304218AC7B}" type="parTrans" cxnId="{2CF0FD25-2C46-4D07-AF26-01F751636C77}">
-      <dgm:prSet/>
-      <dgm:spPr/>
-      <dgm:t>
-        <a:bodyPr rtlCol="0"/>
-        <a:lstStyle/>
-        <a:p>
-          <a:pPr rtl="0"/>
-          <a:endParaRPr lang="ru-RU" noProof="0" dirty="0"/>
-        </a:p>
-      </dgm:t>
-    </dgm:pt>
-    <dgm:pt modelId="{E9C04286-F03D-4DCB-A312-F1B656A2CC36}" type="sibTrans" cxnId="{2CF0FD25-2C46-4D07-AF26-01F751636C77}">
-      <dgm:prSet/>
-      <dgm:spPr/>
-      <dgm:t>
-        <a:bodyPr rtlCol="0"/>
-        <a:lstStyle/>
-        <a:p>
-          <a:pPr rtl="0"/>
-          <a:endParaRPr lang="ru-RU" noProof="0" dirty="0"/>
-        </a:p>
-      </dgm:t>
-    </dgm:pt>
-    <dgm:pt modelId="{FAB0D79A-6A73-465B-8361-1FE36EEDCA6C}">
-      <dgm:prSet/>
-      <dgm:spPr/>
-      <dgm:t>
-        <a:bodyPr rtlCol="0"/>
-        <a:lstStyle/>
-        <a:p>
-          <a:pPr rtl="0"/>
-          <a:r>
-            <a:rPr lang="ru-RU" noProof="0" dirty="0"/>
-            <a:t>Код</a:t>
-          </a:r>
-        </a:p>
-      </dgm:t>
-    </dgm:pt>
-    <dgm:pt modelId="{33450DC6-26F7-411A-BD9F-F57016F3B766}" type="parTrans" cxnId="{A2F622A2-E4DB-4477-942D-FD44AEB4E764}">
-      <dgm:prSet/>
-      <dgm:spPr/>
-      <dgm:t>
-        <a:bodyPr rtlCol="0"/>
-        <a:lstStyle/>
-        <a:p>
-          <a:pPr rtl="0"/>
-          <a:endParaRPr lang="ru-RU" noProof="0" dirty="0"/>
-        </a:p>
-      </dgm:t>
-    </dgm:pt>
-    <dgm:pt modelId="{5104A0D4-D885-4FBB-8599-D9DDBD387BC4}" type="sibTrans" cxnId="{A2F622A2-E4DB-4477-942D-FD44AEB4E764}">
-      <dgm:prSet/>
-      <dgm:spPr/>
-      <dgm:t>
-        <a:bodyPr rtlCol="0"/>
-        <a:lstStyle/>
-        <a:p>
-          <a:pPr rtl="0"/>
-          <a:endParaRPr lang="ru-RU" noProof="0" dirty="0"/>
-        </a:p>
-      </dgm:t>
-    </dgm:pt>
-    <dgm:pt modelId="{69C06211-77AB-4945-9617-FE72D514367D}">
-      <dgm:prSet/>
-      <dgm:spPr/>
-      <dgm:t>
-        <a:bodyPr rtlCol="0"/>
-        <a:lstStyle/>
-        <a:p>
-          <a:pPr rtl="0">
-            <a:buFont typeface="Arial" panose="020B0604020202020204" pitchFamily="34" charset="0"/>
-            <a:buChar char="•"/>
-          </a:pPr>
-          <a:r>
-            <a:rPr lang="ru-RU" noProof="0" dirty="0">
-              <a:ea typeface="+mn-ea"/>
-              <a:cs typeface="+mn-cs"/>
-            </a:rPr>
-            <a:t>Метод обработки нажатия кнопки, в котором происходит сложение двух чисел и вывод их в третье поле</a:t>
-          </a:r>
-          <a:endParaRPr lang="ru-RU" noProof="0" dirty="0"/>
-        </a:p>
-      </dgm:t>
-    </dgm:pt>
-    <dgm:pt modelId="{E4A86DB6-52D1-44D9-9B48-953F9A9F4DCE}" type="parTrans" cxnId="{768DF3E5-91D6-43C5-9FA3-C64C84C67A26}">
-      <dgm:prSet/>
-      <dgm:spPr/>
-      <dgm:t>
-        <a:bodyPr rtlCol="0"/>
-        <a:lstStyle/>
-        <a:p>
-          <a:pPr rtl="0"/>
-          <a:endParaRPr lang="ru-RU" noProof="0" dirty="0"/>
-        </a:p>
-      </dgm:t>
-    </dgm:pt>
-    <dgm:pt modelId="{B618DDCC-A5A9-44B3-AC48-7ED49C7AFCBB}" type="sibTrans" cxnId="{768DF3E5-91D6-43C5-9FA3-C64C84C67A26}">
-      <dgm:prSet/>
-      <dgm:spPr/>
-      <dgm:t>
-        <a:bodyPr rtlCol="0"/>
-        <a:lstStyle/>
-        <a:p>
-          <a:pPr rtl="0"/>
-          <a:endParaRPr lang="ru-RU" noProof="0" dirty="0"/>
-        </a:p>
-      </dgm:t>
-    </dgm:pt>
-    <dgm:pt modelId="{01DD0F12-12F5-4D40-B8E1-50F8BA73202A}" type="pres">
-      <dgm:prSet presAssocID="{B7B4D503-0B80-4460-922F-678D7B3B9A0D}" presName="linear" presStyleCnt="0">
-        <dgm:presLayoutVars>
-          <dgm:dir/>
-          <dgm:animLvl val="lvl"/>
-          <dgm:resizeHandles val="exact"/>
-        </dgm:presLayoutVars>
-      </dgm:prSet>
-      <dgm:spPr/>
-    </dgm:pt>
-    <dgm:pt modelId="{9ADB6F5D-9C9F-48E8-BA73-30A7CB91DDA9}" type="pres">
-      <dgm:prSet presAssocID="{35CE50FE-FA6B-438A-BDBA-9B273E6736BA}" presName="parentLin" presStyleCnt="0"/>
-      <dgm:spPr/>
-    </dgm:pt>
-    <dgm:pt modelId="{1DA2DBA8-FF13-4046-9A4B-FA26A7A8AE04}" type="pres">
-      <dgm:prSet presAssocID="{35CE50FE-FA6B-438A-BDBA-9B273E6736BA}" presName="parentLeftMargin" presStyleLbl="node1" presStyleIdx="0" presStyleCnt="2"/>
-      <dgm:spPr/>
-    </dgm:pt>
-    <dgm:pt modelId="{E022AD64-6C14-41D5-BC9F-2BFBC0D6C3E0}" type="pres">
-      <dgm:prSet presAssocID="{35CE50FE-FA6B-438A-BDBA-9B273E6736BA}" presName="parentText" presStyleLbl="node1" presStyleIdx="0" presStyleCnt="2" custScaleX="74913" custScaleY="138211">
-        <dgm:presLayoutVars>
-          <dgm:chMax val="0"/>
-          <dgm:bulletEnabled val="1"/>
-        </dgm:presLayoutVars>
-      </dgm:prSet>
-      <dgm:spPr>
-        <a:prstGeom prst="rect">
-          <a:avLst/>
-        </a:prstGeom>
-      </dgm:spPr>
-    </dgm:pt>
-    <dgm:pt modelId="{EA1C4785-F717-46FE-9168-8C8D21641086}" type="pres">
-      <dgm:prSet presAssocID="{35CE50FE-FA6B-438A-BDBA-9B273E6736BA}" presName="negativeSpace" presStyleCnt="0"/>
-      <dgm:spPr/>
-    </dgm:pt>
-    <dgm:pt modelId="{F901923D-E6E1-47FE-BE41-8B8C66EFA3AF}" type="pres">
-      <dgm:prSet presAssocID="{35CE50FE-FA6B-438A-BDBA-9B273E6736BA}" presName="childText" presStyleLbl="alignAcc1" presStyleIdx="0" presStyleCnt="2">
-        <dgm:presLayoutVars>
-          <dgm:bulletEnabled val="1"/>
-        </dgm:presLayoutVars>
-      </dgm:prSet>
-      <dgm:spPr/>
-    </dgm:pt>
-    <dgm:pt modelId="{CC18E8B9-19B1-4F96-A127-5A94E08F615B}" type="pres">
-      <dgm:prSet presAssocID="{5E917E99-E082-4E09-A2C0-44C12F971A6A}" presName="spaceBetweenRectangles" presStyleCnt="0"/>
-      <dgm:spPr/>
-    </dgm:pt>
-    <dgm:pt modelId="{EE85961F-4A4D-4EDE-855D-760D922C48F6}" type="pres">
-      <dgm:prSet presAssocID="{FAB0D79A-6A73-465B-8361-1FE36EEDCA6C}" presName="parentLin" presStyleCnt="0"/>
-      <dgm:spPr/>
-    </dgm:pt>
-    <dgm:pt modelId="{2234A398-5A18-440A-9B31-5D99EC30BE8C}" type="pres">
-      <dgm:prSet presAssocID="{FAB0D79A-6A73-465B-8361-1FE36EEDCA6C}" presName="parentLeftMargin" presStyleLbl="node1" presStyleIdx="0" presStyleCnt="2"/>
-      <dgm:spPr/>
-    </dgm:pt>
-    <dgm:pt modelId="{51995420-F191-467D-9BF2-AC4D4D44A822}" type="pres">
-      <dgm:prSet presAssocID="{FAB0D79A-6A73-465B-8361-1FE36EEDCA6C}" presName="parentText" presStyleLbl="node1" presStyleIdx="1" presStyleCnt="2" custScaleX="55193" custScaleY="138211">
-        <dgm:presLayoutVars>
-          <dgm:chMax val="0"/>
-          <dgm:bulletEnabled val="1"/>
-        </dgm:presLayoutVars>
-      </dgm:prSet>
-      <dgm:spPr>
-        <a:prstGeom prst="rect">
-          <a:avLst/>
-        </a:prstGeom>
-      </dgm:spPr>
-    </dgm:pt>
-    <dgm:pt modelId="{93798D40-17A4-4F60-925E-8DD017A1743F}" type="pres">
-      <dgm:prSet presAssocID="{FAB0D79A-6A73-465B-8361-1FE36EEDCA6C}" presName="negativeSpace" presStyleCnt="0"/>
-      <dgm:spPr/>
-    </dgm:pt>
-    <dgm:pt modelId="{3C6D13E9-035D-48C2-B157-0FA2B30F21B6}" type="pres">
-      <dgm:prSet presAssocID="{FAB0D79A-6A73-465B-8361-1FE36EEDCA6C}" presName="childText" presStyleLbl="alignAcc1" presStyleIdx="1" presStyleCnt="2">
-        <dgm:presLayoutVars>
-          <dgm:bulletEnabled val="1"/>
-        </dgm:presLayoutVars>
-      </dgm:prSet>
-      <dgm:spPr/>
-    </dgm:pt>
-  </dgm:ptLst>
-  <dgm:cxnLst>
-    <dgm:cxn modelId="{01A64703-2DD0-45BE-B51C-8FB6746E3CA9}" type="presOf" srcId="{FAB0D79A-6A73-465B-8361-1FE36EEDCA6C}" destId="{2234A398-5A18-440A-9B31-5D99EC30BE8C}" srcOrd="0" destOrd="0" presId="urn:microsoft.com/office/officeart/2005/8/layout/list1#2"/>
-    <dgm:cxn modelId="{BA8F3F22-8D44-49CE-8C07-60524E994E38}" type="presOf" srcId="{FAB0D79A-6A73-465B-8361-1FE36EEDCA6C}" destId="{51995420-F191-467D-9BF2-AC4D4D44A822}" srcOrd="1" destOrd="0" presId="urn:microsoft.com/office/officeart/2005/8/layout/list1#2"/>
-    <dgm:cxn modelId="{E3A69125-6FFB-45E4-9E9E-B6EA314C1766}" srcId="{35CE50FE-FA6B-438A-BDBA-9B273E6736BA}" destId="{0CAD6BAE-C3D8-4C9E-99F7-B8721A5E98BA}" srcOrd="0" destOrd="0" parTransId="{8DB6AA9C-2239-43DF-9839-D6CB1D543D54}" sibTransId="{24056423-FE4B-4F8C-AC4A-01D94F90392B}"/>
-    <dgm:cxn modelId="{2CF0FD25-2C46-4D07-AF26-01F751636C77}" srcId="{35CE50FE-FA6B-438A-BDBA-9B273E6736BA}" destId="{87CEC704-C58C-41F7-BF40-B3CC69DEB8B4}" srcOrd="2" destOrd="0" parTransId="{FF49FE88-D33B-456F-A327-35304218AC7B}" sibTransId="{E9C04286-F03D-4DCB-A312-F1B656A2CC36}"/>
-    <dgm:cxn modelId="{57D9B837-C1F0-4173-BC9B-78F906992C96}" type="presOf" srcId="{0CAD6BAE-C3D8-4C9E-99F7-B8721A5E98BA}" destId="{F901923D-E6E1-47FE-BE41-8B8C66EFA3AF}" srcOrd="0" destOrd="0" presId="urn:microsoft.com/office/officeart/2005/8/layout/list1#2"/>
-    <dgm:cxn modelId="{045A973B-2793-4233-B0DD-A06A4D9E568A}" srcId="{B7B4D503-0B80-4460-922F-678D7B3B9A0D}" destId="{35CE50FE-FA6B-438A-BDBA-9B273E6736BA}" srcOrd="0" destOrd="0" parTransId="{041EA2AA-79BF-4E81-BE26-7602451C547A}" sibTransId="{5E917E99-E082-4E09-A2C0-44C12F971A6A}"/>
-    <dgm:cxn modelId="{3378AF40-8B13-4184-A666-55230E141836}" type="presOf" srcId="{9D917CEA-E1DE-4F82-8267-4F7F8CD888EE}" destId="{F901923D-E6E1-47FE-BE41-8B8C66EFA3AF}" srcOrd="0" destOrd="1" presId="urn:microsoft.com/office/officeart/2005/8/layout/list1#2"/>
-    <dgm:cxn modelId="{454DAA7D-7045-45E6-8EC5-B7BD3D872078}" type="presOf" srcId="{69C06211-77AB-4945-9617-FE72D514367D}" destId="{3C6D13E9-035D-48C2-B157-0FA2B30F21B6}" srcOrd="0" destOrd="0" presId="urn:microsoft.com/office/officeart/2005/8/layout/list1#2"/>
-    <dgm:cxn modelId="{A2F622A2-E4DB-4477-942D-FD44AEB4E764}" srcId="{B7B4D503-0B80-4460-922F-678D7B3B9A0D}" destId="{FAB0D79A-6A73-465B-8361-1FE36EEDCA6C}" srcOrd="1" destOrd="0" parTransId="{33450DC6-26F7-411A-BD9F-F57016F3B766}" sibTransId="{5104A0D4-D885-4FBB-8599-D9DDBD387BC4}"/>
-    <dgm:cxn modelId="{CD2140BB-2C93-47B8-ACA3-E8203BF2DBB4}" type="presOf" srcId="{35CE50FE-FA6B-438A-BDBA-9B273E6736BA}" destId="{1DA2DBA8-FF13-4046-9A4B-FA26A7A8AE04}" srcOrd="0" destOrd="0" presId="urn:microsoft.com/office/officeart/2005/8/layout/list1#2"/>
-    <dgm:cxn modelId="{876CB1BD-F97D-4315-AF3C-4B8873154413}" type="presOf" srcId="{35CE50FE-FA6B-438A-BDBA-9B273E6736BA}" destId="{E022AD64-6C14-41D5-BC9F-2BFBC0D6C3E0}" srcOrd="1" destOrd="0" presId="urn:microsoft.com/office/officeart/2005/8/layout/list1#2"/>
-    <dgm:cxn modelId="{5DA867DB-4E75-42E6-8B5A-1F2B65992BA7}" type="presOf" srcId="{B7B4D503-0B80-4460-922F-678D7B3B9A0D}" destId="{01DD0F12-12F5-4D40-B8E1-50F8BA73202A}" srcOrd="0" destOrd="0" presId="urn:microsoft.com/office/officeart/2005/8/layout/list1#2"/>
-    <dgm:cxn modelId="{0C4255E5-A099-42C1-A2C4-EDD7AF90B7AB}" srcId="{35CE50FE-FA6B-438A-BDBA-9B273E6736BA}" destId="{9D917CEA-E1DE-4F82-8267-4F7F8CD888EE}" srcOrd="1" destOrd="0" parTransId="{6114FE61-1325-456B-A0AD-FC7CADFA8674}" sibTransId="{32D7CD6A-211F-4E49-BC44-084FD1018470}"/>
-    <dgm:cxn modelId="{768DF3E5-91D6-43C5-9FA3-C64C84C67A26}" srcId="{FAB0D79A-6A73-465B-8361-1FE36EEDCA6C}" destId="{69C06211-77AB-4945-9617-FE72D514367D}" srcOrd="0" destOrd="0" parTransId="{E4A86DB6-52D1-44D9-9B48-953F9A9F4DCE}" sibTransId="{B618DDCC-A5A9-44B3-AC48-7ED49C7AFCBB}"/>
-    <dgm:cxn modelId="{45E8DCFA-5CDB-4386-A032-678A1CA1F640}" type="presOf" srcId="{87CEC704-C58C-41F7-BF40-B3CC69DEB8B4}" destId="{F901923D-E6E1-47FE-BE41-8B8C66EFA3AF}" srcOrd="0" destOrd="2" presId="urn:microsoft.com/office/officeart/2005/8/layout/list1#2"/>
-    <dgm:cxn modelId="{575A2F2B-2B4F-43EC-818C-B7E12DDDF3E9}" type="presParOf" srcId="{01DD0F12-12F5-4D40-B8E1-50F8BA73202A}" destId="{9ADB6F5D-9C9F-48E8-BA73-30A7CB91DDA9}" srcOrd="0" destOrd="0" presId="urn:microsoft.com/office/officeart/2005/8/layout/list1#2"/>
-    <dgm:cxn modelId="{9CB32CDE-348E-41D1-B8F9-95CA9A2BB358}" type="presParOf" srcId="{9ADB6F5D-9C9F-48E8-BA73-30A7CB91DDA9}" destId="{1DA2DBA8-FF13-4046-9A4B-FA26A7A8AE04}" srcOrd="0" destOrd="0" presId="urn:microsoft.com/office/officeart/2005/8/layout/list1#2"/>
-    <dgm:cxn modelId="{EFC7B67D-EA87-4273-8C2D-2368BBB7218A}" type="presParOf" srcId="{9ADB6F5D-9C9F-48E8-BA73-30A7CB91DDA9}" destId="{E022AD64-6C14-41D5-BC9F-2BFBC0D6C3E0}" srcOrd="1" destOrd="0" presId="urn:microsoft.com/office/officeart/2005/8/layout/list1#2"/>
-    <dgm:cxn modelId="{2B0B1F95-4B76-472F-A7C9-7251A2F918D3}" type="presParOf" srcId="{01DD0F12-12F5-4D40-B8E1-50F8BA73202A}" destId="{EA1C4785-F717-46FE-9168-8C8D21641086}" srcOrd="1" destOrd="0" presId="urn:microsoft.com/office/officeart/2005/8/layout/list1#2"/>
-    <dgm:cxn modelId="{9627A8E8-A74A-4B1E-89F4-6766DE1ACE37}" type="presParOf" srcId="{01DD0F12-12F5-4D40-B8E1-50F8BA73202A}" destId="{F901923D-E6E1-47FE-BE41-8B8C66EFA3AF}" srcOrd="2" destOrd="0" presId="urn:microsoft.com/office/officeart/2005/8/layout/list1#2"/>
-    <dgm:cxn modelId="{1DF9D7DA-C448-496C-8B8B-E830E4A0814F}" type="presParOf" srcId="{01DD0F12-12F5-4D40-B8E1-50F8BA73202A}" destId="{CC18E8B9-19B1-4F96-A127-5A94E08F615B}" srcOrd="3" destOrd="0" presId="urn:microsoft.com/office/officeart/2005/8/layout/list1#2"/>
-    <dgm:cxn modelId="{F929161F-4AAF-4766-A387-286B2ECEBC11}" type="presParOf" srcId="{01DD0F12-12F5-4D40-B8E1-50F8BA73202A}" destId="{EE85961F-4A4D-4EDE-855D-760D922C48F6}" srcOrd="4" destOrd="0" presId="urn:microsoft.com/office/officeart/2005/8/layout/list1#2"/>
-    <dgm:cxn modelId="{8F06F7D1-628F-4661-BD9F-C8347EB1FC06}" type="presParOf" srcId="{EE85961F-4A4D-4EDE-855D-760D922C48F6}" destId="{2234A398-5A18-440A-9B31-5D99EC30BE8C}" srcOrd="0" destOrd="0" presId="urn:microsoft.com/office/officeart/2005/8/layout/list1#2"/>
-    <dgm:cxn modelId="{CCB44C85-F44D-4052-B803-B2D0D707C7DD}" type="presParOf" srcId="{EE85961F-4A4D-4EDE-855D-760D922C48F6}" destId="{51995420-F191-467D-9BF2-AC4D4D44A822}" srcOrd="1" destOrd="0" presId="urn:microsoft.com/office/officeart/2005/8/layout/list1#2"/>
-    <dgm:cxn modelId="{9D78ACAF-890A-413C-BF49-CDB19B0C198A}" type="presParOf" srcId="{01DD0F12-12F5-4D40-B8E1-50F8BA73202A}" destId="{93798D40-17A4-4F60-925E-8DD017A1743F}" srcOrd="5" destOrd="0" presId="urn:microsoft.com/office/officeart/2005/8/layout/list1#2"/>
-    <dgm:cxn modelId="{C202862A-7E7B-4B84-B809-41170FB083E1}" type="presParOf" srcId="{01DD0F12-12F5-4D40-B8E1-50F8BA73202A}" destId="{3C6D13E9-035D-48C2-B157-0FA2B30F21B6}" srcOrd="6" destOrd="0" presId="urn:microsoft.com/office/officeart/2005/8/layout/list1#2"/>
-  </dgm:cxnLst>
-  <dgm:bg/>
-  <dgm:whole/>
-  <dgm:extLst>
-    <a:ext uri="http://schemas.microsoft.com/office/drawing/2008/diagram">
-      <dsp:dataModelExt xmlns:dsp="http://schemas.microsoft.com/office/drawing/2008/diagram" relId="rId7" minVer="http://schemas.openxmlformats.org/drawingml/2006/diagram"/>
-    </a:ext>
-  </dgm:extLst>
-</dgm:dataModel>
-</file>
-
 <file path=ppt/diagrams/drawing1.xml><?xml version="1.0" encoding="utf-8"?>
 <dsp:drawing xmlns:dgm="http://schemas.openxmlformats.org/drawingml/2006/diagram" xmlns:dsp="http://schemas.microsoft.com/office/drawing/2008/diagram" xmlns:a="http://schemas.openxmlformats.org/drawingml/2006/main">
   <dsp:spTree>
@@ -3868,7 +2776,7 @@
         <a:fontRef idx="minor"/>
       </dsp:style>
       <dsp:txBody>
-        <a:bodyPr spcFirstLastPara="0" vert="horz" wrap="square" lIns="637230" tIns="437388" rIns="637230" bIns="142240" numCol="1" spcCol="1270" rtlCol="0" anchor="t" anchorCtr="0">
+        <a:bodyPr spcFirstLastPara="0" vert="horz" wrap="square" lIns="637230" tIns="437388" rIns="637230" bIns="142240" numCol="1" spcCol="1270" anchor="t" anchorCtr="0">
           <a:noAutofit/>
         </a:bodyPr>
         <a:lstStyle/>
@@ -4894,365 +3802,6 @@
 </dsp:drawing>
 </file>
 
-<file path=ppt/diagrams/drawing3.xml><?xml version="1.0" encoding="utf-8"?>
-<dsp:drawing xmlns:dgm="http://schemas.openxmlformats.org/drawingml/2006/diagram" xmlns:dsp="http://schemas.microsoft.com/office/drawing/2008/diagram" xmlns:a="http://schemas.openxmlformats.org/drawingml/2006/main">
-  <dsp:spTree>
-    <dsp:nvGrpSpPr>
-      <dsp:cNvPr id="0" name=""/>
-      <dsp:cNvGrpSpPr/>
-    </dsp:nvGrpSpPr>
-    <dsp:grpSpPr/>
-    <dsp:sp modelId="{F901923D-E6E1-47FE-BE41-8B8C66EFA3AF}">
-      <dsp:nvSpPr>
-        <dsp:cNvPr id="0" name=""/>
-        <dsp:cNvSpPr/>
-      </dsp:nvSpPr>
-      <dsp:spPr>
-        <a:xfrm>
-          <a:off x="0" y="607383"/>
-          <a:ext cx="7968615" cy="1593900"/>
-        </a:xfrm>
-        <a:prstGeom prst="rect">
-          <a:avLst/>
-        </a:prstGeom>
-        <a:solidFill>
-          <a:schemeClr val="lt1">
-            <a:alpha val="90000"/>
-            <a:hueOff val="0"/>
-            <a:satOff val="0"/>
-            <a:lumOff val="0"/>
-            <a:alphaOff val="0"/>
-          </a:schemeClr>
-        </a:solidFill>
-        <a:ln w="25400" cap="flat" cmpd="sng" algn="ctr">
-          <a:solidFill>
-            <a:schemeClr val="accent1">
-              <a:hueOff val="0"/>
-              <a:satOff val="0"/>
-              <a:lumOff val="0"/>
-              <a:alphaOff val="0"/>
-            </a:schemeClr>
-          </a:solidFill>
-          <a:prstDash val="solid"/>
-        </a:ln>
-        <a:effectLst/>
-      </dsp:spPr>
-      <dsp:style>
-        <a:lnRef idx="2">
-          <a:scrgbClr r="0" g="0" b="0"/>
-        </a:lnRef>
-        <a:fillRef idx="1">
-          <a:scrgbClr r="0" g="0" b="0"/>
-        </a:fillRef>
-        <a:effectRef idx="0">
-          <a:scrgbClr r="0" g="0" b="0"/>
-        </a:effectRef>
-        <a:fontRef idx="minor"/>
-      </dsp:style>
-      <dsp:txBody>
-        <a:bodyPr spcFirstLastPara="0" vert="horz" wrap="square" lIns="618453" tIns="458216" rIns="618453" bIns="156464" numCol="1" spcCol="1270" rtlCol="0" anchor="t" anchorCtr="0">
-          <a:noAutofit/>
-        </a:bodyPr>
-        <a:lstStyle/>
-        <a:p>
-          <a:pPr marL="228600" lvl="1" indent="-228600" algn="l" defTabSz="977900" rtl="0">
-            <a:lnSpc>
-              <a:spcPct val="90000"/>
-            </a:lnSpc>
-            <a:spcBef>
-              <a:spcPct val="0"/>
-            </a:spcBef>
-            <a:spcAft>
-              <a:spcPct val="15000"/>
-            </a:spcAft>
-            <a:buChar char="•"/>
-          </a:pPr>
-          <a:r>
-            <a:rPr lang="ru-RU" sz="2200" kern="1200" noProof="0" dirty="0"/>
-            <a:t>Два поля для ввода слагаемых</a:t>
-          </a:r>
-        </a:p>
-        <a:p>
-          <a:pPr marL="228600" lvl="1" indent="-228600" algn="l" defTabSz="977900" rtl="0">
-            <a:lnSpc>
-              <a:spcPct val="90000"/>
-            </a:lnSpc>
-            <a:spcBef>
-              <a:spcPct val="0"/>
-            </a:spcBef>
-            <a:spcAft>
-              <a:spcPct val="15000"/>
-            </a:spcAft>
-            <a:buChar char="•"/>
-          </a:pPr>
-          <a:r>
-            <a:rPr lang="ru-RU" sz="2200" kern="1200" noProof="0" dirty="0"/>
-            <a:t>Кнопка, по нажатию которой происходит расчет</a:t>
-          </a:r>
-        </a:p>
-        <a:p>
-          <a:pPr marL="228600" lvl="1" indent="-228600" algn="l" defTabSz="977900" rtl="0">
-            <a:lnSpc>
-              <a:spcPct val="90000"/>
-            </a:lnSpc>
-            <a:spcBef>
-              <a:spcPct val="0"/>
-            </a:spcBef>
-            <a:spcAft>
-              <a:spcPct val="15000"/>
-            </a:spcAft>
-            <a:buChar char="•"/>
-          </a:pPr>
-          <a:r>
-            <a:rPr lang="ru-RU" sz="2200" kern="1200" noProof="0" dirty="0"/>
-            <a:t>Поле для вывода результата</a:t>
-          </a:r>
-        </a:p>
-      </dsp:txBody>
-      <dsp:txXfrm>
-        <a:off x="0" y="607383"/>
-        <a:ext cx="7968615" cy="1593900"/>
-      </dsp:txXfrm>
-    </dsp:sp>
-    <dsp:sp modelId="{E022AD64-6C14-41D5-BC9F-2BFBC0D6C3E0}">
-      <dsp:nvSpPr>
-        <dsp:cNvPr id="0" name=""/>
-        <dsp:cNvSpPr/>
-      </dsp:nvSpPr>
-      <dsp:spPr>
-        <a:xfrm>
-          <a:off x="398430" y="34505"/>
-          <a:ext cx="4178669" cy="897597"/>
-        </a:xfrm>
-        <a:prstGeom prst="rect">
-          <a:avLst/>
-        </a:prstGeom>
-        <a:solidFill>
-          <a:schemeClr val="accent1">
-            <a:hueOff val="0"/>
-            <a:satOff val="0"/>
-            <a:lumOff val="0"/>
-            <a:alphaOff val="0"/>
-          </a:schemeClr>
-        </a:solidFill>
-        <a:ln w="25400" cap="flat" cmpd="sng" algn="ctr">
-          <a:solidFill>
-            <a:schemeClr val="lt1">
-              <a:hueOff val="0"/>
-              <a:satOff val="0"/>
-              <a:lumOff val="0"/>
-              <a:alphaOff val="0"/>
-            </a:schemeClr>
-          </a:solidFill>
-          <a:prstDash val="solid"/>
-        </a:ln>
-        <a:effectLst/>
-      </dsp:spPr>
-      <dsp:style>
-        <a:lnRef idx="2">
-          <a:scrgbClr r="0" g="0" b="0"/>
-        </a:lnRef>
-        <a:fillRef idx="1">
-          <a:scrgbClr r="0" g="0" b="0"/>
-        </a:fillRef>
-        <a:effectRef idx="0">
-          <a:scrgbClr r="0" g="0" b="0"/>
-        </a:effectRef>
-        <a:fontRef idx="minor">
-          <a:schemeClr val="lt1"/>
-        </a:fontRef>
-      </dsp:style>
-      <dsp:txBody>
-        <a:bodyPr spcFirstLastPara="0" vert="horz" wrap="square" lIns="210836" tIns="0" rIns="210836" bIns="0" numCol="1" spcCol="1270" rtlCol="0" anchor="ctr" anchorCtr="0">
-          <a:noAutofit/>
-        </a:bodyPr>
-        <a:lstStyle/>
-        <a:p>
-          <a:pPr marL="0" lvl="0" indent="0" algn="l" defTabSz="977900" rtl="0">
-            <a:lnSpc>
-              <a:spcPct val="90000"/>
-            </a:lnSpc>
-            <a:spcBef>
-              <a:spcPct val="0"/>
-            </a:spcBef>
-            <a:spcAft>
-              <a:spcPct val="35000"/>
-            </a:spcAft>
-            <a:buNone/>
-          </a:pPr>
-          <a:r>
-            <a:rPr lang="ru-RU" sz="2200" kern="1200" noProof="0" dirty="0"/>
-            <a:t>Интерфейс</a:t>
-          </a:r>
-        </a:p>
-      </dsp:txBody>
-      <dsp:txXfrm>
-        <a:off x="398430" y="34505"/>
-        <a:ext cx="4178669" cy="897597"/>
-      </dsp:txXfrm>
-    </dsp:sp>
-    <dsp:sp modelId="{3C6D13E9-035D-48C2-B157-0FA2B30F21B6}">
-      <dsp:nvSpPr>
-        <dsp:cNvPr id="0" name=""/>
-        <dsp:cNvSpPr/>
-      </dsp:nvSpPr>
-      <dsp:spPr>
-        <a:xfrm>
-          <a:off x="0" y="2892961"/>
-          <a:ext cx="7968615" cy="1489950"/>
-        </a:xfrm>
-        <a:prstGeom prst="rect">
-          <a:avLst/>
-        </a:prstGeom>
-        <a:solidFill>
-          <a:schemeClr val="lt1">
-            <a:alpha val="90000"/>
-            <a:hueOff val="0"/>
-            <a:satOff val="0"/>
-            <a:lumOff val="0"/>
-            <a:alphaOff val="0"/>
-          </a:schemeClr>
-        </a:solidFill>
-        <a:ln w="25400" cap="flat" cmpd="sng" algn="ctr">
-          <a:solidFill>
-            <a:schemeClr val="accent1">
-              <a:hueOff val="0"/>
-              <a:satOff val="0"/>
-              <a:lumOff val="0"/>
-              <a:alphaOff val="0"/>
-            </a:schemeClr>
-          </a:solidFill>
-          <a:prstDash val="solid"/>
-        </a:ln>
-        <a:effectLst/>
-      </dsp:spPr>
-      <dsp:style>
-        <a:lnRef idx="2">
-          <a:scrgbClr r="0" g="0" b="0"/>
-        </a:lnRef>
-        <a:fillRef idx="1">
-          <a:scrgbClr r="0" g="0" b="0"/>
-        </a:fillRef>
-        <a:effectRef idx="0">
-          <a:scrgbClr r="0" g="0" b="0"/>
-        </a:effectRef>
-        <a:fontRef idx="minor"/>
-      </dsp:style>
-      <dsp:txBody>
-        <a:bodyPr spcFirstLastPara="0" vert="horz" wrap="square" lIns="618453" tIns="458216" rIns="618453" bIns="156464" numCol="1" spcCol="1270" rtlCol="0" anchor="t" anchorCtr="0">
-          <a:noAutofit/>
-        </a:bodyPr>
-        <a:lstStyle/>
-        <a:p>
-          <a:pPr marL="228600" lvl="1" indent="-228600" algn="l" defTabSz="977900" rtl="0">
-            <a:lnSpc>
-              <a:spcPct val="90000"/>
-            </a:lnSpc>
-            <a:spcBef>
-              <a:spcPct val="0"/>
-            </a:spcBef>
-            <a:spcAft>
-              <a:spcPct val="15000"/>
-            </a:spcAft>
-            <a:buFont typeface="Arial" panose="020B0604020202020204" pitchFamily="34" charset="0"/>
-            <a:buChar char="•"/>
-          </a:pPr>
-          <a:r>
-            <a:rPr lang="ru-RU" sz="2200" kern="1200" noProof="0" dirty="0">
-              <a:ea typeface="+mn-ea"/>
-              <a:cs typeface="+mn-cs"/>
-            </a:rPr>
-            <a:t>Метод обработки нажатия кнопки, в котором происходит сложение двух чисел и вывод их в третье поле</a:t>
-          </a:r>
-          <a:endParaRPr lang="ru-RU" sz="2200" kern="1200" noProof="0" dirty="0"/>
-        </a:p>
-      </dsp:txBody>
-      <dsp:txXfrm>
-        <a:off x="0" y="2892961"/>
-        <a:ext cx="7968615" cy="1489950"/>
-      </dsp:txXfrm>
-    </dsp:sp>
-    <dsp:sp modelId="{51995420-F191-467D-9BF2-AC4D4D44A822}">
-      <dsp:nvSpPr>
-        <dsp:cNvPr id="0" name=""/>
-        <dsp:cNvSpPr/>
-      </dsp:nvSpPr>
-      <dsp:spPr>
-        <a:xfrm>
-          <a:off x="398430" y="2320083"/>
-          <a:ext cx="3078682" cy="897597"/>
-        </a:xfrm>
-        <a:prstGeom prst="rect">
-          <a:avLst/>
-        </a:prstGeom>
-        <a:solidFill>
-          <a:schemeClr val="accent1">
-            <a:hueOff val="0"/>
-            <a:satOff val="0"/>
-            <a:lumOff val="0"/>
-            <a:alphaOff val="0"/>
-          </a:schemeClr>
-        </a:solidFill>
-        <a:ln w="25400" cap="flat" cmpd="sng" algn="ctr">
-          <a:solidFill>
-            <a:schemeClr val="lt1">
-              <a:hueOff val="0"/>
-              <a:satOff val="0"/>
-              <a:lumOff val="0"/>
-              <a:alphaOff val="0"/>
-            </a:schemeClr>
-          </a:solidFill>
-          <a:prstDash val="solid"/>
-        </a:ln>
-        <a:effectLst/>
-      </dsp:spPr>
-      <dsp:style>
-        <a:lnRef idx="2">
-          <a:scrgbClr r="0" g="0" b="0"/>
-        </a:lnRef>
-        <a:fillRef idx="1">
-          <a:scrgbClr r="0" g="0" b="0"/>
-        </a:fillRef>
-        <a:effectRef idx="0">
-          <a:scrgbClr r="0" g="0" b="0"/>
-        </a:effectRef>
-        <a:fontRef idx="minor">
-          <a:schemeClr val="lt1"/>
-        </a:fontRef>
-      </dsp:style>
-      <dsp:txBody>
-        <a:bodyPr spcFirstLastPara="0" vert="horz" wrap="square" lIns="210836" tIns="0" rIns="210836" bIns="0" numCol="1" spcCol="1270" rtlCol="0" anchor="ctr" anchorCtr="0">
-          <a:noAutofit/>
-        </a:bodyPr>
-        <a:lstStyle/>
-        <a:p>
-          <a:pPr marL="0" lvl="0" indent="0" algn="l" defTabSz="977900" rtl="0">
-            <a:lnSpc>
-              <a:spcPct val="90000"/>
-            </a:lnSpc>
-            <a:spcBef>
-              <a:spcPct val="0"/>
-            </a:spcBef>
-            <a:spcAft>
-              <a:spcPct val="35000"/>
-            </a:spcAft>
-            <a:buNone/>
-          </a:pPr>
-          <a:r>
-            <a:rPr lang="ru-RU" sz="2200" kern="1200" noProof="0" dirty="0"/>
-            <a:t>Код</a:t>
-          </a:r>
-        </a:p>
-      </dsp:txBody>
-      <dsp:txXfrm>
-        <a:off x="398430" y="2320083"/>
-        <a:ext cx="3078682" cy="897597"/>
-      </dsp:txXfrm>
-    </dsp:sp>
-  </dsp:spTree>
-</dsp:drawing>
-</file>
-
 <file path=ppt/diagrams/layout1.xml><?xml version="1.0" encoding="utf-8"?>
 <dgm:layoutDef xmlns:dgm="http://schemas.openxmlformats.org/drawingml/2006/diagram" xmlns:a="http://schemas.openxmlformats.org/drawingml/2006/main" uniqueId="urn:microsoft.com/office/officeart/2005/8/layout/list1#2" minVer="12.0">
   <dgm:title val=""/>
@@ -5693,226 +4242,6 @@
 </dgm:layoutDef>
 </file>
 
-<file path=ppt/diagrams/layout3.xml><?xml version="1.0" encoding="utf-8"?>
-<dgm:layoutDef xmlns:dgm="http://schemas.openxmlformats.org/drawingml/2006/diagram" xmlns:a="http://schemas.openxmlformats.org/drawingml/2006/main" uniqueId="urn:microsoft.com/office/officeart/2005/8/layout/list1#2" minVer="12.0">
-  <dgm:title val=""/>
-  <dgm:desc val=""/>
-  <dgm:catLst>
-    <dgm:cat type="list" pri="4000"/>
-  </dgm:catLst>
-  <dgm:sampData>
-    <dgm:dataModel>
-      <dgm:ptLst>
-        <dgm:pt modelId="0" type="doc">
-          <dgm:prSet phldr="1"/>
-        </dgm:pt>
-        <dgm:pt modelId="1">
-          <dgm:prSet phldr="1"/>
-        </dgm:pt>
-        <dgm:pt modelId="2">
-          <dgm:prSet phldr="1"/>
-        </dgm:pt>
-        <dgm:pt modelId="3">
-          <dgm:prSet phldr="1"/>
-        </dgm:pt>
-      </dgm:ptLst>
-      <dgm:cxnLst>
-        <dgm:cxn modelId="4" srcId="0" destId="1" srcOrd="0" destOrd="0"/>
-        <dgm:cxn modelId="5" srcId="0" destId="2" srcOrd="1" destOrd="0"/>
-        <dgm:cxn modelId="6" srcId="0" destId="3" srcOrd="2" destOrd="0"/>
-      </dgm:cxnLst>
-      <dgm:bg/>
-      <dgm:whole/>
-    </dgm:dataModel>
-  </dgm:sampData>
-  <dgm:styleData>
-    <dgm:dataModel>
-      <dgm:ptLst>
-        <dgm:pt modelId="0" type="doc"/>
-        <dgm:pt modelId="1"/>
-        <dgm:pt modelId="2"/>
-      </dgm:ptLst>
-      <dgm:cxnLst>
-        <dgm:cxn modelId="4" srcId="0" destId="1" srcOrd="0" destOrd="0"/>
-        <dgm:cxn modelId="5" srcId="0" destId="2" srcOrd="1" destOrd="0"/>
-      </dgm:cxnLst>
-      <dgm:bg/>
-      <dgm:whole/>
-    </dgm:dataModel>
-  </dgm:styleData>
-  <dgm:clrData>
-    <dgm:dataModel>
-      <dgm:ptLst>
-        <dgm:pt modelId="0" type="doc"/>
-        <dgm:pt modelId="1"/>
-        <dgm:pt modelId="2"/>
-        <dgm:pt modelId="3"/>
-        <dgm:pt modelId="4"/>
-      </dgm:ptLst>
-      <dgm:cxnLst>
-        <dgm:cxn modelId="5" srcId="0" destId="1" srcOrd="0" destOrd="0"/>
-        <dgm:cxn modelId="6" srcId="0" destId="2" srcOrd="1" destOrd="0"/>
-        <dgm:cxn modelId="7" srcId="0" destId="3" srcOrd="2" destOrd="0"/>
-        <dgm:cxn modelId="8" srcId="0" destId="4" srcOrd="3" destOrd="0"/>
-      </dgm:cxnLst>
-      <dgm:bg/>
-      <dgm:whole/>
-    </dgm:dataModel>
-  </dgm:clrData>
-  <dgm:layoutNode name="linear">
-    <dgm:varLst>
-      <dgm:dir/>
-      <dgm:animLvl val="lvl"/>
-      <dgm:resizeHandles val="exact"/>
-    </dgm:varLst>
-    <dgm:choose name="Name0">
-      <dgm:if name="Name1" func="var" arg="dir" op="equ" val="norm">
-        <dgm:alg type="lin">
-          <dgm:param type="linDir" val="fromT"/>
-          <dgm:param type="vertAlign" val="mid"/>
-          <dgm:param type="horzAlign" val="l"/>
-          <dgm:param type="nodeHorzAlign" val="l"/>
-        </dgm:alg>
-      </dgm:if>
-      <dgm:else name="Name2">
-        <dgm:alg type="lin">
-          <dgm:param type="linDir" val="fromT"/>
-          <dgm:param type="vertAlign" val="mid"/>
-          <dgm:param type="horzAlign" val="r"/>
-          <dgm:param type="nodeHorzAlign" val="r"/>
-        </dgm:alg>
-      </dgm:else>
-    </dgm:choose>
-    <dgm:shape xmlns:r="http://schemas.openxmlformats.org/officeDocument/2006/relationships" r:blip="">
-      <dgm:adjLst/>
-    </dgm:shape>
-    <dgm:constrLst>
-      <dgm:constr type="w" for="ch" forName="parentLin" refType="w"/>
-      <dgm:constr type="h" for="ch" forName="parentLin" val="INF"/>
-      <dgm:constr type="w" for="des" forName="parentLeftMargin" refType="w" fact="0.05"/>
-      <dgm:constr type="w" for="des" forName="parentText" refType="w" fact="0.7"/>
-      <dgm:constr type="h" for="des" forName="parentText" refType="primFontSz" refFor="des" refForName="parentText" fact="0.82"/>
-      <dgm:constr type="h" for="ch" forName="negativeSpace" refType="primFontSz" refFor="des" refForName="parentText" fact="-0.41"/>
-      <dgm:constr type="h" for="ch" forName="negativeSpace" refType="h" refFor="des" refForName="parentText" op="lte" fact="-0.82"/>
-      <dgm:constr type="h" for="ch" forName="negativeSpace" refType="h" refFor="des" refForName="parentText" op="gte" fact="-0.82"/>
-      <dgm:constr type="w" for="ch" forName="childText" refType="w"/>
-      <dgm:constr type="h" for="ch" forName="childText" refType="primFontSz" refFor="des" refForName="parentText" fact="0.7"/>
-      <dgm:constr type="primFontSz" for="des" forName="parentText" val="100"/>
-      <dgm:constr type="primFontSz" for="ch" forName="childText" refType="primFontSz" refFor="des" refForName="parentText"/>
-      <dgm:constr type="tMarg" for="ch" forName="childText" refType="primFontSz" refFor="des" refForName="parentText" fact="1.64"/>
-      <dgm:constr type="tMarg" for="ch" forName="childText" refType="h" refFor="des" refForName="parentText" op="lte" fact="3.28"/>
-      <dgm:constr type="tMarg" for="ch" forName="childText" refType="h" refFor="des" refForName="parentText" op="gte" fact="3.28"/>
-      <dgm:constr type="lMarg" for="ch" forName="childText" refType="w" fact="0.22"/>
-      <dgm:constr type="rMarg" for="ch" forName="childText" refType="lMarg" refFor="ch" refForName="childText"/>
-      <dgm:constr type="lMarg" for="des" forName="parentText" refType="w" fact="0.075"/>
-      <dgm:constr type="rMarg" for="des" forName="parentText" refType="lMarg" refFor="des" refForName="parentText"/>
-      <dgm:constr type="h" for="ch" forName="spaceBetweenRectangles" refType="primFontSz" refFor="des" refForName="parentText" fact="0.15"/>
-    </dgm:constrLst>
-    <dgm:ruleLst>
-      <dgm:rule type="primFontSz" for="des" forName="parentText" val="2" fact="NaN" max="NaN"/>
-    </dgm:ruleLst>
-    <dgm:forEach name="Name3" axis="ch" ptType="node">
-      <dgm:layoutNode name="parentLin">
-        <dgm:choose name="Name4">
-          <dgm:if name="Name5" func="var" arg="dir" op="equ" val="norm">
-            <dgm:alg type="lin">
-              <dgm:param type="linDir" val="fromL"/>
-              <dgm:param type="horzAlign" val="l"/>
-              <dgm:param type="nodeHorzAlign" val="l"/>
-            </dgm:alg>
-          </dgm:if>
-          <dgm:else name="Name6">
-            <dgm:alg type="lin">
-              <dgm:param type="linDir" val="fromR"/>
-              <dgm:param type="horzAlign" val="r"/>
-              <dgm:param type="nodeHorzAlign" val="r"/>
-            </dgm:alg>
-          </dgm:else>
-        </dgm:choose>
-        <dgm:shape xmlns:r="http://schemas.openxmlformats.org/officeDocument/2006/relationships" r:blip="">
-          <dgm:adjLst/>
-        </dgm:shape>
-        <dgm:constrLst/>
-        <dgm:ruleLst/>
-        <dgm:layoutNode name="parentLeftMargin">
-          <dgm:alg type="sp"/>
-          <dgm:shape xmlns:r="http://schemas.openxmlformats.org/officeDocument/2006/relationships" type="rect" r:blip="" hideGeom="1">
-            <dgm:adjLst/>
-          </dgm:shape>
-          <dgm:constrLst>
-            <dgm:constr type="h"/>
-          </dgm:constrLst>
-          <dgm:ruleLst/>
-        </dgm:layoutNode>
-        <dgm:layoutNode name="parentText" styleLbl="node1">
-          <dgm:varLst>
-            <dgm:chMax val="0"/>
-            <dgm:bulletEnabled val="1"/>
-          </dgm:varLst>
-          <dgm:choose name="Name7">
-            <dgm:if name="Name8" func="var" arg="dir" op="equ" val="norm">
-              <dgm:alg type="tx">
-                <dgm:param type="parTxLTRAlign" val="l"/>
-                <dgm:param type="parTxRTLAlign" val="l"/>
-              </dgm:alg>
-            </dgm:if>
-            <dgm:else name="Name9">
-              <dgm:alg type="tx">
-                <dgm:param type="parTxLTRAlign" val="r"/>
-                <dgm:param type="parTxRTLAlign" val="r"/>
-              </dgm:alg>
-            </dgm:else>
-          </dgm:choose>
-          <dgm:shape xmlns:r="http://schemas.openxmlformats.org/officeDocument/2006/relationships" type="roundRect" r:blip="">
-            <dgm:adjLst/>
-          </dgm:shape>
-          <dgm:presOf axis="self" ptType="node"/>
-          <dgm:constrLst>
-            <dgm:constr type="tMarg"/>
-            <dgm:constr type="bMarg"/>
-          </dgm:constrLst>
-          <dgm:ruleLst/>
-        </dgm:layoutNode>
-      </dgm:layoutNode>
-      <dgm:layoutNode name="negativeSpace">
-        <dgm:alg type="sp"/>
-        <dgm:presOf/>
-        <dgm:constrLst/>
-        <dgm:ruleLst/>
-      </dgm:layoutNode>
-      <dgm:layoutNode name="childText" styleLbl="alignAcc1">
-        <dgm:varLst>
-          <dgm:bulletEnabled val="1"/>
-        </dgm:varLst>
-        <dgm:alg type="tx">
-          <dgm:param type="stBulletLvl" val="1"/>
-        </dgm:alg>
-        <dgm:shape xmlns:r="http://schemas.openxmlformats.org/officeDocument/2006/relationships" type="rect" r:blip="" zOrderOff="-2">
-          <dgm:adjLst/>
-        </dgm:shape>
-        <dgm:presOf axis="des" ptType="node"/>
-        <dgm:constrLst>
-          <dgm:constr type="secFontSz" refType="primFontSz"/>
-        </dgm:constrLst>
-        <dgm:ruleLst>
-          <dgm:rule type="h" val="INF" fact="NaN" max="NaN"/>
-        </dgm:ruleLst>
-      </dgm:layoutNode>
-      <dgm:forEach name="Name10" axis="followSib" ptType="sibTrans" cnt="1">
-        <dgm:layoutNode name="spaceBetweenRectangles">
-          <dgm:alg type="sp"/>
-          <dgm:presOf/>
-          <dgm:shape xmlns:r="http://schemas.openxmlformats.org/officeDocument/2006/relationships" r:blip="">
-            <dgm:adjLst/>
-          </dgm:shape>
-          <dgm:constrLst/>
-        </dgm:layoutNode>
-      </dgm:forEach>
-    </dgm:forEach>
-  </dgm:layoutNode>
-</dgm:layoutDef>
-</file>
-
 <file path=ppt/diagrams/quickStyle1.xml><?xml version="1.0" encoding="utf-8"?>
 <dgm:styleDef xmlns:dgm="http://schemas.openxmlformats.org/drawingml/2006/diagram" xmlns:a="http://schemas.openxmlformats.org/drawingml/2006/main" uniqueId="urn:microsoft.com/office/officeart/2005/8/quickstyle/simple1">
   <dgm:title val=""/>
@@ -6948,1040 +5277,6 @@
 </file>
 
 <file path=ppt/diagrams/quickStyle2.xml><?xml version="1.0" encoding="utf-8"?>
-<dgm:styleDef xmlns:dgm="http://schemas.openxmlformats.org/drawingml/2006/diagram" xmlns:a="http://schemas.openxmlformats.org/drawingml/2006/main" uniqueId="urn:microsoft.com/office/officeart/2005/8/quickstyle/simple1">
-  <dgm:title val=""/>
-  <dgm:desc val=""/>
-  <dgm:catLst>
-    <dgm:cat type="simple" pri="10100"/>
-  </dgm:catLst>
-  <dgm:scene3d>
-    <a:camera prst="orthographicFront"/>
-    <a:lightRig rig="threePt" dir="t"/>
-  </dgm:scene3d>
-  <dgm:styleLbl name="node0">
-    <dgm:scene3d>
-      <a:camera prst="orthographicFront"/>
-      <a:lightRig rig="threePt" dir="t"/>
-    </dgm:scene3d>
-    <dgm:sp3d/>
-    <dgm:txPr/>
-    <dgm:style>
-      <a:lnRef idx="2">
-        <a:scrgbClr r="0" g="0" b="0"/>
-      </a:lnRef>
-      <a:fillRef idx="1">
-        <a:scrgbClr r="0" g="0" b="0"/>
-      </a:fillRef>
-      <a:effectRef idx="0">
-        <a:scrgbClr r="0" g="0" b="0"/>
-      </a:effectRef>
-      <a:fontRef idx="minor">
-        <a:schemeClr val="lt1"/>
-      </a:fontRef>
-    </dgm:style>
-  </dgm:styleLbl>
-  <dgm:styleLbl name="lnNode1">
-    <dgm:scene3d>
-      <a:camera prst="orthographicFront"/>
-      <a:lightRig rig="threePt" dir="t"/>
-    </dgm:scene3d>
-    <dgm:sp3d/>
-    <dgm:txPr/>
-    <dgm:style>
-      <a:lnRef idx="2">
-        <a:scrgbClr r="0" g="0" b="0"/>
-      </a:lnRef>
-      <a:fillRef idx="1">
-        <a:scrgbClr r="0" g="0" b="0"/>
-      </a:fillRef>
-      <a:effectRef idx="0">
-        <a:scrgbClr r="0" g="0" b="0"/>
-      </a:effectRef>
-      <a:fontRef idx="minor">
-        <a:schemeClr val="lt1"/>
-      </a:fontRef>
-    </dgm:style>
-  </dgm:styleLbl>
-  <dgm:styleLbl name="vennNode1">
-    <dgm:scene3d>
-      <a:camera prst="orthographicFront"/>
-      <a:lightRig rig="threePt" dir="t"/>
-    </dgm:scene3d>
-    <dgm:sp3d/>
-    <dgm:txPr/>
-    <dgm:style>
-      <a:lnRef idx="2">
-        <a:scrgbClr r="0" g="0" b="0"/>
-      </a:lnRef>
-      <a:fillRef idx="1">
-        <a:scrgbClr r="0" g="0" b="0"/>
-      </a:fillRef>
-      <a:effectRef idx="0">
-        <a:scrgbClr r="0" g="0" b="0"/>
-      </a:effectRef>
-      <a:fontRef idx="minor">
-        <a:schemeClr val="tx1"/>
-      </a:fontRef>
-    </dgm:style>
-  </dgm:styleLbl>
-  <dgm:styleLbl name="alignNode1">
-    <dgm:scene3d>
-      <a:camera prst="orthographicFront"/>
-      <a:lightRig rig="threePt" dir="t"/>
-    </dgm:scene3d>
-    <dgm:sp3d/>
-    <dgm:txPr/>
-    <dgm:style>
-      <a:lnRef idx="2">
-        <a:scrgbClr r="0" g="0" b="0"/>
-      </a:lnRef>
-      <a:fillRef idx="1">
-        <a:scrgbClr r="0" g="0" b="0"/>
-      </a:fillRef>
-      <a:effectRef idx="0">
-        <a:scrgbClr r="0" g="0" b="0"/>
-      </a:effectRef>
-      <a:fontRef idx="minor">
-        <a:schemeClr val="lt1"/>
-      </a:fontRef>
-    </dgm:style>
-  </dgm:styleLbl>
-  <dgm:styleLbl name="node1">
-    <dgm:scene3d>
-      <a:camera prst="orthographicFront"/>
-      <a:lightRig rig="threePt" dir="t"/>
-    </dgm:scene3d>
-    <dgm:sp3d/>
-    <dgm:txPr/>
-    <dgm:style>
-      <a:lnRef idx="2">
-        <a:scrgbClr r="0" g="0" b="0"/>
-      </a:lnRef>
-      <a:fillRef idx="1">
-        <a:scrgbClr r="0" g="0" b="0"/>
-      </a:fillRef>
-      <a:effectRef idx="0">
-        <a:scrgbClr r="0" g="0" b="0"/>
-      </a:effectRef>
-      <a:fontRef idx="minor">
-        <a:schemeClr val="lt1"/>
-      </a:fontRef>
-    </dgm:style>
-  </dgm:styleLbl>
-  <dgm:styleLbl name="node2">
-    <dgm:scene3d>
-      <a:camera prst="orthographicFront"/>
-      <a:lightRig rig="threePt" dir="t"/>
-    </dgm:scene3d>
-    <dgm:sp3d/>
-    <dgm:txPr/>
-    <dgm:style>
-      <a:lnRef idx="2">
-        <a:scrgbClr r="0" g="0" b="0"/>
-      </a:lnRef>
-      <a:fillRef idx="1">
-        <a:scrgbClr r="0" g="0" b="0"/>
-      </a:fillRef>
-      <a:effectRef idx="0">
-        <a:scrgbClr r="0" g="0" b="0"/>
-      </a:effectRef>
-      <a:fontRef idx="minor">
-        <a:schemeClr val="lt1"/>
-      </a:fontRef>
-    </dgm:style>
-  </dgm:styleLbl>
-  <dgm:styleLbl name="node3">
-    <dgm:scene3d>
-      <a:camera prst="orthographicFront"/>
-      <a:lightRig rig="threePt" dir="t"/>
-    </dgm:scene3d>
-    <dgm:sp3d/>
-    <dgm:txPr/>
-    <dgm:style>
-      <a:lnRef idx="2">
-        <a:scrgbClr r="0" g="0" b="0"/>
-      </a:lnRef>
-      <a:fillRef idx="1">
-        <a:scrgbClr r="0" g="0" b="0"/>
-      </a:fillRef>
-      <a:effectRef idx="0">
-        <a:scrgbClr r="0" g="0" b="0"/>
-      </a:effectRef>
-      <a:fontRef idx="minor">
-        <a:schemeClr val="lt1"/>
-      </a:fontRef>
-    </dgm:style>
-  </dgm:styleLbl>
-  <dgm:styleLbl name="node4">
-    <dgm:scene3d>
-      <a:camera prst="orthographicFront"/>
-      <a:lightRig rig="threePt" dir="t"/>
-    </dgm:scene3d>
-    <dgm:sp3d/>
-    <dgm:txPr/>
-    <dgm:style>
-      <a:lnRef idx="2">
-        <a:scrgbClr r="0" g="0" b="0"/>
-      </a:lnRef>
-      <a:fillRef idx="1">
-        <a:scrgbClr r="0" g="0" b="0"/>
-      </a:fillRef>
-      <a:effectRef idx="0">
-        <a:scrgbClr r="0" g="0" b="0"/>
-      </a:effectRef>
-      <a:fontRef idx="minor">
-        <a:schemeClr val="lt1"/>
-      </a:fontRef>
-    </dgm:style>
-  </dgm:styleLbl>
-  <dgm:styleLbl name="fgImgPlace1">
-    <dgm:scene3d>
-      <a:camera prst="orthographicFront"/>
-      <a:lightRig rig="threePt" dir="t"/>
-    </dgm:scene3d>
-    <dgm:sp3d/>
-    <dgm:txPr/>
-    <dgm:style>
-      <a:lnRef idx="2">
-        <a:scrgbClr r="0" g="0" b="0"/>
-      </a:lnRef>
-      <a:fillRef idx="1">
-        <a:scrgbClr r="0" g="0" b="0"/>
-      </a:fillRef>
-      <a:effectRef idx="0">
-        <a:scrgbClr r="0" g="0" b="0"/>
-      </a:effectRef>
-      <a:fontRef idx="minor"/>
-    </dgm:style>
-  </dgm:styleLbl>
-  <dgm:styleLbl name="alignImgPlace1">
-    <dgm:scene3d>
-      <a:camera prst="orthographicFront"/>
-      <a:lightRig rig="threePt" dir="t"/>
-    </dgm:scene3d>
-    <dgm:sp3d/>
-    <dgm:txPr/>
-    <dgm:style>
-      <a:lnRef idx="2">
-        <a:scrgbClr r="0" g="0" b="0"/>
-      </a:lnRef>
-      <a:fillRef idx="1">
-        <a:scrgbClr r="0" g="0" b="0"/>
-      </a:fillRef>
-      <a:effectRef idx="0">
-        <a:scrgbClr r="0" g="0" b="0"/>
-      </a:effectRef>
-      <a:fontRef idx="minor"/>
-    </dgm:style>
-  </dgm:styleLbl>
-  <dgm:styleLbl name="bgImgPlace1">
-    <dgm:scene3d>
-      <a:camera prst="orthographicFront"/>
-      <a:lightRig rig="threePt" dir="t"/>
-    </dgm:scene3d>
-    <dgm:sp3d/>
-    <dgm:txPr/>
-    <dgm:style>
-      <a:lnRef idx="2">
-        <a:scrgbClr r="0" g="0" b="0"/>
-      </a:lnRef>
-      <a:fillRef idx="1">
-        <a:scrgbClr r="0" g="0" b="0"/>
-      </a:fillRef>
-      <a:effectRef idx="0">
-        <a:scrgbClr r="0" g="0" b="0"/>
-      </a:effectRef>
-      <a:fontRef idx="minor"/>
-    </dgm:style>
-  </dgm:styleLbl>
-  <dgm:styleLbl name="sibTrans2D1">
-    <dgm:scene3d>
-      <a:camera prst="orthographicFront"/>
-      <a:lightRig rig="threePt" dir="t"/>
-    </dgm:scene3d>
-    <dgm:sp3d/>
-    <dgm:txPr/>
-    <dgm:style>
-      <a:lnRef idx="0">
-        <a:scrgbClr r="0" g="0" b="0"/>
-      </a:lnRef>
-      <a:fillRef idx="1">
-        <a:scrgbClr r="0" g="0" b="0"/>
-      </a:fillRef>
-      <a:effectRef idx="0">
-        <a:scrgbClr r="0" g="0" b="0"/>
-      </a:effectRef>
-      <a:fontRef idx="minor">
-        <a:schemeClr val="lt1"/>
-      </a:fontRef>
-    </dgm:style>
-  </dgm:styleLbl>
-  <dgm:styleLbl name="fgSibTrans2D1">
-    <dgm:scene3d>
-      <a:camera prst="orthographicFront"/>
-      <a:lightRig rig="threePt" dir="t"/>
-    </dgm:scene3d>
-    <dgm:sp3d/>
-    <dgm:txPr/>
-    <dgm:style>
-      <a:lnRef idx="0">
-        <a:scrgbClr r="0" g="0" b="0"/>
-      </a:lnRef>
-      <a:fillRef idx="1">
-        <a:scrgbClr r="0" g="0" b="0"/>
-      </a:fillRef>
-      <a:effectRef idx="0">
-        <a:scrgbClr r="0" g="0" b="0"/>
-      </a:effectRef>
-      <a:fontRef idx="minor">
-        <a:schemeClr val="lt1"/>
-      </a:fontRef>
-    </dgm:style>
-  </dgm:styleLbl>
-  <dgm:styleLbl name="bgSibTrans2D1">
-    <dgm:scene3d>
-      <a:camera prst="orthographicFront"/>
-      <a:lightRig rig="threePt" dir="t"/>
-    </dgm:scene3d>
-    <dgm:sp3d/>
-    <dgm:txPr/>
-    <dgm:style>
-      <a:lnRef idx="0">
-        <a:scrgbClr r="0" g="0" b="0"/>
-      </a:lnRef>
-      <a:fillRef idx="1">
-        <a:scrgbClr r="0" g="0" b="0"/>
-      </a:fillRef>
-      <a:effectRef idx="0">
-        <a:scrgbClr r="0" g="0" b="0"/>
-      </a:effectRef>
-      <a:fontRef idx="minor">
-        <a:schemeClr val="lt1"/>
-      </a:fontRef>
-    </dgm:style>
-  </dgm:styleLbl>
-  <dgm:styleLbl name="sibTrans1D1">
-    <dgm:scene3d>
-      <a:camera prst="orthographicFront"/>
-      <a:lightRig rig="threePt" dir="t"/>
-    </dgm:scene3d>
-    <dgm:sp3d/>
-    <dgm:txPr/>
-    <dgm:style>
-      <a:lnRef idx="1">
-        <a:scrgbClr r="0" g="0" b="0"/>
-      </a:lnRef>
-      <a:fillRef idx="0">
-        <a:scrgbClr r="0" g="0" b="0"/>
-      </a:fillRef>
-      <a:effectRef idx="0">
-        <a:scrgbClr r="0" g="0" b="0"/>
-      </a:effectRef>
-      <a:fontRef idx="minor"/>
-    </dgm:style>
-  </dgm:styleLbl>
-  <dgm:styleLbl name="callout">
-    <dgm:scene3d>
-      <a:camera prst="orthographicFront"/>
-      <a:lightRig rig="threePt" dir="t"/>
-    </dgm:scene3d>
-    <dgm:sp3d/>
-    <dgm:txPr/>
-    <dgm:style>
-      <a:lnRef idx="2">
-        <a:scrgbClr r="0" g="0" b="0"/>
-      </a:lnRef>
-      <a:fillRef idx="1">
-        <a:scrgbClr r="0" g="0" b="0"/>
-      </a:fillRef>
-      <a:effectRef idx="0">
-        <a:scrgbClr r="0" g="0" b="0"/>
-      </a:effectRef>
-      <a:fontRef idx="minor"/>
-    </dgm:style>
-  </dgm:styleLbl>
-  <dgm:styleLbl name="asst0">
-    <dgm:scene3d>
-      <a:camera prst="orthographicFront"/>
-      <a:lightRig rig="threePt" dir="t"/>
-    </dgm:scene3d>
-    <dgm:sp3d/>
-    <dgm:txPr/>
-    <dgm:style>
-      <a:lnRef idx="2">
-        <a:scrgbClr r="0" g="0" b="0"/>
-      </a:lnRef>
-      <a:fillRef idx="1">
-        <a:scrgbClr r="0" g="0" b="0"/>
-      </a:fillRef>
-      <a:effectRef idx="0">
-        <a:scrgbClr r="0" g="0" b="0"/>
-      </a:effectRef>
-      <a:fontRef idx="minor">
-        <a:schemeClr val="lt1"/>
-      </a:fontRef>
-    </dgm:style>
-  </dgm:styleLbl>
-  <dgm:styleLbl name="asst1">
-    <dgm:scene3d>
-      <a:camera prst="orthographicFront"/>
-      <a:lightRig rig="threePt" dir="t"/>
-    </dgm:scene3d>
-    <dgm:sp3d/>
-    <dgm:txPr/>
-    <dgm:style>
-      <a:lnRef idx="2">
-        <a:scrgbClr r="0" g="0" b="0"/>
-      </a:lnRef>
-      <a:fillRef idx="1">
-        <a:scrgbClr r="0" g="0" b="0"/>
-      </a:fillRef>
-      <a:effectRef idx="0">
-        <a:scrgbClr r="0" g="0" b="0"/>
-      </a:effectRef>
-      <a:fontRef idx="minor">
-        <a:schemeClr val="lt1"/>
-      </a:fontRef>
-    </dgm:style>
-  </dgm:styleLbl>
-  <dgm:styleLbl name="asst2">
-    <dgm:scene3d>
-      <a:camera prst="orthographicFront"/>
-      <a:lightRig rig="threePt" dir="t"/>
-    </dgm:scene3d>
-    <dgm:sp3d/>
-    <dgm:txPr/>
-    <dgm:style>
-      <a:lnRef idx="2">
-        <a:scrgbClr r="0" g="0" b="0"/>
-      </a:lnRef>
-      <a:fillRef idx="1">
-        <a:scrgbClr r="0" g="0" b="0"/>
-      </a:fillRef>
-      <a:effectRef idx="0">
-        <a:scrgbClr r="0" g="0" b="0"/>
-      </a:effectRef>
-      <a:fontRef idx="minor">
-        <a:schemeClr val="lt1"/>
-      </a:fontRef>
-    </dgm:style>
-  </dgm:styleLbl>
-  <dgm:styleLbl name="asst3">
-    <dgm:scene3d>
-      <a:camera prst="orthographicFront"/>
-      <a:lightRig rig="threePt" dir="t"/>
-    </dgm:scene3d>
-    <dgm:sp3d/>
-    <dgm:txPr/>
-    <dgm:style>
-      <a:lnRef idx="2">
-        <a:scrgbClr r="0" g="0" b="0"/>
-      </a:lnRef>
-      <a:fillRef idx="1">
-        <a:scrgbClr r="0" g="0" b="0"/>
-      </a:fillRef>
-      <a:effectRef idx="0">
-        <a:scrgbClr r="0" g="0" b="0"/>
-      </a:effectRef>
-      <a:fontRef idx="minor">
-        <a:schemeClr val="lt1"/>
-      </a:fontRef>
-    </dgm:style>
-  </dgm:styleLbl>
-  <dgm:styleLbl name="asst4">
-    <dgm:scene3d>
-      <a:camera prst="orthographicFront"/>
-      <a:lightRig rig="threePt" dir="t"/>
-    </dgm:scene3d>
-    <dgm:sp3d/>
-    <dgm:txPr/>
-    <dgm:style>
-      <a:lnRef idx="2">
-        <a:scrgbClr r="0" g="0" b="0"/>
-      </a:lnRef>
-      <a:fillRef idx="1">
-        <a:scrgbClr r="0" g="0" b="0"/>
-      </a:fillRef>
-      <a:effectRef idx="0">
-        <a:scrgbClr r="0" g="0" b="0"/>
-      </a:effectRef>
-      <a:fontRef idx="minor">
-        <a:schemeClr val="lt1"/>
-      </a:fontRef>
-    </dgm:style>
-  </dgm:styleLbl>
-  <dgm:styleLbl name="parChTrans2D1">
-    <dgm:scene3d>
-      <a:camera prst="orthographicFront"/>
-      <a:lightRig rig="threePt" dir="t"/>
-    </dgm:scene3d>
-    <dgm:sp3d/>
-    <dgm:txPr/>
-    <dgm:style>
-      <a:lnRef idx="2">
-        <a:scrgbClr r="0" g="0" b="0"/>
-      </a:lnRef>
-      <a:fillRef idx="1">
-        <a:scrgbClr r="0" g="0" b="0"/>
-      </a:fillRef>
-      <a:effectRef idx="0">
-        <a:scrgbClr r="0" g="0" b="0"/>
-      </a:effectRef>
-      <a:fontRef idx="minor">
-        <a:schemeClr val="lt1"/>
-      </a:fontRef>
-    </dgm:style>
-  </dgm:styleLbl>
-  <dgm:styleLbl name="parChTrans2D2">
-    <dgm:scene3d>
-      <a:camera prst="orthographicFront"/>
-      <a:lightRig rig="threePt" dir="t"/>
-    </dgm:scene3d>
-    <dgm:sp3d/>
-    <dgm:txPr/>
-    <dgm:style>
-      <a:lnRef idx="2">
-        <a:scrgbClr r="0" g="0" b="0"/>
-      </a:lnRef>
-      <a:fillRef idx="1">
-        <a:scrgbClr r="0" g="0" b="0"/>
-      </a:fillRef>
-      <a:effectRef idx="0">
-        <a:scrgbClr r="0" g="0" b="0"/>
-      </a:effectRef>
-      <a:fontRef idx="minor">
-        <a:schemeClr val="lt1"/>
-      </a:fontRef>
-    </dgm:style>
-  </dgm:styleLbl>
-  <dgm:styleLbl name="parChTrans2D3">
-    <dgm:scene3d>
-      <a:camera prst="orthographicFront"/>
-      <a:lightRig rig="threePt" dir="t"/>
-    </dgm:scene3d>
-    <dgm:sp3d/>
-    <dgm:txPr/>
-    <dgm:style>
-      <a:lnRef idx="2">
-        <a:scrgbClr r="0" g="0" b="0"/>
-      </a:lnRef>
-      <a:fillRef idx="1">
-        <a:scrgbClr r="0" g="0" b="0"/>
-      </a:fillRef>
-      <a:effectRef idx="0">
-        <a:scrgbClr r="0" g="0" b="0"/>
-      </a:effectRef>
-      <a:fontRef idx="minor">
-        <a:schemeClr val="lt1"/>
-      </a:fontRef>
-    </dgm:style>
-  </dgm:styleLbl>
-  <dgm:styleLbl name="parChTrans2D4">
-    <dgm:scene3d>
-      <a:camera prst="orthographicFront"/>
-      <a:lightRig rig="threePt" dir="t"/>
-    </dgm:scene3d>
-    <dgm:sp3d/>
-    <dgm:txPr/>
-    <dgm:style>
-      <a:lnRef idx="2">
-        <a:scrgbClr r="0" g="0" b="0"/>
-      </a:lnRef>
-      <a:fillRef idx="1">
-        <a:scrgbClr r="0" g="0" b="0"/>
-      </a:fillRef>
-      <a:effectRef idx="0">
-        <a:scrgbClr r="0" g="0" b="0"/>
-      </a:effectRef>
-      <a:fontRef idx="minor">
-        <a:schemeClr val="lt1"/>
-      </a:fontRef>
-    </dgm:style>
-  </dgm:styleLbl>
-  <dgm:styleLbl name="parChTrans1D1">
-    <dgm:scene3d>
-      <a:camera prst="orthographicFront"/>
-      <a:lightRig rig="threePt" dir="t"/>
-    </dgm:scene3d>
-    <dgm:sp3d/>
-    <dgm:txPr/>
-    <dgm:style>
-      <a:lnRef idx="2">
-        <a:scrgbClr r="0" g="0" b="0"/>
-      </a:lnRef>
-      <a:fillRef idx="0">
-        <a:scrgbClr r="0" g="0" b="0"/>
-      </a:fillRef>
-      <a:effectRef idx="0">
-        <a:scrgbClr r="0" g="0" b="0"/>
-      </a:effectRef>
-      <a:fontRef idx="minor"/>
-    </dgm:style>
-  </dgm:styleLbl>
-  <dgm:styleLbl name="parChTrans1D2">
-    <dgm:scene3d>
-      <a:camera prst="orthographicFront"/>
-      <a:lightRig rig="threePt" dir="t"/>
-    </dgm:scene3d>
-    <dgm:sp3d/>
-    <dgm:txPr/>
-    <dgm:style>
-      <a:lnRef idx="2">
-        <a:scrgbClr r="0" g="0" b="0"/>
-      </a:lnRef>
-      <a:fillRef idx="0">
-        <a:scrgbClr r="0" g="0" b="0"/>
-      </a:fillRef>
-      <a:effectRef idx="0">
-        <a:scrgbClr r="0" g="0" b="0"/>
-      </a:effectRef>
-      <a:fontRef idx="minor"/>
-    </dgm:style>
-  </dgm:styleLbl>
-  <dgm:styleLbl name="parChTrans1D3">
-    <dgm:scene3d>
-      <a:camera prst="orthographicFront"/>
-      <a:lightRig rig="threePt" dir="t"/>
-    </dgm:scene3d>
-    <dgm:sp3d/>
-    <dgm:txPr/>
-    <dgm:style>
-      <a:lnRef idx="2">
-        <a:scrgbClr r="0" g="0" b="0"/>
-      </a:lnRef>
-      <a:fillRef idx="0">
-        <a:scrgbClr r="0" g="0" b="0"/>
-      </a:fillRef>
-      <a:effectRef idx="0">
-        <a:scrgbClr r="0" g="0" b="0"/>
-      </a:effectRef>
-      <a:fontRef idx="minor"/>
-    </dgm:style>
-  </dgm:styleLbl>
-  <dgm:styleLbl name="parChTrans1D4">
-    <dgm:scene3d>
-      <a:camera prst="orthographicFront"/>
-      <a:lightRig rig="threePt" dir="t"/>
-    </dgm:scene3d>
-    <dgm:sp3d/>
-    <dgm:txPr/>
-    <dgm:style>
-      <a:lnRef idx="2">
-        <a:scrgbClr r="0" g="0" b="0"/>
-      </a:lnRef>
-      <a:fillRef idx="0">
-        <a:scrgbClr r="0" g="0" b="0"/>
-      </a:fillRef>
-      <a:effectRef idx="0">
-        <a:scrgbClr r="0" g="0" b="0"/>
-      </a:effectRef>
-      <a:fontRef idx="minor"/>
-    </dgm:style>
-  </dgm:styleLbl>
-  <dgm:styleLbl name="fgAcc1">
-    <dgm:scene3d>
-      <a:camera prst="orthographicFront"/>
-      <a:lightRig rig="threePt" dir="t"/>
-    </dgm:scene3d>
-    <dgm:sp3d/>
-    <dgm:txPr/>
-    <dgm:style>
-      <a:lnRef idx="2">
-        <a:scrgbClr r="0" g="0" b="0"/>
-      </a:lnRef>
-      <a:fillRef idx="1">
-        <a:scrgbClr r="0" g="0" b="0"/>
-      </a:fillRef>
-      <a:effectRef idx="0">
-        <a:scrgbClr r="0" g="0" b="0"/>
-      </a:effectRef>
-      <a:fontRef idx="minor"/>
-    </dgm:style>
-  </dgm:styleLbl>
-  <dgm:styleLbl name="conFgAcc1">
-    <dgm:scene3d>
-      <a:camera prst="orthographicFront"/>
-      <a:lightRig rig="threePt" dir="t"/>
-    </dgm:scene3d>
-    <dgm:sp3d/>
-    <dgm:txPr/>
-    <dgm:style>
-      <a:lnRef idx="2">
-        <a:scrgbClr r="0" g="0" b="0"/>
-      </a:lnRef>
-      <a:fillRef idx="1">
-        <a:scrgbClr r="0" g="0" b="0"/>
-      </a:fillRef>
-      <a:effectRef idx="0">
-        <a:scrgbClr r="0" g="0" b="0"/>
-      </a:effectRef>
-      <a:fontRef idx="minor"/>
-    </dgm:style>
-  </dgm:styleLbl>
-  <dgm:styleLbl name="alignAcc1">
-    <dgm:scene3d>
-      <a:camera prst="orthographicFront"/>
-      <a:lightRig rig="threePt" dir="t"/>
-    </dgm:scene3d>
-    <dgm:sp3d/>
-    <dgm:txPr/>
-    <dgm:style>
-      <a:lnRef idx="2">
-        <a:scrgbClr r="0" g="0" b="0"/>
-      </a:lnRef>
-      <a:fillRef idx="1">
-        <a:scrgbClr r="0" g="0" b="0"/>
-      </a:fillRef>
-      <a:effectRef idx="0">
-        <a:scrgbClr r="0" g="0" b="0"/>
-      </a:effectRef>
-      <a:fontRef idx="minor"/>
-    </dgm:style>
-  </dgm:styleLbl>
-  <dgm:styleLbl name="trAlignAcc1">
-    <dgm:scene3d>
-      <a:camera prst="orthographicFront"/>
-      <a:lightRig rig="threePt" dir="t"/>
-    </dgm:scene3d>
-    <dgm:sp3d/>
-    <dgm:txPr/>
-    <dgm:style>
-      <a:lnRef idx="1">
-        <a:scrgbClr r="0" g="0" b="0"/>
-      </a:lnRef>
-      <a:fillRef idx="1">
-        <a:scrgbClr r="0" g="0" b="0"/>
-      </a:fillRef>
-      <a:effectRef idx="0">
-        <a:scrgbClr r="0" g="0" b="0"/>
-      </a:effectRef>
-      <a:fontRef idx="minor"/>
-    </dgm:style>
-  </dgm:styleLbl>
-  <dgm:styleLbl name="bgAcc1">
-    <dgm:scene3d>
-      <a:camera prst="orthographicFront"/>
-      <a:lightRig rig="threePt" dir="t"/>
-    </dgm:scene3d>
-    <dgm:sp3d/>
-    <dgm:txPr/>
-    <dgm:style>
-      <a:lnRef idx="2">
-        <a:scrgbClr r="0" g="0" b="0"/>
-      </a:lnRef>
-      <a:fillRef idx="1">
-        <a:scrgbClr r="0" g="0" b="0"/>
-      </a:fillRef>
-      <a:effectRef idx="0">
-        <a:scrgbClr r="0" g="0" b="0"/>
-      </a:effectRef>
-      <a:fontRef idx="minor"/>
-    </dgm:style>
-  </dgm:styleLbl>
-  <dgm:styleLbl name="solidFgAcc1">
-    <dgm:scene3d>
-      <a:camera prst="orthographicFront"/>
-      <a:lightRig rig="threePt" dir="t"/>
-    </dgm:scene3d>
-    <dgm:sp3d/>
-    <dgm:txPr/>
-    <dgm:style>
-      <a:lnRef idx="2">
-        <a:scrgbClr r="0" g="0" b="0"/>
-      </a:lnRef>
-      <a:fillRef idx="1">
-        <a:scrgbClr r="0" g="0" b="0"/>
-      </a:fillRef>
-      <a:effectRef idx="0">
-        <a:scrgbClr r="0" g="0" b="0"/>
-      </a:effectRef>
-      <a:fontRef idx="minor"/>
-    </dgm:style>
-  </dgm:styleLbl>
-  <dgm:styleLbl name="solidAlignAcc1">
-    <dgm:scene3d>
-      <a:camera prst="orthographicFront"/>
-      <a:lightRig rig="threePt" dir="t"/>
-    </dgm:scene3d>
-    <dgm:sp3d/>
-    <dgm:txPr/>
-    <dgm:style>
-      <a:lnRef idx="2">
-        <a:scrgbClr r="0" g="0" b="0"/>
-      </a:lnRef>
-      <a:fillRef idx="1">
-        <a:scrgbClr r="0" g="0" b="0"/>
-      </a:fillRef>
-      <a:effectRef idx="0">
-        <a:scrgbClr r="0" g="0" b="0"/>
-      </a:effectRef>
-      <a:fontRef idx="minor"/>
-    </dgm:style>
-  </dgm:styleLbl>
-  <dgm:styleLbl name="solidBgAcc1">
-    <dgm:scene3d>
-      <a:camera prst="orthographicFront"/>
-      <a:lightRig rig="threePt" dir="t"/>
-    </dgm:scene3d>
-    <dgm:sp3d/>
-    <dgm:txPr/>
-    <dgm:style>
-      <a:lnRef idx="2">
-        <a:scrgbClr r="0" g="0" b="0"/>
-      </a:lnRef>
-      <a:fillRef idx="1">
-        <a:scrgbClr r="0" g="0" b="0"/>
-      </a:fillRef>
-      <a:effectRef idx="0">
-        <a:scrgbClr r="0" g="0" b="0"/>
-      </a:effectRef>
-      <a:fontRef idx="minor"/>
-    </dgm:style>
-  </dgm:styleLbl>
-  <dgm:styleLbl name="fgAccFollowNode1">
-    <dgm:scene3d>
-      <a:camera prst="orthographicFront"/>
-      <a:lightRig rig="threePt" dir="t"/>
-    </dgm:scene3d>
-    <dgm:sp3d/>
-    <dgm:txPr/>
-    <dgm:style>
-      <a:lnRef idx="2">
-        <a:scrgbClr r="0" g="0" b="0"/>
-      </a:lnRef>
-      <a:fillRef idx="1">
-        <a:scrgbClr r="0" g="0" b="0"/>
-      </a:fillRef>
-      <a:effectRef idx="0">
-        <a:scrgbClr r="0" g="0" b="0"/>
-      </a:effectRef>
-      <a:fontRef idx="minor"/>
-    </dgm:style>
-  </dgm:styleLbl>
-  <dgm:styleLbl name="alignAccFollowNode1">
-    <dgm:scene3d>
-      <a:camera prst="orthographicFront"/>
-      <a:lightRig rig="threePt" dir="t"/>
-    </dgm:scene3d>
-    <dgm:sp3d/>
-    <dgm:txPr/>
-    <dgm:style>
-      <a:lnRef idx="2">
-        <a:scrgbClr r="0" g="0" b="0"/>
-      </a:lnRef>
-      <a:fillRef idx="1">
-        <a:scrgbClr r="0" g="0" b="0"/>
-      </a:fillRef>
-      <a:effectRef idx="0">
-        <a:scrgbClr r="0" g="0" b="0"/>
-      </a:effectRef>
-      <a:fontRef idx="minor"/>
-    </dgm:style>
-  </dgm:styleLbl>
-  <dgm:styleLbl name="bgAccFollowNode1">
-    <dgm:scene3d>
-      <a:camera prst="orthographicFront"/>
-      <a:lightRig rig="threePt" dir="t"/>
-    </dgm:scene3d>
-    <dgm:sp3d/>
-    <dgm:txPr/>
-    <dgm:style>
-      <a:lnRef idx="2">
-        <a:scrgbClr r="0" g="0" b="0"/>
-      </a:lnRef>
-      <a:fillRef idx="1">
-        <a:scrgbClr r="0" g="0" b="0"/>
-      </a:fillRef>
-      <a:effectRef idx="0">
-        <a:scrgbClr r="0" g="0" b="0"/>
-      </a:effectRef>
-      <a:fontRef idx="minor"/>
-    </dgm:style>
-  </dgm:styleLbl>
-  <dgm:styleLbl name="fgAcc0">
-    <dgm:scene3d>
-      <a:camera prst="orthographicFront"/>
-      <a:lightRig rig="threePt" dir="t"/>
-    </dgm:scene3d>
-    <dgm:sp3d/>
-    <dgm:txPr/>
-    <dgm:style>
-      <a:lnRef idx="2">
-        <a:scrgbClr r="0" g="0" b="0"/>
-      </a:lnRef>
-      <a:fillRef idx="1">
-        <a:scrgbClr r="0" g="0" b="0"/>
-      </a:fillRef>
-      <a:effectRef idx="0">
-        <a:scrgbClr r="0" g="0" b="0"/>
-      </a:effectRef>
-      <a:fontRef idx="minor"/>
-    </dgm:style>
-  </dgm:styleLbl>
-  <dgm:styleLbl name="fgAcc2">
-    <dgm:scene3d>
-      <a:camera prst="orthographicFront"/>
-      <a:lightRig rig="threePt" dir="t"/>
-    </dgm:scene3d>
-    <dgm:sp3d/>
-    <dgm:txPr/>
-    <dgm:style>
-      <a:lnRef idx="2">
-        <a:scrgbClr r="0" g="0" b="0"/>
-      </a:lnRef>
-      <a:fillRef idx="1">
-        <a:scrgbClr r="0" g="0" b="0"/>
-      </a:fillRef>
-      <a:effectRef idx="0">
-        <a:scrgbClr r="0" g="0" b="0"/>
-      </a:effectRef>
-      <a:fontRef idx="minor"/>
-    </dgm:style>
-  </dgm:styleLbl>
-  <dgm:styleLbl name="fgAcc3">
-    <dgm:scene3d>
-      <a:camera prst="orthographicFront"/>
-      <a:lightRig rig="threePt" dir="t"/>
-    </dgm:scene3d>
-    <dgm:sp3d/>
-    <dgm:txPr/>
-    <dgm:style>
-      <a:lnRef idx="2">
-        <a:scrgbClr r="0" g="0" b="0"/>
-      </a:lnRef>
-      <a:fillRef idx="1">
-        <a:scrgbClr r="0" g="0" b="0"/>
-      </a:fillRef>
-      <a:effectRef idx="0">
-        <a:scrgbClr r="0" g="0" b="0"/>
-      </a:effectRef>
-      <a:fontRef idx="minor"/>
-    </dgm:style>
-  </dgm:styleLbl>
-  <dgm:styleLbl name="fgAcc4">
-    <dgm:scene3d>
-      <a:camera prst="orthographicFront"/>
-      <a:lightRig rig="threePt" dir="t"/>
-    </dgm:scene3d>
-    <dgm:sp3d/>
-    <dgm:txPr/>
-    <dgm:style>
-      <a:lnRef idx="2">
-        <a:scrgbClr r="0" g="0" b="0"/>
-      </a:lnRef>
-      <a:fillRef idx="1">
-        <a:scrgbClr r="0" g="0" b="0"/>
-      </a:fillRef>
-      <a:effectRef idx="0">
-        <a:scrgbClr r="0" g="0" b="0"/>
-      </a:effectRef>
-      <a:fontRef idx="minor"/>
-    </dgm:style>
-  </dgm:styleLbl>
-  <dgm:styleLbl name="bgShp">
-    <dgm:scene3d>
-      <a:camera prst="orthographicFront"/>
-      <a:lightRig rig="threePt" dir="t"/>
-    </dgm:scene3d>
-    <dgm:sp3d/>
-    <dgm:txPr/>
-    <dgm:style>
-      <a:lnRef idx="0">
-        <a:scrgbClr r="0" g="0" b="0"/>
-      </a:lnRef>
-      <a:fillRef idx="1">
-        <a:scrgbClr r="0" g="0" b="0"/>
-      </a:fillRef>
-      <a:effectRef idx="0">
-        <a:scrgbClr r="0" g="0" b="0"/>
-      </a:effectRef>
-      <a:fontRef idx="minor"/>
-    </dgm:style>
-  </dgm:styleLbl>
-  <dgm:styleLbl name="dkBgShp">
-    <dgm:scene3d>
-      <a:camera prst="orthographicFront"/>
-      <a:lightRig rig="threePt" dir="t"/>
-    </dgm:scene3d>
-    <dgm:sp3d/>
-    <dgm:txPr/>
-    <dgm:style>
-      <a:lnRef idx="0">
-        <a:scrgbClr r="0" g="0" b="0"/>
-      </a:lnRef>
-      <a:fillRef idx="1">
-        <a:scrgbClr r="0" g="0" b="0"/>
-      </a:fillRef>
-      <a:effectRef idx="0">
-        <a:scrgbClr r="0" g="0" b="0"/>
-      </a:effectRef>
-      <a:fontRef idx="minor"/>
-    </dgm:style>
-  </dgm:styleLbl>
-  <dgm:styleLbl name="trBgShp">
-    <dgm:scene3d>
-      <a:camera prst="orthographicFront"/>
-      <a:lightRig rig="threePt" dir="t"/>
-    </dgm:scene3d>
-    <dgm:sp3d/>
-    <dgm:txPr/>
-    <dgm:style>
-      <a:lnRef idx="0">
-        <a:scrgbClr r="0" g="0" b="0"/>
-      </a:lnRef>
-      <a:fillRef idx="1">
-        <a:scrgbClr r="0" g="0" b="0"/>
-      </a:fillRef>
-      <a:effectRef idx="0">
-        <a:scrgbClr r="0" g="0" b="0"/>
-      </a:effectRef>
-      <a:fontRef idx="minor"/>
-    </dgm:style>
-  </dgm:styleLbl>
-  <dgm:styleLbl name="fgShp">
-    <dgm:scene3d>
-      <a:camera prst="orthographicFront"/>
-      <a:lightRig rig="threePt" dir="t"/>
-    </dgm:scene3d>
-    <dgm:sp3d/>
-    <dgm:txPr/>
-    <dgm:style>
-      <a:lnRef idx="2">
-        <a:scrgbClr r="0" g="0" b="0"/>
-      </a:lnRef>
-      <a:fillRef idx="1">
-        <a:scrgbClr r="0" g="0" b="0"/>
-      </a:fillRef>
-      <a:effectRef idx="0">
-        <a:scrgbClr r="0" g="0" b="0"/>
-      </a:effectRef>
-      <a:fontRef idx="minor"/>
-    </dgm:style>
-  </dgm:styleLbl>
-  <dgm:styleLbl name="revTx">
-    <dgm:scene3d>
-      <a:camera prst="orthographicFront"/>
-      <a:lightRig rig="threePt" dir="t"/>
-    </dgm:scene3d>
-    <dgm:sp3d/>
-    <dgm:txPr/>
-    <dgm:style>
-      <a:lnRef idx="0">
-        <a:scrgbClr r="0" g="0" b="0"/>
-      </a:lnRef>
-      <a:fillRef idx="0">
-        <a:scrgbClr r="0" g="0" b="0"/>
-      </a:fillRef>
-      <a:effectRef idx="0">
-        <a:scrgbClr r="0" g="0" b="0"/>
-      </a:effectRef>
-      <a:fontRef idx="minor"/>
-    </dgm:style>
-  </dgm:styleLbl>
-</dgm:styleDef>
-</file>
-
-<file path=ppt/diagrams/quickStyle3.xml><?xml version="1.0" encoding="utf-8"?>
 <dgm:styleDef xmlns:dgm="http://schemas.openxmlformats.org/drawingml/2006/diagram" xmlns:a="http://schemas.openxmlformats.org/drawingml/2006/main" uniqueId="urn:microsoft.com/office/officeart/2005/8/quickstyle/simple1">
   <dgm:title val=""/>
   <dgm:desc val=""/>
@@ -9111,7 +6406,7 @@
             <a:pPr rtl="0"/>
             <a:fld id="{805BA435-D711-4649-884A-BCD762FE436E}" type="datetime1">
               <a:rPr lang="ru-RU" smtClean="0"/>
-              <a:t>21.09.2020</a:t>
+              <a:t>22.09.2020</a:t>
             </a:fld>
             <a:endParaRPr lang="ru-RU"/>
           </a:p>
@@ -9293,7 +6588,7 @@
             <a:pPr rtl="0"/>
             <a:fld id="{2941484D-016F-4E62-BC6C-BB68345098DF}" type="datetime1">
               <a:rPr lang="ru-RU" noProof="0" smtClean="0"/>
-              <a:t>21.09.2020</a:t>
+              <a:t>22.09.2020</a:t>
             </a:fld>
             <a:endParaRPr lang="ru-RU" noProof="0" dirty="0"/>
           </a:p>
@@ -10382,7 +7677,7 @@
     </p:spTree>
     <p:extLst>
       <p:ext uri="{BB962C8B-B14F-4D97-AF65-F5344CB8AC3E}">
-        <p14:creationId xmlns:p14="http://schemas.microsoft.com/office/powerpoint/2010/main" val="3112404954"/>
+        <p14:creationId xmlns:p14="http://schemas.microsoft.com/office/powerpoint/2010/main" val="3809020009"/>
       </p:ext>
     </p:extLst>
   </p:cSld>
@@ -10471,7 +7766,7 @@
     </p:spTree>
     <p:extLst>
       <p:ext uri="{BB962C8B-B14F-4D97-AF65-F5344CB8AC3E}">
-        <p14:creationId xmlns:p14="http://schemas.microsoft.com/office/powerpoint/2010/main" val="428526021"/>
+        <p14:creationId xmlns:p14="http://schemas.microsoft.com/office/powerpoint/2010/main" val="3993035741"/>
       </p:ext>
     </p:extLst>
   </p:cSld>
@@ -10560,7 +7855,7 @@
     </p:spTree>
     <p:extLst>
       <p:ext uri="{BB962C8B-B14F-4D97-AF65-F5344CB8AC3E}">
-        <p14:creationId xmlns:p14="http://schemas.microsoft.com/office/powerpoint/2010/main" val="3944535071"/>
+        <p14:creationId xmlns:p14="http://schemas.microsoft.com/office/powerpoint/2010/main" val="3035103326"/>
       </p:ext>
     </p:extLst>
   </p:cSld>
@@ -10738,7 +8033,7 @@
     </p:spTree>
     <p:extLst>
       <p:ext uri="{BB962C8B-B14F-4D97-AF65-F5344CB8AC3E}">
-        <p14:creationId xmlns:p14="http://schemas.microsoft.com/office/powerpoint/2010/main" val="374472154"/>
+        <p14:creationId xmlns:p14="http://schemas.microsoft.com/office/powerpoint/2010/main" val="436625829"/>
       </p:ext>
     </p:extLst>
   </p:cSld>
@@ -10827,7 +8122,7 @@
     </p:spTree>
     <p:extLst>
       <p:ext uri="{BB962C8B-B14F-4D97-AF65-F5344CB8AC3E}">
-        <p14:creationId xmlns:p14="http://schemas.microsoft.com/office/powerpoint/2010/main" val="2314408471"/>
+        <p14:creationId xmlns:p14="http://schemas.microsoft.com/office/powerpoint/2010/main" val="2590713321"/>
       </p:ext>
     </p:extLst>
   </p:cSld>
@@ -10914,6 +8209,11 @@
         </p:txBody>
       </p:sp>
     </p:spTree>
+    <p:extLst>
+      <p:ext uri="{BB962C8B-B14F-4D97-AF65-F5344CB8AC3E}">
+        <p14:creationId xmlns:p14="http://schemas.microsoft.com/office/powerpoint/2010/main" val="3112404954"/>
+      </p:ext>
+    </p:extLst>
   </p:cSld>
   <p:clrMapOvr>
     <a:masterClrMapping/>
@@ -11000,7 +8300,185 @@
     </p:spTree>
     <p:extLst>
       <p:ext uri="{BB962C8B-B14F-4D97-AF65-F5344CB8AC3E}">
-        <p14:creationId xmlns:p14="http://schemas.microsoft.com/office/powerpoint/2010/main" val="1793893535"/>
+        <p14:creationId xmlns:p14="http://schemas.microsoft.com/office/powerpoint/2010/main" val="428526021"/>
+      </p:ext>
+    </p:extLst>
+  </p:cSld>
+  <p:clrMapOvr>
+    <a:masterClrMapping/>
+  </p:clrMapOvr>
+</p:notes>
+</file>
+
+<file path=ppt/notesSlides/notesSlide24.xml><?xml version="1.0" encoding="utf-8"?>
+<p:notes xmlns:a="http://schemas.openxmlformats.org/drawingml/2006/main" xmlns:r="http://schemas.openxmlformats.org/officeDocument/2006/relationships" xmlns:p="http://schemas.openxmlformats.org/presentationml/2006/main">
+  <p:cSld>
+    <p:spTree>
+      <p:nvGrpSpPr>
+        <p:cNvPr id="1" name=""/>
+        <p:cNvGrpSpPr/>
+        <p:nvPr/>
+      </p:nvGrpSpPr>
+      <p:grpSpPr>
+        <a:xfrm>
+          <a:off x="0" y="0"/>
+          <a:ext cx="0" cy="0"/>
+          <a:chOff x="0" y="0"/>
+          <a:chExt cx="0" cy="0"/>
+        </a:xfrm>
+      </p:grpSpPr>
+      <p:sp>
+        <p:nvSpPr>
+          <p:cNvPr id="2" name="Образ слайда 1"/>
+          <p:cNvSpPr>
+            <a:spLocks noGrp="1" noRot="1" noChangeAspect="1"/>
+          </p:cNvSpPr>
+          <p:nvPr>
+            <p:ph type="sldImg"/>
+          </p:nvPr>
+        </p:nvSpPr>
+        <p:spPr/>
+      </p:sp>
+      <p:sp>
+        <p:nvSpPr>
+          <p:cNvPr id="3" name="Заметки 2"/>
+          <p:cNvSpPr>
+            <a:spLocks noGrp="1"/>
+          </p:cNvSpPr>
+          <p:nvPr>
+            <p:ph type="body" idx="1"/>
+          </p:nvPr>
+        </p:nvSpPr>
+        <p:spPr/>
+        <p:txBody>
+          <a:bodyPr rtlCol="0">
+            <a:normAutofit/>
+          </a:bodyPr>
+          <a:lstStyle/>
+          <a:p>
+            <a:pPr rtl="0"/>
+            <a:endParaRPr lang="ru-RU"/>
+          </a:p>
+        </p:txBody>
+      </p:sp>
+      <p:sp>
+        <p:nvSpPr>
+          <p:cNvPr id="4" name="Номер слайда 3"/>
+          <p:cNvSpPr>
+            <a:spLocks noGrp="1"/>
+          </p:cNvSpPr>
+          <p:nvPr>
+            <p:ph type="sldNum" sz="quarter" idx="10"/>
+          </p:nvPr>
+        </p:nvSpPr>
+        <p:spPr/>
+        <p:txBody>
+          <a:bodyPr rtlCol="0"/>
+          <a:lstStyle/>
+          <a:p>
+            <a:pPr rtl="0"/>
+            <a:fld id="{7C4E7652-46AF-4259-BAE2-54978EA077CD}" type="slidenum">
+              <a:rPr lang="ru-RU" smtClean="0"/>
+              <a:pPr rtl="0"/>
+              <a:t>24</a:t>
+            </a:fld>
+            <a:endParaRPr lang="ru-RU"/>
+          </a:p>
+        </p:txBody>
+      </p:sp>
+    </p:spTree>
+    <p:extLst>
+      <p:ext uri="{BB962C8B-B14F-4D97-AF65-F5344CB8AC3E}">
+        <p14:creationId xmlns:p14="http://schemas.microsoft.com/office/powerpoint/2010/main" val="3944535071"/>
+      </p:ext>
+    </p:extLst>
+  </p:cSld>
+  <p:clrMapOvr>
+    <a:masterClrMapping/>
+  </p:clrMapOvr>
+</p:notes>
+</file>
+
+<file path=ppt/notesSlides/notesSlide25.xml><?xml version="1.0" encoding="utf-8"?>
+<p:notes xmlns:a="http://schemas.openxmlformats.org/drawingml/2006/main" xmlns:r="http://schemas.openxmlformats.org/officeDocument/2006/relationships" xmlns:p="http://schemas.openxmlformats.org/presentationml/2006/main">
+  <p:cSld>
+    <p:spTree>
+      <p:nvGrpSpPr>
+        <p:cNvPr id="1" name=""/>
+        <p:cNvGrpSpPr/>
+        <p:nvPr/>
+      </p:nvGrpSpPr>
+      <p:grpSpPr>
+        <a:xfrm>
+          <a:off x="0" y="0"/>
+          <a:ext cx="0" cy="0"/>
+          <a:chOff x="0" y="0"/>
+          <a:chExt cx="0" cy="0"/>
+        </a:xfrm>
+      </p:grpSpPr>
+      <p:sp>
+        <p:nvSpPr>
+          <p:cNvPr id="2" name="Образ слайда 1"/>
+          <p:cNvSpPr>
+            <a:spLocks noGrp="1" noRot="1" noChangeAspect="1"/>
+          </p:cNvSpPr>
+          <p:nvPr>
+            <p:ph type="sldImg"/>
+          </p:nvPr>
+        </p:nvSpPr>
+        <p:spPr/>
+      </p:sp>
+      <p:sp>
+        <p:nvSpPr>
+          <p:cNvPr id="3" name="Заметки 2"/>
+          <p:cNvSpPr>
+            <a:spLocks noGrp="1"/>
+          </p:cNvSpPr>
+          <p:nvPr>
+            <p:ph type="body" idx="1"/>
+          </p:nvPr>
+        </p:nvSpPr>
+        <p:spPr/>
+        <p:txBody>
+          <a:bodyPr rtlCol="0">
+            <a:normAutofit/>
+          </a:bodyPr>
+          <a:lstStyle/>
+          <a:p>
+            <a:pPr rtl="0"/>
+            <a:endParaRPr lang="ru-RU"/>
+          </a:p>
+        </p:txBody>
+      </p:sp>
+      <p:sp>
+        <p:nvSpPr>
+          <p:cNvPr id="4" name="Номер слайда 3"/>
+          <p:cNvSpPr>
+            <a:spLocks noGrp="1"/>
+          </p:cNvSpPr>
+          <p:nvPr>
+            <p:ph type="sldNum" sz="quarter" idx="10"/>
+          </p:nvPr>
+        </p:nvSpPr>
+        <p:spPr/>
+        <p:txBody>
+          <a:bodyPr rtlCol="0"/>
+          <a:lstStyle/>
+          <a:p>
+            <a:pPr rtl="0"/>
+            <a:fld id="{7C4E7652-46AF-4259-BAE2-54978EA077CD}" type="slidenum">
+              <a:rPr lang="ru-RU" smtClean="0"/>
+              <a:pPr rtl="0"/>
+              <a:t>25</a:t>
+            </a:fld>
+            <a:endParaRPr lang="ru-RU"/>
+          </a:p>
+        </p:txBody>
+      </p:sp>
+    </p:spTree>
+    <p:extLst>
+      <p:ext uri="{BB962C8B-B14F-4D97-AF65-F5344CB8AC3E}">
+        <p14:creationId xmlns:p14="http://schemas.microsoft.com/office/powerpoint/2010/main" val="374472154"/>
       </p:ext>
     </p:extLst>
   </p:cSld>
@@ -11988,7 +9466,7 @@
             <a:pPr algn="r" rtl="0"/>
             <a:fld id="{5D956549-DA23-4231-9878-A42DC63CD72D}" type="datetime1">
               <a:rPr lang="ru-RU" sz="1000" noProof="0" smtClean="0"/>
-              <a:t>21.09.2020</a:t>
+              <a:t>22.09.2020</a:t>
             </a:fld>
             <a:endParaRPr lang="ru-RU" sz="1000" noProof="0"/>
           </a:p>
@@ -14844,6 +12322,2206 @@
             <p:ph type="title"/>
           </p:nvPr>
         </p:nvSpPr>
+        <p:spPr>
+          <a:xfrm>
+            <a:off x="323528" y="474947"/>
+            <a:ext cx="5112568" cy="675926"/>
+          </a:xfrm>
+        </p:spPr>
+        <p:txBody>
+          <a:bodyPr/>
+          <a:lstStyle/>
+          <a:p>
+            <a:r>
+              <a:rPr lang="az-Cyrl-AZ" dirty="0"/>
+              <a:t>Отладочные</a:t>
+            </a:r>
+            <a:br>
+              <a:rPr lang="az-Cyrl-AZ" dirty="0"/>
+            </a:br>
+            <a:r>
+              <a:rPr lang="az-Cyrl-AZ" dirty="0"/>
+              <a:t>сообщения (логи)</a:t>
+            </a:r>
+            <a:endParaRPr lang="ru-RU" dirty="0"/>
+          </a:p>
+        </p:txBody>
+      </p:sp>
+      <p:sp>
+        <p:nvSpPr>
+          <p:cNvPr id="6" name="TextBox 5">
+            <a:extLst>
+              <a:ext uri="{FF2B5EF4-FFF2-40B4-BE49-F238E27FC236}">
+                <a16:creationId xmlns:a16="http://schemas.microsoft.com/office/drawing/2014/main" id="{B0E6D380-7885-45FA-8D1A-CB2BAD6ACB0F}"/>
+              </a:ext>
+            </a:extLst>
+          </p:cNvPr>
+          <p:cNvSpPr txBox="1"/>
+          <p:nvPr/>
+        </p:nvSpPr>
+        <p:spPr>
+          <a:xfrm>
+            <a:off x="511225" y="2690336"/>
+            <a:ext cx="6985595" cy="1938992"/>
+          </a:xfrm>
+          <a:prstGeom prst="rect">
+            <a:avLst/>
+          </a:prstGeom>
+          <a:noFill/>
+        </p:spPr>
+        <p:txBody>
+          <a:bodyPr wrap="square" rtlCol="0">
+            <a:spAutoFit/>
+          </a:bodyPr>
+          <a:lstStyle/>
+          <a:p>
+            <a:pPr hangingPunct="0"/>
+            <a:r>
+              <a:rPr lang="ru-RU" sz="2400" i="1" dirty="0">
+                <a:solidFill>
+                  <a:schemeClr val="accent5">
+                    <a:lumMod val="50000"/>
+                  </a:schemeClr>
+                </a:solidFill>
+              </a:rPr>
+              <a:t>ноя</a:t>
+            </a:r>
+            <a:r>
+              <a:rPr lang="en-US" sz="2400" i="1" dirty="0">
+                <a:solidFill>
+                  <a:schemeClr val="accent5">
+                    <a:lumMod val="50000"/>
+                  </a:schemeClr>
+                </a:solidFill>
+              </a:rPr>
+              <a:t> 01, 2019 1:10:14 AM </a:t>
+            </a:r>
+            <a:r>
+              <a:rPr lang="en-US" sz="2400" i="1" dirty="0" err="1">
+                <a:solidFill>
+                  <a:schemeClr val="accent5">
+                    <a:lumMod val="50000"/>
+                  </a:schemeClr>
+                </a:solidFill>
+              </a:rPr>
+              <a:t>WorldOfWar.War</a:t>
+            </a:r>
+            <a:r>
+              <a:rPr lang="en-US" sz="2400" i="1" dirty="0">
+                <a:solidFill>
+                  <a:schemeClr val="accent5">
+                    <a:lumMod val="50000"/>
+                  </a:schemeClr>
+                </a:solidFill>
+              </a:rPr>
+              <a:t> war</a:t>
+            </a:r>
+            <a:endParaRPr lang="ru-RU" sz="2400" dirty="0">
+              <a:solidFill>
+                <a:schemeClr val="accent5">
+                  <a:lumMod val="50000"/>
+                </a:schemeClr>
+              </a:solidFill>
+            </a:endParaRPr>
+          </a:p>
+          <a:p>
+            <a:pPr hangingPunct="0"/>
+            <a:r>
+              <a:rPr lang="en-US" sz="2400" i="1" dirty="0">
+                <a:solidFill>
+                  <a:schemeClr val="accent5">
+                    <a:lumMod val="50000"/>
+                  </a:schemeClr>
+                </a:solidFill>
+              </a:rPr>
+              <a:t>INFO: </a:t>
+            </a:r>
+            <a:r>
+              <a:rPr lang="ru-RU" sz="2400" i="1" dirty="0">
+                <a:solidFill>
+                  <a:schemeClr val="accent5">
+                    <a:lumMod val="50000"/>
+                  </a:schemeClr>
+                </a:solidFill>
+              </a:rPr>
+              <a:t>начало битвы</a:t>
+            </a:r>
+          </a:p>
+          <a:p>
+            <a:pPr hangingPunct="0"/>
+            <a:endParaRPr lang="ru-RU" sz="2400" dirty="0">
+              <a:solidFill>
+                <a:schemeClr val="accent5">
+                  <a:lumMod val="50000"/>
+                </a:schemeClr>
+              </a:solidFill>
+            </a:endParaRPr>
+          </a:p>
+          <a:p>
+            <a:pPr hangingPunct="0"/>
+            <a:r>
+              <a:rPr lang="ru-RU" sz="2400" i="1" dirty="0">
+                <a:solidFill>
+                  <a:schemeClr val="accent5">
+                    <a:lumMod val="50000"/>
+                  </a:schemeClr>
+                </a:solidFill>
+              </a:rPr>
+              <a:t>ноя</a:t>
+            </a:r>
+            <a:r>
+              <a:rPr lang="en-US" sz="2400" i="1" dirty="0">
+                <a:solidFill>
+                  <a:schemeClr val="accent5">
+                    <a:lumMod val="50000"/>
+                  </a:schemeClr>
+                </a:solidFill>
+              </a:rPr>
+              <a:t> 01, 2019 1:10:14 AM </a:t>
+            </a:r>
+            <a:r>
+              <a:rPr lang="en-US" sz="2400" i="1" dirty="0" err="1">
+                <a:solidFill>
+                  <a:schemeClr val="accent5">
+                    <a:lumMod val="50000"/>
+                  </a:schemeClr>
+                </a:solidFill>
+              </a:rPr>
+              <a:t>generics.Main</a:t>
+            </a:r>
+            <a:r>
+              <a:rPr lang="en-US" sz="2400" i="1" dirty="0">
+                <a:solidFill>
+                  <a:schemeClr val="accent5">
+                    <a:lumMod val="50000"/>
+                  </a:schemeClr>
+                </a:solidFill>
+              </a:rPr>
+              <a:t> main</a:t>
+            </a:r>
+            <a:endParaRPr lang="ru-RU" sz="2400" dirty="0">
+              <a:solidFill>
+                <a:schemeClr val="accent5">
+                  <a:lumMod val="50000"/>
+                </a:schemeClr>
+              </a:solidFill>
+            </a:endParaRPr>
+          </a:p>
+          <a:p>
+            <a:r>
+              <a:rPr lang="en-US" sz="2400" i="1" dirty="0">
+                <a:solidFill>
+                  <a:schemeClr val="accent5">
+                    <a:lumMod val="50000"/>
+                  </a:schemeClr>
+                </a:solidFill>
+              </a:rPr>
+              <a:t>INFO: </a:t>
+            </a:r>
+            <a:r>
+              <a:rPr lang="ru-RU" sz="2400" i="1" dirty="0">
+                <a:solidFill>
+                  <a:schemeClr val="accent5">
+                    <a:lumMod val="50000"/>
+                  </a:schemeClr>
+                </a:solidFill>
+              </a:rPr>
+              <a:t>конец битвы</a:t>
+            </a:r>
+            <a:endParaRPr lang="ru-RU" sz="2400" b="1" dirty="0">
+              <a:solidFill>
+                <a:schemeClr val="accent5">
+                  <a:lumMod val="50000"/>
+                </a:schemeClr>
+              </a:solidFill>
+            </a:endParaRPr>
+          </a:p>
+        </p:txBody>
+      </p:sp>
+    </p:spTree>
+    <p:extLst>
+      <p:ext uri="{BB962C8B-B14F-4D97-AF65-F5344CB8AC3E}">
+        <p14:creationId xmlns:p14="http://schemas.microsoft.com/office/powerpoint/2010/main" val="1592368673"/>
+      </p:ext>
+    </p:extLst>
+  </p:cSld>
+  <p:clrMapOvr>
+    <a:masterClrMapping/>
+  </p:clrMapOvr>
+</p:sld>
+</file>
+
+<file path=ppt/slides/slide18.xml><?xml version="1.0" encoding="utf-8"?>
+<p:sld xmlns:a="http://schemas.openxmlformats.org/drawingml/2006/main" xmlns:r="http://schemas.openxmlformats.org/officeDocument/2006/relationships" xmlns:p="http://schemas.openxmlformats.org/presentationml/2006/main">
+  <p:cSld>
+    <p:spTree>
+      <p:nvGrpSpPr>
+        <p:cNvPr id="1" name=""/>
+        <p:cNvGrpSpPr/>
+        <p:nvPr/>
+      </p:nvGrpSpPr>
+      <p:grpSpPr>
+        <a:xfrm>
+          <a:off x="0" y="0"/>
+          <a:ext cx="0" cy="0"/>
+          <a:chOff x="0" y="0"/>
+          <a:chExt cx="0" cy="0"/>
+        </a:xfrm>
+      </p:grpSpPr>
+      <p:sp>
+        <p:nvSpPr>
+          <p:cNvPr id="4" name="Номер слайда 3">
+            <a:extLst>
+              <a:ext uri="{FF2B5EF4-FFF2-40B4-BE49-F238E27FC236}">
+                <a16:creationId xmlns:a16="http://schemas.microsoft.com/office/drawing/2014/main" id="{1EE234AD-938A-4037-A4D2-FD590E7E0A4B}"/>
+              </a:ext>
+            </a:extLst>
+          </p:cNvPr>
+          <p:cNvSpPr>
+            <a:spLocks noGrp="1"/>
+          </p:cNvSpPr>
+          <p:nvPr>
+            <p:ph type="sldNum" sz="quarter" idx="11"/>
+          </p:nvPr>
+        </p:nvSpPr>
+        <p:spPr/>
+        <p:txBody>
+          <a:bodyPr/>
+          <a:lstStyle/>
+          <a:p>
+            <a:pPr rtl="0"/>
+            <a:fld id="{49598980-D22C-4904-9F8F-3DB09B2ECD84}" type="slidenum">
+              <a:rPr lang="ru-RU" noProof="0" smtClean="0"/>
+              <a:pPr rtl="0"/>
+              <a:t>18</a:t>
+            </a:fld>
+            <a:endParaRPr lang="ru-RU" noProof="0"/>
+          </a:p>
+        </p:txBody>
+      </p:sp>
+      <p:sp>
+        <p:nvSpPr>
+          <p:cNvPr id="5" name="Заголовок 4">
+            <a:extLst>
+              <a:ext uri="{FF2B5EF4-FFF2-40B4-BE49-F238E27FC236}">
+                <a16:creationId xmlns:a16="http://schemas.microsoft.com/office/drawing/2014/main" id="{B310EACB-6D47-4F54-BDDD-071484E12C2D}"/>
+              </a:ext>
+            </a:extLst>
+          </p:cNvPr>
+          <p:cNvSpPr>
+            <a:spLocks noGrp="1"/>
+          </p:cNvSpPr>
+          <p:nvPr>
+            <p:ph type="title"/>
+          </p:nvPr>
+        </p:nvSpPr>
+        <p:spPr>
+          <a:xfrm>
+            <a:off x="454234" y="474947"/>
+            <a:ext cx="5184576" cy="675926"/>
+          </a:xfrm>
+        </p:spPr>
+        <p:txBody>
+          <a:bodyPr/>
+          <a:lstStyle/>
+          <a:p>
+            <a:r>
+              <a:rPr lang="az-Cyrl-AZ" dirty="0"/>
+              <a:t>Отладочные</a:t>
+            </a:r>
+            <a:br>
+              <a:rPr lang="az-Cyrl-AZ" dirty="0"/>
+            </a:br>
+            <a:r>
+              <a:rPr lang="az-Cyrl-AZ" dirty="0"/>
+              <a:t>сообщения (логи)</a:t>
+            </a:r>
+            <a:endParaRPr lang="ru-RU" dirty="0"/>
+          </a:p>
+        </p:txBody>
+      </p:sp>
+      <p:pic>
+        <p:nvPicPr>
+          <p:cNvPr id="2050" name="Picture 2" descr="Курс Java Collections - Лекция: Logger">
+            <a:extLst>
+              <a:ext uri="{FF2B5EF4-FFF2-40B4-BE49-F238E27FC236}">
+                <a16:creationId xmlns:a16="http://schemas.microsoft.com/office/drawing/2014/main" id="{B6C01842-F929-47A9-A3F7-428DDA13C0F8}"/>
+              </a:ext>
+            </a:extLst>
+          </p:cNvPr>
+          <p:cNvPicPr>
+            <a:picLocks noChangeAspect="1" noChangeArrowheads="1"/>
+          </p:cNvPicPr>
+          <p:nvPr/>
+        </p:nvPicPr>
+        <p:blipFill>
+          <a:blip r:embed="rId3">
+            <a:extLst>
+              <a:ext uri="{28A0092B-C50C-407E-A947-70E740481C1C}">
+                <a14:useLocalDpi xmlns:a14="http://schemas.microsoft.com/office/drawing/2010/main" val="0"/>
+              </a:ext>
+            </a:extLst>
+          </a:blip>
+          <a:srcRect/>
+          <a:stretch>
+            <a:fillRect/>
+          </a:stretch>
+        </p:blipFill>
+        <p:spPr bwMode="auto">
+          <a:xfrm>
+            <a:off x="755576" y="2276872"/>
+            <a:ext cx="7797874" cy="4247548"/>
+          </a:xfrm>
+          <a:prstGeom prst="rect">
+            <a:avLst/>
+          </a:prstGeom>
+          <a:noFill/>
+          <a:extLst>
+            <a:ext uri="{909E8E84-426E-40DD-AFC4-6F175D3DCCD1}">
+              <a14:hiddenFill xmlns:a14="http://schemas.microsoft.com/office/drawing/2010/main">
+                <a:solidFill>
+                  <a:srgbClr val="FFFFFF"/>
+                </a:solidFill>
+              </a14:hiddenFill>
+            </a:ext>
+          </a:extLst>
+        </p:spPr>
+      </p:pic>
+    </p:spTree>
+    <p:extLst>
+      <p:ext uri="{BB962C8B-B14F-4D97-AF65-F5344CB8AC3E}">
+        <p14:creationId xmlns:p14="http://schemas.microsoft.com/office/powerpoint/2010/main" val="1706986835"/>
+      </p:ext>
+    </p:extLst>
+  </p:cSld>
+  <p:clrMapOvr>
+    <a:masterClrMapping/>
+  </p:clrMapOvr>
+</p:sld>
+</file>
+
+<file path=ppt/slides/slide19.xml><?xml version="1.0" encoding="utf-8"?>
+<p:sld xmlns:a="http://schemas.openxmlformats.org/drawingml/2006/main" xmlns:r="http://schemas.openxmlformats.org/officeDocument/2006/relationships" xmlns:p="http://schemas.openxmlformats.org/presentationml/2006/main">
+  <p:cSld>
+    <p:spTree>
+      <p:nvGrpSpPr>
+        <p:cNvPr id="1" name=""/>
+        <p:cNvGrpSpPr/>
+        <p:nvPr/>
+      </p:nvGrpSpPr>
+      <p:grpSpPr>
+        <a:xfrm>
+          <a:off x="0" y="0"/>
+          <a:ext cx="0" cy="0"/>
+          <a:chOff x="0" y="0"/>
+          <a:chExt cx="0" cy="0"/>
+        </a:xfrm>
+      </p:grpSpPr>
+      <p:sp>
+        <p:nvSpPr>
+          <p:cNvPr id="4" name="Номер слайда 3">
+            <a:extLst>
+              <a:ext uri="{FF2B5EF4-FFF2-40B4-BE49-F238E27FC236}">
+                <a16:creationId xmlns:a16="http://schemas.microsoft.com/office/drawing/2014/main" id="{1EE234AD-938A-4037-A4D2-FD590E7E0A4B}"/>
+              </a:ext>
+            </a:extLst>
+          </p:cNvPr>
+          <p:cNvSpPr>
+            <a:spLocks noGrp="1"/>
+          </p:cNvSpPr>
+          <p:nvPr>
+            <p:ph type="sldNum" sz="quarter" idx="11"/>
+          </p:nvPr>
+        </p:nvSpPr>
+        <p:spPr/>
+        <p:txBody>
+          <a:bodyPr/>
+          <a:lstStyle/>
+          <a:p>
+            <a:pPr rtl="0"/>
+            <a:fld id="{49598980-D22C-4904-9F8F-3DB09B2ECD84}" type="slidenum">
+              <a:rPr lang="ru-RU" noProof="0" smtClean="0"/>
+              <a:pPr rtl="0"/>
+              <a:t>19</a:t>
+            </a:fld>
+            <a:endParaRPr lang="ru-RU" noProof="0"/>
+          </a:p>
+        </p:txBody>
+      </p:sp>
+      <p:sp>
+        <p:nvSpPr>
+          <p:cNvPr id="5" name="Заголовок 4">
+            <a:extLst>
+              <a:ext uri="{FF2B5EF4-FFF2-40B4-BE49-F238E27FC236}">
+                <a16:creationId xmlns:a16="http://schemas.microsoft.com/office/drawing/2014/main" id="{B310EACB-6D47-4F54-BDDD-071484E12C2D}"/>
+              </a:ext>
+            </a:extLst>
+          </p:cNvPr>
+          <p:cNvSpPr>
+            <a:spLocks noGrp="1"/>
+          </p:cNvSpPr>
+          <p:nvPr>
+            <p:ph type="title"/>
+          </p:nvPr>
+        </p:nvSpPr>
+        <p:spPr>
+          <a:xfrm>
+            <a:off x="467544" y="620688"/>
+            <a:ext cx="5112568" cy="675926"/>
+          </a:xfrm>
+        </p:spPr>
+        <p:txBody>
+          <a:bodyPr/>
+          <a:lstStyle/>
+          <a:p>
+            <a:r>
+              <a:rPr lang="az-Cyrl-AZ" dirty="0"/>
+              <a:t>Отладочные</a:t>
+            </a:r>
+            <a:br>
+              <a:rPr lang="az-Cyrl-AZ" dirty="0"/>
+            </a:br>
+            <a:r>
+              <a:rPr lang="az-Cyrl-AZ" dirty="0"/>
+              <a:t>сообщения (логи)</a:t>
+            </a:r>
+            <a:endParaRPr lang="ru-RU" dirty="0"/>
+          </a:p>
+        </p:txBody>
+      </p:sp>
+      <p:sp>
+        <p:nvSpPr>
+          <p:cNvPr id="3" name="TextBox 2">
+            <a:extLst>
+              <a:ext uri="{FF2B5EF4-FFF2-40B4-BE49-F238E27FC236}">
+                <a16:creationId xmlns:a16="http://schemas.microsoft.com/office/drawing/2014/main" id="{8F3390F9-6E31-4866-8DC3-268F16A7518C}"/>
+              </a:ext>
+            </a:extLst>
+          </p:cNvPr>
+          <p:cNvSpPr txBox="1"/>
+          <p:nvPr/>
+        </p:nvSpPr>
+        <p:spPr>
+          <a:xfrm>
+            <a:off x="539552" y="2305323"/>
+            <a:ext cx="8416471" cy="4247317"/>
+          </a:xfrm>
+          <a:prstGeom prst="rect">
+            <a:avLst/>
+          </a:prstGeom>
+          <a:noFill/>
+        </p:spPr>
+        <p:txBody>
+          <a:bodyPr wrap="none" rtlCol="0">
+            <a:spAutoFit/>
+          </a:bodyPr>
+          <a:lstStyle/>
+          <a:p>
+            <a:r>
+              <a:rPr lang="en-US" b="1" dirty="0">
+                <a:solidFill>
+                  <a:schemeClr val="accent5">
+                    <a:lumMod val="50000"/>
+                  </a:schemeClr>
+                </a:solidFill>
+              </a:rPr>
+              <a:t>Log.</a:t>
+            </a:r>
+            <a:r>
+              <a:rPr lang="az-Cyrl-AZ" b="1" dirty="0">
+                <a:solidFill>
+                  <a:srgbClr val="C00000"/>
+                </a:solidFill>
+              </a:rPr>
+              <a:t>тип_сообщения</a:t>
+            </a:r>
+            <a:r>
+              <a:rPr lang="az-Cyrl-AZ" b="1" dirty="0">
+                <a:solidFill>
+                  <a:schemeClr val="accent5">
+                    <a:lumMod val="50000"/>
+                  </a:schemeClr>
+                </a:solidFill>
+              </a:rPr>
+              <a:t>(</a:t>
+            </a:r>
+            <a:r>
+              <a:rPr lang="en-US" b="1" dirty="0">
+                <a:solidFill>
+                  <a:schemeClr val="accent5">
+                    <a:lumMod val="50000"/>
+                  </a:schemeClr>
+                </a:solidFill>
+              </a:rPr>
+              <a:t>“</a:t>
+            </a:r>
+            <a:r>
+              <a:rPr lang="az-Cyrl-AZ" b="1" dirty="0">
+                <a:solidFill>
+                  <a:srgbClr val="FFC000"/>
+                </a:solidFill>
+              </a:rPr>
+              <a:t>идентификатор сообщения</a:t>
+            </a:r>
+            <a:r>
+              <a:rPr lang="en-US" b="1" dirty="0">
+                <a:solidFill>
+                  <a:schemeClr val="accent5">
+                    <a:lumMod val="50000"/>
+                  </a:schemeClr>
+                </a:solidFill>
+              </a:rPr>
+              <a:t>”, “</a:t>
+            </a:r>
+            <a:r>
+              <a:rPr lang="az-Cyrl-AZ" b="1" dirty="0">
+                <a:solidFill>
+                  <a:srgbClr val="0070C0"/>
+                </a:solidFill>
+              </a:rPr>
+              <a:t>текст сообщения</a:t>
+            </a:r>
+            <a:r>
+              <a:rPr lang="en-US" b="1" dirty="0">
+                <a:solidFill>
+                  <a:schemeClr val="accent5">
+                    <a:lumMod val="50000"/>
+                  </a:schemeClr>
+                </a:solidFill>
+              </a:rPr>
+              <a:t>”</a:t>
+            </a:r>
+            <a:r>
+              <a:rPr lang="az-Cyrl-AZ" b="1" dirty="0">
+                <a:solidFill>
+                  <a:schemeClr val="accent5">
+                    <a:lumMod val="50000"/>
+                  </a:schemeClr>
+                </a:solidFill>
+              </a:rPr>
+              <a:t>)</a:t>
+            </a:r>
+            <a:r>
+              <a:rPr lang="en-US" b="1" dirty="0">
+                <a:solidFill>
+                  <a:schemeClr val="accent5">
+                    <a:lumMod val="50000"/>
+                  </a:schemeClr>
+                </a:solidFill>
+              </a:rPr>
+              <a:t>;</a:t>
+            </a:r>
+            <a:endParaRPr lang="az-Cyrl-AZ" b="1" dirty="0">
+              <a:solidFill>
+                <a:schemeClr val="accent5">
+                  <a:lumMod val="50000"/>
+                </a:schemeClr>
+              </a:solidFill>
+            </a:endParaRPr>
+          </a:p>
+          <a:p>
+            <a:endParaRPr lang="az-Cyrl-AZ" b="1" dirty="0">
+              <a:solidFill>
+                <a:schemeClr val="accent5">
+                  <a:lumMod val="50000"/>
+                </a:schemeClr>
+              </a:solidFill>
+            </a:endParaRPr>
+          </a:p>
+          <a:p>
+            <a:endParaRPr lang="az-Cyrl-AZ" b="1" dirty="0">
+              <a:solidFill>
+                <a:schemeClr val="accent5">
+                  <a:lumMod val="50000"/>
+                </a:schemeClr>
+              </a:solidFill>
+            </a:endParaRPr>
+          </a:p>
+          <a:p>
+            <a:r>
+              <a:rPr lang="az-Cyrl-AZ" b="1" dirty="0">
+                <a:solidFill>
+                  <a:srgbClr val="C00000"/>
+                </a:solidFill>
+              </a:rPr>
+              <a:t>Типы_сообщений:</a:t>
+            </a:r>
+          </a:p>
+          <a:p>
+            <a:r>
+              <a:rPr lang="en-US" b="1" dirty="0" err="1">
+                <a:solidFill>
+                  <a:schemeClr val="accent5">
+                    <a:lumMod val="50000"/>
+                  </a:schemeClr>
+                </a:solidFill>
+              </a:rPr>
+              <a:t>i</a:t>
+            </a:r>
+            <a:r>
+              <a:rPr lang="en-US" b="1" dirty="0">
+                <a:solidFill>
+                  <a:schemeClr val="accent5">
+                    <a:lumMod val="50000"/>
+                  </a:schemeClr>
+                </a:solidFill>
+              </a:rPr>
+              <a:t> –</a:t>
+            </a:r>
+            <a:r>
+              <a:rPr lang="az-Cyrl-AZ" b="1" dirty="0">
+                <a:solidFill>
+                  <a:schemeClr val="accent5">
+                    <a:lumMod val="50000"/>
+                  </a:schemeClr>
+                </a:solidFill>
+              </a:rPr>
+              <a:t> </a:t>
+            </a:r>
+            <a:r>
+              <a:rPr lang="en-US" b="1" dirty="0">
+                <a:solidFill>
+                  <a:schemeClr val="accent5">
+                    <a:lumMod val="50000"/>
+                  </a:schemeClr>
+                </a:solidFill>
+              </a:rPr>
+              <a:t>info</a:t>
+            </a:r>
+            <a:r>
+              <a:rPr lang="az-Cyrl-AZ" b="1" dirty="0">
+                <a:solidFill>
+                  <a:schemeClr val="accent5">
+                    <a:lumMod val="50000"/>
+                  </a:schemeClr>
+                </a:solidFill>
+              </a:rPr>
+              <a:t>, информационное сообщение</a:t>
+            </a:r>
+          </a:p>
+          <a:p>
+            <a:r>
+              <a:rPr lang="en-US" b="1" dirty="0">
+                <a:solidFill>
+                  <a:schemeClr val="accent5">
+                    <a:lumMod val="50000"/>
+                  </a:schemeClr>
+                </a:solidFill>
+              </a:rPr>
+              <a:t>d – debug,</a:t>
+            </a:r>
+            <a:r>
+              <a:rPr lang="az-Cyrl-AZ" b="1" dirty="0">
+                <a:solidFill>
+                  <a:schemeClr val="accent5">
+                    <a:lumMod val="50000"/>
+                  </a:schemeClr>
+                </a:solidFill>
+              </a:rPr>
+              <a:t> отладочные сообщения</a:t>
+            </a:r>
+          </a:p>
+          <a:p>
+            <a:r>
+              <a:rPr lang="en-US" b="1" dirty="0">
+                <a:solidFill>
+                  <a:schemeClr val="accent5">
+                    <a:lumMod val="50000"/>
+                  </a:schemeClr>
+                </a:solidFill>
+              </a:rPr>
+              <a:t>w – warning</a:t>
+            </a:r>
+            <a:r>
+              <a:rPr lang="az-Cyrl-AZ" b="1" dirty="0">
+                <a:solidFill>
+                  <a:schemeClr val="accent5">
+                    <a:lumMod val="50000"/>
+                  </a:schemeClr>
+                </a:solidFill>
+              </a:rPr>
+              <a:t>, предупреждения</a:t>
+            </a:r>
+          </a:p>
+          <a:p>
+            <a:r>
+              <a:rPr lang="en-US" b="1" dirty="0">
+                <a:solidFill>
+                  <a:schemeClr val="accent5">
+                    <a:lumMod val="50000"/>
+                  </a:schemeClr>
+                </a:solidFill>
+              </a:rPr>
+              <a:t>e – error</a:t>
+            </a:r>
+            <a:r>
+              <a:rPr lang="az-Cyrl-AZ" b="1" dirty="0">
+                <a:solidFill>
+                  <a:schemeClr val="accent5">
+                    <a:lumMod val="50000"/>
+                  </a:schemeClr>
+                </a:solidFill>
+              </a:rPr>
+              <a:t>, сообщения об ошибках</a:t>
+            </a:r>
+          </a:p>
+          <a:p>
+            <a:endParaRPr lang="az-Cyrl-AZ" b="1" dirty="0">
+              <a:solidFill>
+                <a:schemeClr val="accent5">
+                  <a:lumMod val="50000"/>
+                </a:schemeClr>
+              </a:solidFill>
+            </a:endParaRPr>
+          </a:p>
+          <a:p>
+            <a:r>
+              <a:rPr lang="az-Cyrl-AZ" b="1" dirty="0">
+                <a:solidFill>
+                  <a:srgbClr val="FFC000"/>
+                </a:solidFill>
+              </a:rPr>
+              <a:t>Идентификатор сообщения</a:t>
+            </a:r>
+            <a:r>
+              <a:rPr lang="en-US" b="1" dirty="0">
+                <a:solidFill>
+                  <a:srgbClr val="FFC000"/>
+                </a:solidFill>
+              </a:rPr>
+              <a:t> </a:t>
+            </a:r>
+            <a:endParaRPr lang="az-Cyrl-AZ" b="1" dirty="0">
+              <a:solidFill>
+                <a:srgbClr val="FFC000"/>
+              </a:solidFill>
+            </a:endParaRPr>
+          </a:p>
+          <a:p>
+            <a:r>
+              <a:rPr lang="az-Cyrl-AZ" b="1" dirty="0">
+                <a:solidFill>
+                  <a:schemeClr val="accent5">
+                    <a:lumMod val="50000"/>
+                  </a:schemeClr>
+                </a:solidFill>
+              </a:rPr>
+              <a:t>С помощью него можно настроить фильтр отображаемых сообщений</a:t>
+            </a:r>
+          </a:p>
+          <a:p>
+            <a:endParaRPr lang="az-Cyrl-AZ" b="1" dirty="0">
+              <a:solidFill>
+                <a:srgbClr val="FFC000"/>
+              </a:solidFill>
+            </a:endParaRPr>
+          </a:p>
+          <a:p>
+            <a:r>
+              <a:rPr lang="az-Cyrl-AZ" b="1" dirty="0">
+                <a:solidFill>
+                  <a:srgbClr val="0070C0"/>
+                </a:solidFill>
+              </a:rPr>
+              <a:t>Текст сообщения</a:t>
+            </a:r>
+          </a:p>
+          <a:p>
+            <a:r>
+              <a:rPr lang="az-Cyrl-AZ" b="1" dirty="0">
+                <a:solidFill>
+                  <a:srgbClr val="0070C0"/>
+                </a:solidFill>
+              </a:rPr>
+              <a:t>Сам сообщение с нужной информацией</a:t>
+            </a:r>
+            <a:endParaRPr lang="az-Cyrl-AZ" b="1" dirty="0">
+              <a:solidFill>
+                <a:schemeClr val="accent5">
+                  <a:lumMod val="50000"/>
+                </a:schemeClr>
+              </a:solidFill>
+            </a:endParaRPr>
+          </a:p>
+          <a:p>
+            <a:endParaRPr lang="az-Cyrl-AZ" b="1" dirty="0">
+              <a:solidFill>
+                <a:schemeClr val="accent5">
+                  <a:lumMod val="50000"/>
+                </a:schemeClr>
+              </a:solidFill>
+            </a:endParaRPr>
+          </a:p>
+        </p:txBody>
+      </p:sp>
+    </p:spTree>
+    <p:extLst>
+      <p:ext uri="{BB962C8B-B14F-4D97-AF65-F5344CB8AC3E}">
+        <p14:creationId xmlns:p14="http://schemas.microsoft.com/office/powerpoint/2010/main" val="1630943567"/>
+      </p:ext>
+    </p:extLst>
+  </p:cSld>
+  <p:clrMapOvr>
+    <a:masterClrMapping/>
+  </p:clrMapOvr>
+</p:sld>
+</file>
+
+<file path=ppt/slides/slide2.xml><?xml version="1.0" encoding="utf-8"?>
+<p:sld xmlns:a="http://schemas.openxmlformats.org/drawingml/2006/main" xmlns:r="http://schemas.openxmlformats.org/officeDocument/2006/relationships" xmlns:p="http://schemas.openxmlformats.org/presentationml/2006/main">
+  <p:cSld>
+    <p:spTree>
+      <p:nvGrpSpPr>
+        <p:cNvPr id="1" name=""/>
+        <p:cNvGrpSpPr/>
+        <p:nvPr/>
+      </p:nvGrpSpPr>
+      <p:grpSpPr>
+        <a:xfrm>
+          <a:off x="0" y="0"/>
+          <a:ext cx="0" cy="0"/>
+          <a:chOff x="0" y="0"/>
+          <a:chExt cx="0" cy="0"/>
+        </a:xfrm>
+      </p:grpSpPr>
+      <p:sp>
+        <p:nvSpPr>
+          <p:cNvPr id="2" name="Прямоугольник 1"/>
+          <p:cNvSpPr>
+            <a:spLocks noGrp="1"/>
+          </p:cNvSpPr>
+          <p:nvPr>
+            <p:ph type="title"/>
+          </p:nvPr>
+        </p:nvSpPr>
+        <p:spPr>
+          <a:xfrm>
+            <a:off x="466344" y="384048"/>
+            <a:ext cx="4969752" cy="1216152"/>
+          </a:xfrm>
+        </p:spPr>
+        <p:txBody>
+          <a:bodyPr rtlCol="0"/>
+          <a:lstStyle/>
+          <a:p>
+            <a:pPr rtl="0"/>
+            <a:r>
+              <a:rPr lang="ru-RU" dirty="0"/>
+              <a:t>Виды информации</a:t>
+            </a:r>
+          </a:p>
+        </p:txBody>
+      </p:sp>
+      <p:sp>
+        <p:nvSpPr>
+          <p:cNvPr id="5" name="Номер слайда 4">
+            <a:extLst>
+              <a:ext uri="{FF2B5EF4-FFF2-40B4-BE49-F238E27FC236}">
+                <a16:creationId xmlns:a16="http://schemas.microsoft.com/office/drawing/2014/main" id="{22334DF1-D929-4181-86BF-E2E3C8F17509}"/>
+              </a:ext>
+            </a:extLst>
+          </p:cNvPr>
+          <p:cNvSpPr>
+            <a:spLocks noGrp="1"/>
+          </p:cNvSpPr>
+          <p:nvPr>
+            <p:ph type="sldNum" sz="quarter" idx="12"/>
+          </p:nvPr>
+        </p:nvSpPr>
+        <p:spPr/>
+        <p:txBody>
+          <a:bodyPr/>
+          <a:lstStyle/>
+          <a:p>
+            <a:pPr rtl="0"/>
+            <a:fld id="{FEA1243F-3000-4347-94A4-FBDEAD3122CB}" type="slidenum">
+              <a:rPr lang="ru-RU" noProof="0" smtClean="0"/>
+              <a:pPr rtl="0"/>
+              <a:t>2</a:t>
+            </a:fld>
+            <a:endParaRPr lang="ru-RU" noProof="0"/>
+          </a:p>
+        </p:txBody>
+      </p:sp>
+      <p:pic>
+        <p:nvPicPr>
+          <p:cNvPr id="9" name="Объект 8">
+            <a:extLst>
+              <a:ext uri="{FF2B5EF4-FFF2-40B4-BE49-F238E27FC236}">
+                <a16:creationId xmlns:a16="http://schemas.microsoft.com/office/drawing/2014/main" id="{A0F4E43B-C6C1-4103-8C59-CEDE83955AC7}"/>
+              </a:ext>
+            </a:extLst>
+          </p:cNvPr>
+          <p:cNvPicPr>
+            <a:picLocks noGrp="1"/>
+          </p:cNvPicPr>
+          <p:nvPr>
+            <p:ph idx="1"/>
+          </p:nvPr>
+        </p:nvPicPr>
+        <p:blipFill>
+          <a:blip r:embed="rId3"/>
+          <a:stretch>
+            <a:fillRect/>
+          </a:stretch>
+        </p:blipFill>
+        <p:spPr bwMode="auto">
+          <a:xfrm>
+            <a:off x="1691680" y="1998802"/>
+            <a:ext cx="6120680" cy="4507604"/>
+          </a:xfrm>
+          <a:prstGeom prst="rect">
+            <a:avLst/>
+          </a:prstGeom>
+        </p:spPr>
+      </p:pic>
+    </p:spTree>
+    <p:extLst>
+      <p:ext uri="{BB962C8B-B14F-4D97-AF65-F5344CB8AC3E}">
+        <p14:creationId xmlns:p14="http://schemas.microsoft.com/office/powerpoint/2010/main" val="2498794186"/>
+      </p:ext>
+    </p:extLst>
+  </p:cSld>
+  <p:clrMapOvr>
+    <a:masterClrMapping/>
+  </p:clrMapOvr>
+</p:sld>
+</file>
+
+<file path=ppt/slides/slide20.xml><?xml version="1.0" encoding="utf-8"?>
+<p:sld xmlns:a="http://schemas.openxmlformats.org/drawingml/2006/main" xmlns:r="http://schemas.openxmlformats.org/officeDocument/2006/relationships" xmlns:p="http://schemas.openxmlformats.org/presentationml/2006/main">
+  <p:cSld>
+    <p:spTree>
+      <p:nvGrpSpPr>
+        <p:cNvPr id="1" name=""/>
+        <p:cNvGrpSpPr/>
+        <p:nvPr/>
+      </p:nvGrpSpPr>
+      <p:grpSpPr>
+        <a:xfrm>
+          <a:off x="0" y="0"/>
+          <a:ext cx="0" cy="0"/>
+          <a:chOff x="0" y="0"/>
+          <a:chExt cx="0" cy="0"/>
+        </a:xfrm>
+      </p:grpSpPr>
+      <p:sp>
+        <p:nvSpPr>
+          <p:cNvPr id="4" name="Номер слайда 3">
+            <a:extLst>
+              <a:ext uri="{FF2B5EF4-FFF2-40B4-BE49-F238E27FC236}">
+                <a16:creationId xmlns:a16="http://schemas.microsoft.com/office/drawing/2014/main" id="{1EE234AD-938A-4037-A4D2-FD590E7E0A4B}"/>
+              </a:ext>
+            </a:extLst>
+          </p:cNvPr>
+          <p:cNvSpPr>
+            <a:spLocks noGrp="1"/>
+          </p:cNvSpPr>
+          <p:nvPr>
+            <p:ph type="sldNum" sz="quarter" idx="11"/>
+          </p:nvPr>
+        </p:nvSpPr>
+        <p:spPr/>
+        <p:txBody>
+          <a:bodyPr/>
+          <a:lstStyle/>
+          <a:p>
+            <a:pPr rtl="0"/>
+            <a:fld id="{49598980-D22C-4904-9F8F-3DB09B2ECD84}" type="slidenum">
+              <a:rPr lang="ru-RU" noProof="0" smtClean="0"/>
+              <a:pPr rtl="0"/>
+              <a:t>20</a:t>
+            </a:fld>
+            <a:endParaRPr lang="ru-RU" noProof="0"/>
+          </a:p>
+        </p:txBody>
+      </p:sp>
+      <p:sp>
+        <p:nvSpPr>
+          <p:cNvPr id="5" name="Заголовок 4">
+            <a:extLst>
+              <a:ext uri="{FF2B5EF4-FFF2-40B4-BE49-F238E27FC236}">
+                <a16:creationId xmlns:a16="http://schemas.microsoft.com/office/drawing/2014/main" id="{B310EACB-6D47-4F54-BDDD-071484E12C2D}"/>
+              </a:ext>
+            </a:extLst>
+          </p:cNvPr>
+          <p:cNvSpPr>
+            <a:spLocks noGrp="1"/>
+          </p:cNvSpPr>
+          <p:nvPr>
+            <p:ph type="title"/>
+          </p:nvPr>
+        </p:nvSpPr>
+        <p:spPr>
+          <a:xfrm>
+            <a:off x="467544" y="836712"/>
+            <a:ext cx="4638674" cy="675926"/>
+          </a:xfrm>
+        </p:spPr>
+        <p:txBody>
+          <a:bodyPr/>
+          <a:lstStyle/>
+          <a:p>
+            <a:r>
+              <a:rPr lang="az-Cyrl-AZ" dirty="0"/>
+              <a:t>Отладочные</a:t>
+            </a:r>
+            <a:br>
+              <a:rPr lang="az-Cyrl-AZ" dirty="0"/>
+            </a:br>
+            <a:r>
+              <a:rPr lang="az-Cyrl-AZ" dirty="0"/>
+              <a:t>сообщения (логи)</a:t>
+            </a:r>
+            <a:endParaRPr lang="ru-RU" dirty="0"/>
+          </a:p>
+        </p:txBody>
+      </p:sp>
+      <p:sp>
+        <p:nvSpPr>
+          <p:cNvPr id="3" name="TextBox 2">
+            <a:extLst>
+              <a:ext uri="{FF2B5EF4-FFF2-40B4-BE49-F238E27FC236}">
+                <a16:creationId xmlns:a16="http://schemas.microsoft.com/office/drawing/2014/main" id="{8F3390F9-6E31-4866-8DC3-268F16A7518C}"/>
+              </a:ext>
+            </a:extLst>
+          </p:cNvPr>
+          <p:cNvSpPr txBox="1"/>
+          <p:nvPr/>
+        </p:nvSpPr>
+        <p:spPr>
+          <a:xfrm>
+            <a:off x="539552" y="2305323"/>
+            <a:ext cx="8416471" cy="4247317"/>
+          </a:xfrm>
+          <a:prstGeom prst="rect">
+            <a:avLst/>
+          </a:prstGeom>
+          <a:noFill/>
+        </p:spPr>
+        <p:txBody>
+          <a:bodyPr wrap="none" rtlCol="0">
+            <a:spAutoFit/>
+          </a:bodyPr>
+          <a:lstStyle/>
+          <a:p>
+            <a:r>
+              <a:rPr lang="en-US" b="1" dirty="0">
+                <a:solidFill>
+                  <a:schemeClr val="accent5">
+                    <a:lumMod val="50000"/>
+                  </a:schemeClr>
+                </a:solidFill>
+              </a:rPr>
+              <a:t>Log.</a:t>
+            </a:r>
+            <a:r>
+              <a:rPr lang="az-Cyrl-AZ" b="1" dirty="0">
+                <a:solidFill>
+                  <a:srgbClr val="C00000"/>
+                </a:solidFill>
+              </a:rPr>
+              <a:t>тип_сообщения</a:t>
+            </a:r>
+            <a:r>
+              <a:rPr lang="az-Cyrl-AZ" b="1" dirty="0">
+                <a:solidFill>
+                  <a:schemeClr val="accent5">
+                    <a:lumMod val="50000"/>
+                  </a:schemeClr>
+                </a:solidFill>
+              </a:rPr>
+              <a:t>(</a:t>
+            </a:r>
+            <a:r>
+              <a:rPr lang="en-US" b="1" dirty="0">
+                <a:solidFill>
+                  <a:schemeClr val="accent5">
+                    <a:lumMod val="50000"/>
+                  </a:schemeClr>
+                </a:solidFill>
+              </a:rPr>
+              <a:t>“</a:t>
+            </a:r>
+            <a:r>
+              <a:rPr lang="az-Cyrl-AZ" b="1" dirty="0">
+                <a:solidFill>
+                  <a:srgbClr val="FFC000"/>
+                </a:solidFill>
+              </a:rPr>
+              <a:t>идентификатор сообщения</a:t>
+            </a:r>
+            <a:r>
+              <a:rPr lang="en-US" b="1" dirty="0">
+                <a:solidFill>
+                  <a:schemeClr val="accent5">
+                    <a:lumMod val="50000"/>
+                  </a:schemeClr>
+                </a:solidFill>
+              </a:rPr>
+              <a:t>”, “</a:t>
+            </a:r>
+            <a:r>
+              <a:rPr lang="az-Cyrl-AZ" b="1" dirty="0">
+                <a:solidFill>
+                  <a:srgbClr val="0070C0"/>
+                </a:solidFill>
+              </a:rPr>
+              <a:t>текст сообщения</a:t>
+            </a:r>
+            <a:r>
+              <a:rPr lang="en-US" b="1" dirty="0">
+                <a:solidFill>
+                  <a:schemeClr val="accent5">
+                    <a:lumMod val="50000"/>
+                  </a:schemeClr>
+                </a:solidFill>
+              </a:rPr>
+              <a:t>”</a:t>
+            </a:r>
+            <a:r>
+              <a:rPr lang="az-Cyrl-AZ" b="1" dirty="0">
+                <a:solidFill>
+                  <a:schemeClr val="accent5">
+                    <a:lumMod val="50000"/>
+                  </a:schemeClr>
+                </a:solidFill>
+              </a:rPr>
+              <a:t>)</a:t>
+            </a:r>
+            <a:r>
+              <a:rPr lang="en-US" b="1" dirty="0">
+                <a:solidFill>
+                  <a:schemeClr val="accent5">
+                    <a:lumMod val="50000"/>
+                  </a:schemeClr>
+                </a:solidFill>
+              </a:rPr>
+              <a:t>;</a:t>
+            </a:r>
+            <a:endParaRPr lang="az-Cyrl-AZ" b="1" dirty="0">
+              <a:solidFill>
+                <a:schemeClr val="accent5">
+                  <a:lumMod val="50000"/>
+                </a:schemeClr>
+              </a:solidFill>
+            </a:endParaRPr>
+          </a:p>
+          <a:p>
+            <a:endParaRPr lang="az-Cyrl-AZ" b="1" dirty="0">
+              <a:solidFill>
+                <a:schemeClr val="accent5">
+                  <a:lumMod val="50000"/>
+                </a:schemeClr>
+              </a:solidFill>
+            </a:endParaRPr>
+          </a:p>
+          <a:p>
+            <a:endParaRPr lang="az-Cyrl-AZ" b="1" dirty="0">
+              <a:solidFill>
+                <a:schemeClr val="accent5">
+                  <a:lumMod val="50000"/>
+                </a:schemeClr>
+              </a:solidFill>
+            </a:endParaRPr>
+          </a:p>
+          <a:p>
+            <a:r>
+              <a:rPr lang="az-Cyrl-AZ" b="1" dirty="0">
+                <a:solidFill>
+                  <a:srgbClr val="C00000"/>
+                </a:solidFill>
+              </a:rPr>
+              <a:t>Типы_сообщений:</a:t>
+            </a:r>
+          </a:p>
+          <a:p>
+            <a:r>
+              <a:rPr lang="en-US" b="1" dirty="0" err="1">
+                <a:solidFill>
+                  <a:schemeClr val="accent5">
+                    <a:lumMod val="50000"/>
+                  </a:schemeClr>
+                </a:solidFill>
+              </a:rPr>
+              <a:t>i</a:t>
+            </a:r>
+            <a:r>
+              <a:rPr lang="en-US" b="1" dirty="0">
+                <a:solidFill>
+                  <a:schemeClr val="accent5">
+                    <a:lumMod val="50000"/>
+                  </a:schemeClr>
+                </a:solidFill>
+              </a:rPr>
+              <a:t> –</a:t>
+            </a:r>
+            <a:r>
+              <a:rPr lang="az-Cyrl-AZ" b="1" dirty="0">
+                <a:solidFill>
+                  <a:schemeClr val="accent5">
+                    <a:lumMod val="50000"/>
+                  </a:schemeClr>
+                </a:solidFill>
+              </a:rPr>
+              <a:t> </a:t>
+            </a:r>
+            <a:r>
+              <a:rPr lang="en-US" b="1" dirty="0">
+                <a:solidFill>
+                  <a:schemeClr val="accent5">
+                    <a:lumMod val="50000"/>
+                  </a:schemeClr>
+                </a:solidFill>
+              </a:rPr>
+              <a:t>info</a:t>
+            </a:r>
+            <a:r>
+              <a:rPr lang="az-Cyrl-AZ" b="1" dirty="0">
+                <a:solidFill>
+                  <a:schemeClr val="accent5">
+                    <a:lumMod val="50000"/>
+                  </a:schemeClr>
+                </a:solidFill>
+              </a:rPr>
+              <a:t>, информационное сообщение</a:t>
+            </a:r>
+          </a:p>
+          <a:p>
+            <a:r>
+              <a:rPr lang="en-US" b="1" dirty="0">
+                <a:solidFill>
+                  <a:schemeClr val="accent5">
+                    <a:lumMod val="50000"/>
+                  </a:schemeClr>
+                </a:solidFill>
+              </a:rPr>
+              <a:t>d – debug,</a:t>
+            </a:r>
+            <a:r>
+              <a:rPr lang="az-Cyrl-AZ" b="1" dirty="0">
+                <a:solidFill>
+                  <a:schemeClr val="accent5">
+                    <a:lumMod val="50000"/>
+                  </a:schemeClr>
+                </a:solidFill>
+              </a:rPr>
+              <a:t> отладочные сообщения</a:t>
+            </a:r>
+          </a:p>
+          <a:p>
+            <a:r>
+              <a:rPr lang="en-US" b="1" dirty="0">
+                <a:solidFill>
+                  <a:schemeClr val="accent5">
+                    <a:lumMod val="50000"/>
+                  </a:schemeClr>
+                </a:solidFill>
+              </a:rPr>
+              <a:t>w – warning</a:t>
+            </a:r>
+            <a:r>
+              <a:rPr lang="az-Cyrl-AZ" b="1" dirty="0">
+                <a:solidFill>
+                  <a:schemeClr val="accent5">
+                    <a:lumMod val="50000"/>
+                  </a:schemeClr>
+                </a:solidFill>
+              </a:rPr>
+              <a:t>, предупреждения</a:t>
+            </a:r>
+          </a:p>
+          <a:p>
+            <a:r>
+              <a:rPr lang="en-US" b="1" dirty="0">
+                <a:solidFill>
+                  <a:schemeClr val="accent5">
+                    <a:lumMod val="50000"/>
+                  </a:schemeClr>
+                </a:solidFill>
+              </a:rPr>
+              <a:t>e – error</a:t>
+            </a:r>
+            <a:r>
+              <a:rPr lang="az-Cyrl-AZ" b="1" dirty="0">
+                <a:solidFill>
+                  <a:schemeClr val="accent5">
+                    <a:lumMod val="50000"/>
+                  </a:schemeClr>
+                </a:solidFill>
+              </a:rPr>
+              <a:t>, сообщения об ошибках</a:t>
+            </a:r>
+          </a:p>
+          <a:p>
+            <a:endParaRPr lang="az-Cyrl-AZ" b="1" dirty="0">
+              <a:solidFill>
+                <a:schemeClr val="accent5">
+                  <a:lumMod val="50000"/>
+                </a:schemeClr>
+              </a:solidFill>
+            </a:endParaRPr>
+          </a:p>
+          <a:p>
+            <a:r>
+              <a:rPr lang="az-Cyrl-AZ" b="1" dirty="0">
+                <a:solidFill>
+                  <a:srgbClr val="FFC000"/>
+                </a:solidFill>
+              </a:rPr>
+              <a:t>Идентификатор сообщения</a:t>
+            </a:r>
+            <a:r>
+              <a:rPr lang="en-US" b="1" dirty="0">
+                <a:solidFill>
+                  <a:srgbClr val="FFC000"/>
+                </a:solidFill>
+              </a:rPr>
+              <a:t> </a:t>
+            </a:r>
+            <a:endParaRPr lang="az-Cyrl-AZ" b="1" dirty="0">
+              <a:solidFill>
+                <a:srgbClr val="FFC000"/>
+              </a:solidFill>
+            </a:endParaRPr>
+          </a:p>
+          <a:p>
+            <a:r>
+              <a:rPr lang="az-Cyrl-AZ" b="1" dirty="0">
+                <a:solidFill>
+                  <a:schemeClr val="accent5">
+                    <a:lumMod val="50000"/>
+                  </a:schemeClr>
+                </a:solidFill>
+              </a:rPr>
+              <a:t>С помощью него можно настроить фильтр отображаемых сообщений</a:t>
+            </a:r>
+          </a:p>
+          <a:p>
+            <a:endParaRPr lang="az-Cyrl-AZ" b="1" dirty="0">
+              <a:solidFill>
+                <a:srgbClr val="FFC000"/>
+              </a:solidFill>
+            </a:endParaRPr>
+          </a:p>
+          <a:p>
+            <a:r>
+              <a:rPr lang="az-Cyrl-AZ" b="1" dirty="0">
+                <a:solidFill>
+                  <a:srgbClr val="0070C0"/>
+                </a:solidFill>
+              </a:rPr>
+              <a:t>Текст сообщения</a:t>
+            </a:r>
+          </a:p>
+          <a:p>
+            <a:r>
+              <a:rPr lang="az-Cyrl-AZ" b="1" dirty="0">
+                <a:solidFill>
+                  <a:srgbClr val="0070C0"/>
+                </a:solidFill>
+              </a:rPr>
+              <a:t>Сам сообщение с нужной информацией</a:t>
+            </a:r>
+            <a:endParaRPr lang="az-Cyrl-AZ" b="1" dirty="0">
+              <a:solidFill>
+                <a:schemeClr val="accent5">
+                  <a:lumMod val="50000"/>
+                </a:schemeClr>
+              </a:solidFill>
+            </a:endParaRPr>
+          </a:p>
+          <a:p>
+            <a:endParaRPr lang="az-Cyrl-AZ" b="1" dirty="0">
+              <a:solidFill>
+                <a:schemeClr val="accent5">
+                  <a:lumMod val="50000"/>
+                </a:schemeClr>
+              </a:solidFill>
+            </a:endParaRPr>
+          </a:p>
+        </p:txBody>
+      </p:sp>
+    </p:spTree>
+    <p:extLst>
+      <p:ext uri="{BB962C8B-B14F-4D97-AF65-F5344CB8AC3E}">
+        <p14:creationId xmlns:p14="http://schemas.microsoft.com/office/powerpoint/2010/main" val="3381658123"/>
+      </p:ext>
+    </p:extLst>
+  </p:cSld>
+  <p:clrMapOvr>
+    <a:masterClrMapping/>
+  </p:clrMapOvr>
+</p:sld>
+</file>
+
+<file path=ppt/slides/slide21.xml><?xml version="1.0" encoding="utf-8"?>
+<p:sld xmlns:a="http://schemas.openxmlformats.org/drawingml/2006/main" xmlns:r="http://schemas.openxmlformats.org/officeDocument/2006/relationships" xmlns:p="http://schemas.openxmlformats.org/presentationml/2006/main">
+  <p:cSld>
+    <p:spTree>
+      <p:nvGrpSpPr>
+        <p:cNvPr id="1" name=""/>
+        <p:cNvGrpSpPr/>
+        <p:nvPr/>
+      </p:nvGrpSpPr>
+      <p:grpSpPr>
+        <a:xfrm>
+          <a:off x="0" y="0"/>
+          <a:ext cx="0" cy="0"/>
+          <a:chOff x="0" y="0"/>
+          <a:chExt cx="0" cy="0"/>
+        </a:xfrm>
+      </p:grpSpPr>
+      <p:sp>
+        <p:nvSpPr>
+          <p:cNvPr id="4" name="Номер слайда 3">
+            <a:extLst>
+              <a:ext uri="{FF2B5EF4-FFF2-40B4-BE49-F238E27FC236}">
+                <a16:creationId xmlns:a16="http://schemas.microsoft.com/office/drawing/2014/main" id="{1EE234AD-938A-4037-A4D2-FD590E7E0A4B}"/>
+              </a:ext>
+            </a:extLst>
+          </p:cNvPr>
+          <p:cNvSpPr>
+            <a:spLocks noGrp="1"/>
+          </p:cNvSpPr>
+          <p:nvPr>
+            <p:ph type="sldNum" sz="quarter" idx="11"/>
+          </p:nvPr>
+        </p:nvSpPr>
+        <p:spPr/>
+        <p:txBody>
+          <a:bodyPr/>
+          <a:lstStyle/>
+          <a:p>
+            <a:pPr rtl="0"/>
+            <a:fld id="{49598980-D22C-4904-9F8F-3DB09B2ECD84}" type="slidenum">
+              <a:rPr lang="ru-RU" noProof="0" smtClean="0"/>
+              <a:pPr rtl="0"/>
+              <a:t>21</a:t>
+            </a:fld>
+            <a:endParaRPr lang="ru-RU" noProof="0"/>
+          </a:p>
+        </p:txBody>
+      </p:sp>
+      <p:sp>
+        <p:nvSpPr>
+          <p:cNvPr id="5" name="Заголовок 4">
+            <a:extLst>
+              <a:ext uri="{FF2B5EF4-FFF2-40B4-BE49-F238E27FC236}">
+                <a16:creationId xmlns:a16="http://schemas.microsoft.com/office/drawing/2014/main" id="{B310EACB-6D47-4F54-BDDD-071484E12C2D}"/>
+              </a:ext>
+            </a:extLst>
+          </p:cNvPr>
+          <p:cNvSpPr>
+            <a:spLocks noGrp="1"/>
+          </p:cNvSpPr>
+          <p:nvPr>
+            <p:ph type="title"/>
+          </p:nvPr>
+        </p:nvSpPr>
+        <p:spPr>
+          <a:xfrm>
+            <a:off x="467544" y="836712"/>
+            <a:ext cx="4638674" cy="675926"/>
+          </a:xfrm>
+        </p:spPr>
+        <p:txBody>
+          <a:bodyPr/>
+          <a:lstStyle/>
+          <a:p>
+            <a:r>
+              <a:rPr lang="az-Cyrl-AZ" dirty="0"/>
+              <a:t>Отладочные</a:t>
+            </a:r>
+            <a:br>
+              <a:rPr lang="az-Cyrl-AZ" dirty="0"/>
+            </a:br>
+            <a:r>
+              <a:rPr lang="az-Cyrl-AZ" dirty="0"/>
+              <a:t>сообщения (логи)</a:t>
+            </a:r>
+            <a:endParaRPr lang="ru-RU" dirty="0"/>
+          </a:p>
+        </p:txBody>
+      </p:sp>
+      <p:sp>
+        <p:nvSpPr>
+          <p:cNvPr id="3" name="TextBox 2">
+            <a:extLst>
+              <a:ext uri="{FF2B5EF4-FFF2-40B4-BE49-F238E27FC236}">
+                <a16:creationId xmlns:a16="http://schemas.microsoft.com/office/drawing/2014/main" id="{8F3390F9-6E31-4866-8DC3-268F16A7518C}"/>
+              </a:ext>
+            </a:extLst>
+          </p:cNvPr>
+          <p:cNvSpPr txBox="1"/>
+          <p:nvPr/>
+        </p:nvSpPr>
+        <p:spPr>
+          <a:xfrm>
+            <a:off x="491215" y="2708920"/>
+            <a:ext cx="8557279" cy="2862322"/>
+          </a:xfrm>
+          <a:prstGeom prst="rect">
+            <a:avLst/>
+          </a:prstGeom>
+          <a:noFill/>
+        </p:spPr>
+        <p:txBody>
+          <a:bodyPr wrap="none" rtlCol="0">
+            <a:spAutoFit/>
+          </a:bodyPr>
+          <a:lstStyle/>
+          <a:p>
+            <a:r>
+              <a:rPr lang="en-US" b="1" dirty="0" err="1">
+                <a:solidFill>
+                  <a:schemeClr val="accent5">
+                    <a:lumMod val="50000"/>
+                  </a:schemeClr>
+                </a:solidFill>
+              </a:rPr>
+              <a:t>Log.</a:t>
+            </a:r>
+            <a:r>
+              <a:rPr lang="en-US" b="1" dirty="0" err="1">
+                <a:solidFill>
+                  <a:srgbClr val="C00000"/>
+                </a:solidFill>
+              </a:rPr>
+              <a:t>i</a:t>
+            </a:r>
+            <a:r>
+              <a:rPr lang="az-Cyrl-AZ" b="1" dirty="0">
+                <a:solidFill>
+                  <a:schemeClr val="accent5">
+                    <a:lumMod val="50000"/>
+                  </a:schemeClr>
+                </a:solidFill>
+              </a:rPr>
+              <a:t>(</a:t>
+            </a:r>
+            <a:r>
+              <a:rPr lang="en-US" b="1" dirty="0">
+                <a:solidFill>
+                  <a:schemeClr val="accent5">
+                    <a:lumMod val="50000"/>
+                  </a:schemeClr>
+                </a:solidFill>
+              </a:rPr>
+              <a:t>“</a:t>
+            </a:r>
+            <a:r>
+              <a:rPr lang="en-US" b="1" dirty="0" err="1">
+                <a:solidFill>
+                  <a:srgbClr val="FFC000"/>
+                </a:solidFill>
+              </a:rPr>
+              <a:t>MyTestProgramm</a:t>
+            </a:r>
+            <a:r>
+              <a:rPr lang="en-US" b="1" dirty="0">
+                <a:solidFill>
+                  <a:schemeClr val="accent5">
+                    <a:lumMod val="50000"/>
+                  </a:schemeClr>
+                </a:solidFill>
+              </a:rPr>
+              <a:t>”, “</a:t>
+            </a:r>
+            <a:r>
+              <a:rPr lang="az-Cyrl-AZ" b="1" dirty="0">
+                <a:solidFill>
+                  <a:srgbClr val="0070C0"/>
+                </a:solidFill>
+              </a:rPr>
+              <a:t>завершен подсчет суммы компонентов</a:t>
+            </a:r>
+            <a:r>
+              <a:rPr lang="en-US" b="1" dirty="0">
+                <a:solidFill>
+                  <a:schemeClr val="accent5">
+                    <a:lumMod val="50000"/>
+                  </a:schemeClr>
+                </a:solidFill>
+              </a:rPr>
+              <a:t>”</a:t>
+            </a:r>
+            <a:r>
+              <a:rPr lang="az-Cyrl-AZ" b="1" dirty="0">
+                <a:solidFill>
+                  <a:schemeClr val="accent5">
+                    <a:lumMod val="50000"/>
+                  </a:schemeClr>
+                </a:solidFill>
+              </a:rPr>
+              <a:t>)</a:t>
+            </a:r>
+            <a:r>
+              <a:rPr lang="en-US" b="1" dirty="0">
+                <a:solidFill>
+                  <a:schemeClr val="accent5">
+                    <a:lumMod val="50000"/>
+                  </a:schemeClr>
+                </a:solidFill>
+              </a:rPr>
+              <a:t>;</a:t>
+            </a:r>
+            <a:endParaRPr lang="az-Cyrl-AZ" b="1" dirty="0">
+              <a:solidFill>
+                <a:schemeClr val="accent5">
+                  <a:lumMod val="50000"/>
+                </a:schemeClr>
+              </a:solidFill>
+            </a:endParaRPr>
+          </a:p>
+          <a:p>
+            <a:endParaRPr lang="az-Cyrl-AZ" b="1" dirty="0">
+              <a:solidFill>
+                <a:schemeClr val="accent5">
+                  <a:lumMod val="50000"/>
+                </a:schemeClr>
+              </a:solidFill>
+            </a:endParaRPr>
+          </a:p>
+          <a:p>
+            <a:r>
+              <a:rPr lang="en-US" b="1" dirty="0" err="1">
+                <a:solidFill>
+                  <a:schemeClr val="accent5">
+                    <a:lumMod val="50000"/>
+                  </a:schemeClr>
+                </a:solidFill>
+              </a:rPr>
+              <a:t>Log.</a:t>
+            </a:r>
+            <a:r>
+              <a:rPr lang="en-US" b="1" dirty="0" err="1">
+                <a:solidFill>
+                  <a:srgbClr val="C00000"/>
+                </a:solidFill>
+              </a:rPr>
+              <a:t>d</a:t>
+            </a:r>
+            <a:r>
+              <a:rPr lang="az-Cyrl-AZ" b="1" dirty="0">
+                <a:solidFill>
+                  <a:schemeClr val="accent5">
+                    <a:lumMod val="50000"/>
+                  </a:schemeClr>
+                </a:solidFill>
+              </a:rPr>
+              <a:t>(</a:t>
+            </a:r>
+            <a:r>
+              <a:rPr lang="en-US" b="1" dirty="0">
+                <a:solidFill>
+                  <a:schemeClr val="accent5">
+                    <a:lumMod val="50000"/>
+                  </a:schemeClr>
+                </a:solidFill>
+              </a:rPr>
+              <a:t>“</a:t>
+            </a:r>
+            <a:r>
+              <a:rPr lang="en-US" b="1" dirty="0" err="1">
+                <a:solidFill>
+                  <a:srgbClr val="FFC000"/>
+                </a:solidFill>
+              </a:rPr>
+              <a:t>MyTestProgramm</a:t>
+            </a:r>
+            <a:r>
+              <a:rPr lang="en-US" b="1" dirty="0">
+                <a:solidFill>
+                  <a:schemeClr val="accent5">
+                    <a:lumMod val="50000"/>
+                  </a:schemeClr>
+                </a:solidFill>
+              </a:rPr>
+              <a:t>”, “</a:t>
+            </a:r>
+            <a:r>
+              <a:rPr lang="az-Cyrl-AZ" b="1" dirty="0">
+                <a:solidFill>
+                  <a:srgbClr val="0070C0"/>
+                </a:solidFill>
+              </a:rPr>
+              <a:t>время завершения операции</a:t>
+            </a:r>
+            <a:r>
+              <a:rPr lang="en-US" b="1" dirty="0">
+                <a:solidFill>
+                  <a:schemeClr val="accent5">
+                    <a:lumMod val="50000"/>
+                  </a:schemeClr>
+                </a:solidFill>
+              </a:rPr>
+              <a:t>”</a:t>
+            </a:r>
+            <a:r>
+              <a:rPr lang="az-Cyrl-AZ" b="1" dirty="0">
+                <a:solidFill>
+                  <a:schemeClr val="accent5">
+                    <a:lumMod val="50000"/>
+                  </a:schemeClr>
+                </a:solidFill>
+              </a:rPr>
+              <a:t> + </a:t>
+            </a:r>
+            <a:r>
+              <a:rPr lang="en-US" b="1" dirty="0">
+                <a:solidFill>
+                  <a:schemeClr val="accent5">
+                    <a:lumMod val="50000"/>
+                  </a:schemeClr>
+                </a:solidFill>
+              </a:rPr>
+              <a:t>time</a:t>
+            </a:r>
+            <a:r>
+              <a:rPr lang="az-Cyrl-AZ" b="1" dirty="0">
+                <a:solidFill>
+                  <a:schemeClr val="accent5">
+                    <a:lumMod val="50000"/>
+                  </a:schemeClr>
+                </a:solidFill>
+              </a:rPr>
+              <a:t>)</a:t>
+            </a:r>
+            <a:r>
+              <a:rPr lang="en-US" b="1" dirty="0">
+                <a:solidFill>
+                  <a:schemeClr val="accent5">
+                    <a:lumMod val="50000"/>
+                  </a:schemeClr>
+                </a:solidFill>
+              </a:rPr>
+              <a:t>;</a:t>
+            </a:r>
+          </a:p>
+          <a:p>
+            <a:endParaRPr lang="en-US" b="1" dirty="0">
+              <a:solidFill>
+                <a:schemeClr val="accent5">
+                  <a:lumMod val="50000"/>
+                </a:schemeClr>
+              </a:solidFill>
+            </a:endParaRPr>
+          </a:p>
+          <a:p>
+            <a:r>
+              <a:rPr lang="en-US" b="1" dirty="0" err="1">
+                <a:solidFill>
+                  <a:schemeClr val="accent5">
+                    <a:lumMod val="50000"/>
+                  </a:schemeClr>
+                </a:solidFill>
+              </a:rPr>
+              <a:t>Log.</a:t>
+            </a:r>
+            <a:r>
+              <a:rPr lang="en-US" b="1" dirty="0" err="1">
+                <a:solidFill>
+                  <a:srgbClr val="C00000"/>
+                </a:solidFill>
+              </a:rPr>
+              <a:t>e</a:t>
+            </a:r>
+            <a:r>
+              <a:rPr lang="az-Cyrl-AZ" b="1" dirty="0">
+                <a:solidFill>
+                  <a:schemeClr val="accent5">
+                    <a:lumMod val="50000"/>
+                  </a:schemeClr>
+                </a:solidFill>
+              </a:rPr>
+              <a:t>(</a:t>
+            </a:r>
+            <a:r>
+              <a:rPr lang="en-US" b="1" dirty="0">
+                <a:solidFill>
+                  <a:schemeClr val="accent5">
+                    <a:lumMod val="50000"/>
+                  </a:schemeClr>
+                </a:solidFill>
+              </a:rPr>
+              <a:t>“</a:t>
+            </a:r>
+            <a:r>
+              <a:rPr lang="en-US" b="1" dirty="0" err="1">
+                <a:solidFill>
+                  <a:srgbClr val="FFC000"/>
+                </a:solidFill>
+              </a:rPr>
+              <a:t>MyTestProgramm</a:t>
+            </a:r>
+            <a:r>
+              <a:rPr lang="en-US" b="1" dirty="0">
+                <a:solidFill>
+                  <a:schemeClr val="accent5">
+                    <a:lumMod val="50000"/>
+                  </a:schemeClr>
+                </a:solidFill>
+              </a:rPr>
+              <a:t>”, “</a:t>
+            </a:r>
+            <a:r>
+              <a:rPr lang="az-Cyrl-AZ" b="1" dirty="0">
+                <a:solidFill>
+                  <a:srgbClr val="0070C0"/>
+                </a:solidFill>
+              </a:rPr>
+              <a:t>ошибка считывания информации из файла</a:t>
+            </a:r>
+            <a:r>
+              <a:rPr lang="en-US" b="1" dirty="0">
+                <a:solidFill>
+                  <a:schemeClr val="accent5">
+                    <a:lumMod val="50000"/>
+                  </a:schemeClr>
+                </a:solidFill>
+              </a:rPr>
+              <a:t>”</a:t>
+            </a:r>
+            <a:r>
+              <a:rPr lang="az-Cyrl-AZ" b="1" dirty="0">
+                <a:solidFill>
+                  <a:schemeClr val="accent5">
+                    <a:lumMod val="50000"/>
+                  </a:schemeClr>
+                </a:solidFill>
+              </a:rPr>
+              <a:t>)</a:t>
+            </a:r>
+            <a:r>
+              <a:rPr lang="en-US" b="1" dirty="0">
+                <a:solidFill>
+                  <a:schemeClr val="accent5">
+                    <a:lumMod val="50000"/>
+                  </a:schemeClr>
+                </a:solidFill>
+              </a:rPr>
+              <a:t>;</a:t>
+            </a:r>
+            <a:endParaRPr lang="az-Cyrl-AZ" b="1" dirty="0">
+              <a:solidFill>
+                <a:schemeClr val="accent5">
+                  <a:lumMod val="50000"/>
+                </a:schemeClr>
+              </a:solidFill>
+            </a:endParaRPr>
+          </a:p>
+          <a:p>
+            <a:endParaRPr lang="az-Cyrl-AZ" b="1" dirty="0">
+              <a:solidFill>
+                <a:schemeClr val="accent5">
+                  <a:lumMod val="50000"/>
+                </a:schemeClr>
+              </a:solidFill>
+            </a:endParaRPr>
+          </a:p>
+          <a:p>
+            <a:endParaRPr lang="az-Cyrl-AZ" b="1" dirty="0">
+              <a:solidFill>
+                <a:schemeClr val="accent5">
+                  <a:lumMod val="50000"/>
+                </a:schemeClr>
+              </a:solidFill>
+            </a:endParaRPr>
+          </a:p>
+          <a:p>
+            <a:endParaRPr lang="az-Cyrl-AZ" b="1" dirty="0">
+              <a:solidFill>
+                <a:schemeClr val="accent5">
+                  <a:lumMod val="50000"/>
+                </a:schemeClr>
+              </a:solidFill>
+            </a:endParaRPr>
+          </a:p>
+          <a:p>
+            <a:endParaRPr lang="az-Cyrl-AZ" b="1" dirty="0">
+              <a:solidFill>
+                <a:schemeClr val="accent5">
+                  <a:lumMod val="50000"/>
+                </a:schemeClr>
+              </a:solidFill>
+            </a:endParaRPr>
+          </a:p>
+          <a:p>
+            <a:endParaRPr lang="az-Cyrl-AZ" b="1" dirty="0">
+              <a:solidFill>
+                <a:schemeClr val="accent5">
+                  <a:lumMod val="50000"/>
+                </a:schemeClr>
+              </a:solidFill>
+            </a:endParaRPr>
+          </a:p>
+        </p:txBody>
+      </p:sp>
+      <p:sp>
+        <p:nvSpPr>
+          <p:cNvPr id="2" name="Rectangle 1">
+            <a:extLst>
+              <a:ext uri="{FF2B5EF4-FFF2-40B4-BE49-F238E27FC236}">
+                <a16:creationId xmlns:a16="http://schemas.microsoft.com/office/drawing/2014/main" id="{C7AAEA76-66FA-4606-86B0-40B176EDAB67}"/>
+              </a:ext>
+            </a:extLst>
+          </p:cNvPr>
+          <p:cNvSpPr>
+            <a:spLocks noChangeArrowheads="1"/>
+          </p:cNvSpPr>
+          <p:nvPr/>
+        </p:nvSpPr>
+        <p:spPr bwMode="auto">
+          <a:xfrm>
+            <a:off x="0" y="0"/>
+            <a:ext cx="9144000" cy="457200"/>
+          </a:xfrm>
+          <a:prstGeom prst="rect">
+            <a:avLst/>
+          </a:prstGeom>
+          <a:solidFill>
+            <a:srgbClr val="FFFFFF"/>
+          </a:solidFill>
+          <a:ln>
+            <a:noFill/>
+          </a:ln>
+          <a:effectLst/>
+          <a:extLst>
+            <a:ext uri="{91240B29-F687-4F45-9708-019B960494DF}">
+              <a14:hiddenLine xmlns:a14="http://schemas.microsoft.com/office/drawing/2010/main" w="9525">
+                <a:solidFill>
+                  <a:schemeClr val="tx1"/>
+                </a:solidFill>
+                <a:miter lim="800000"/>
+                <a:headEnd/>
+                <a:tailEnd/>
+              </a14:hiddenLine>
+            </a:ext>
+            <a:ext uri="{AF507438-7753-43E0-B8FC-AC1667EBCBE1}">
+              <a14:hiddenEffects xmlns:a14="http://schemas.microsoft.com/office/drawing/2010/main">
+                <a:effectLst>
+                  <a:outerShdw dist="35921" dir="2700000" algn="ctr" rotWithShape="0">
+                    <a:schemeClr val="bg2"/>
+                  </a:outerShdw>
+                </a:effectLst>
+              </a14:hiddenEffects>
+            </a:ext>
+          </a:extLst>
+        </p:spPr>
+        <p:txBody>
+          <a:bodyPr vert="horz" wrap="none" lIns="91440" tIns="45720" rIns="91440" bIns="45720" numCol="1" anchor="ctr" anchorCtr="0" compatLnSpc="1">
+            <a:prstTxWarp prst="textNoShape">
+              <a:avLst/>
+            </a:prstTxWarp>
+            <a:spAutoFit/>
+          </a:bodyPr>
+          <a:lstStyle/>
+          <a:p>
+            <a:pPr marL="0" marR="0" lvl="0" indent="0" algn="l" defTabSz="914400" rtl="0" eaLnBrk="0" fontAlgn="base" latinLnBrk="0" hangingPunct="0">
+              <a:lnSpc>
+                <a:spcPct val="100000"/>
+              </a:lnSpc>
+              <a:spcBef>
+                <a:spcPct val="0"/>
+              </a:spcBef>
+              <a:spcAft>
+                <a:spcPct val="0"/>
+              </a:spcAft>
+              <a:buClrTx/>
+              <a:buSzTx/>
+              <a:buFontTx/>
+              <a:buNone/>
+              <a:tabLst/>
+            </a:pPr>
+            <a:r>
+              <a:rPr kumimoji="0" lang="ru-RU" altLang="ru-RU" sz="1000" b="0" i="0" u="none" strike="noStrike" cap="none" normalizeH="0" baseline="0">
+                <a:ln>
+                  <a:noFill/>
+                </a:ln>
+                <a:solidFill>
+                  <a:srgbClr val="000000"/>
+                </a:solidFill>
+                <a:effectLst/>
+                <a:latin typeface="Courier New" panose="02070309020205020404" pitchFamily="49" charset="0"/>
+                <a:cs typeface="Courier New" panose="02070309020205020404" pitchFamily="49" charset="0"/>
+              </a:rPr>
+              <a:t>Log.</a:t>
+            </a:r>
+            <a:r>
+              <a:rPr kumimoji="0" lang="ru-RU" altLang="ru-RU" sz="1000" b="0" i="1" u="none" strike="noStrike" cap="none" normalizeH="0" baseline="0">
+                <a:ln>
+                  <a:noFill/>
+                </a:ln>
+                <a:solidFill>
+                  <a:srgbClr val="000000"/>
+                </a:solidFill>
+                <a:effectLst/>
+                <a:latin typeface="Courier New" panose="02070309020205020404" pitchFamily="49" charset="0"/>
+                <a:cs typeface="Courier New" panose="02070309020205020404" pitchFamily="49" charset="0"/>
+              </a:rPr>
+              <a:t>i</a:t>
+            </a:r>
+            <a:r>
+              <a:rPr kumimoji="0" lang="ru-RU" altLang="ru-RU" sz="1000" b="0" i="0" u="none" strike="noStrike" cap="none" normalizeH="0" baseline="0">
+                <a:ln>
+                  <a:noFill/>
+                </a:ln>
+                <a:solidFill>
+                  <a:srgbClr val="000000"/>
+                </a:solidFill>
+                <a:effectLst/>
+                <a:latin typeface="Courier New" panose="02070309020205020404" pitchFamily="49" charset="0"/>
+                <a:cs typeface="Courier New" panose="02070309020205020404" pitchFamily="49" charset="0"/>
+              </a:rPr>
+              <a:t>(</a:t>
+            </a:r>
+            <a:r>
+              <a:rPr kumimoji="0" lang="ru-RU" altLang="ru-RU" sz="1000" b="1" i="0" u="none" strike="noStrike" cap="none" normalizeH="0" baseline="0">
+                <a:ln>
+                  <a:noFill/>
+                </a:ln>
+                <a:solidFill>
+                  <a:srgbClr val="008000"/>
+                </a:solidFill>
+                <a:effectLst/>
+                <a:latin typeface="Courier New" panose="02070309020205020404" pitchFamily="49" charset="0"/>
+                <a:cs typeface="Courier New" panose="02070309020205020404" pitchFamily="49" charset="0"/>
+              </a:rPr>
+              <a:t>"onCreate"</a:t>
+            </a:r>
+            <a:r>
+              <a:rPr kumimoji="0" lang="ru-RU" altLang="ru-RU" sz="1000" b="0" i="0" u="none" strike="noStrike" cap="none" normalizeH="0" baseline="0">
+                <a:ln>
+                  <a:noFill/>
+                </a:ln>
+                <a:solidFill>
+                  <a:srgbClr val="000000"/>
+                </a:solidFill>
+                <a:effectLst/>
+                <a:latin typeface="Courier New" panose="02070309020205020404" pitchFamily="49" charset="0"/>
+                <a:cs typeface="Courier New" panose="02070309020205020404" pitchFamily="49" charset="0"/>
+              </a:rPr>
+              <a:t>, </a:t>
+            </a:r>
+            <a:r>
+              <a:rPr kumimoji="0" lang="ru-RU" altLang="ru-RU" sz="1000" b="1" i="0" u="none" strike="noStrike" cap="none" normalizeH="0" baseline="0">
+                <a:ln>
+                  <a:noFill/>
+                </a:ln>
+                <a:solidFill>
+                  <a:srgbClr val="008000"/>
+                </a:solidFill>
+                <a:effectLst/>
+                <a:latin typeface="Courier New" panose="02070309020205020404" pitchFamily="49" charset="0"/>
+                <a:cs typeface="Courier New" panose="02070309020205020404" pitchFamily="49" charset="0"/>
+              </a:rPr>
+              <a:t>"Hello = " </a:t>
+            </a:r>
+            <a:r>
+              <a:rPr kumimoji="0" lang="ru-RU" altLang="ru-RU" sz="1000" b="0" i="0" u="none" strike="noStrike" cap="none" normalizeH="0" baseline="0">
+                <a:ln>
+                  <a:noFill/>
+                </a:ln>
+                <a:solidFill>
+                  <a:srgbClr val="000000"/>
+                </a:solidFill>
+                <a:effectLst/>
+                <a:latin typeface="Courier New" panose="02070309020205020404" pitchFamily="49" charset="0"/>
+                <a:cs typeface="Courier New" panose="02070309020205020404" pitchFamily="49" charset="0"/>
+              </a:rPr>
+              <a:t>+ (a + b));</a:t>
+            </a:r>
+            <a:endParaRPr kumimoji="0" lang="ru-RU" altLang="ru-RU" sz="1800" b="0" i="0" u="none" strike="noStrike" cap="none" normalizeH="0" baseline="0">
+              <a:ln>
+                <a:noFill/>
+              </a:ln>
+              <a:solidFill>
+                <a:schemeClr val="tx1"/>
+              </a:solidFill>
+              <a:effectLst/>
+              <a:latin typeface="Arial" panose="020B0604020202020204" pitchFamily="34" charset="0"/>
+            </a:endParaRPr>
+          </a:p>
+        </p:txBody>
+      </p:sp>
+    </p:spTree>
+    <p:extLst>
+      <p:ext uri="{BB962C8B-B14F-4D97-AF65-F5344CB8AC3E}">
+        <p14:creationId xmlns:p14="http://schemas.microsoft.com/office/powerpoint/2010/main" val="3115009282"/>
+      </p:ext>
+    </p:extLst>
+  </p:cSld>
+  <p:clrMapOvr>
+    <a:masterClrMapping/>
+  </p:clrMapOvr>
+</p:sld>
+</file>
+
+<file path=ppt/slides/slide22.xml><?xml version="1.0" encoding="utf-8"?>
+<p:sld xmlns:a="http://schemas.openxmlformats.org/drawingml/2006/main" xmlns:r="http://schemas.openxmlformats.org/officeDocument/2006/relationships" xmlns:p="http://schemas.openxmlformats.org/presentationml/2006/main">
+  <p:cSld>
+    <p:spTree>
+      <p:nvGrpSpPr>
+        <p:cNvPr id="1" name=""/>
+        <p:cNvGrpSpPr/>
+        <p:nvPr/>
+      </p:nvGrpSpPr>
+      <p:grpSpPr>
+        <a:xfrm>
+          <a:off x="0" y="0"/>
+          <a:ext cx="0" cy="0"/>
+          <a:chOff x="0" y="0"/>
+          <a:chExt cx="0" cy="0"/>
+        </a:xfrm>
+      </p:grpSpPr>
+      <p:sp>
+        <p:nvSpPr>
+          <p:cNvPr id="4" name="Номер слайда 3">
+            <a:extLst>
+              <a:ext uri="{FF2B5EF4-FFF2-40B4-BE49-F238E27FC236}">
+                <a16:creationId xmlns:a16="http://schemas.microsoft.com/office/drawing/2014/main" id="{1EE234AD-938A-4037-A4D2-FD590E7E0A4B}"/>
+              </a:ext>
+            </a:extLst>
+          </p:cNvPr>
+          <p:cNvSpPr>
+            <a:spLocks noGrp="1"/>
+          </p:cNvSpPr>
+          <p:nvPr>
+            <p:ph type="sldNum" sz="quarter" idx="11"/>
+          </p:nvPr>
+        </p:nvSpPr>
+        <p:spPr/>
+        <p:txBody>
+          <a:bodyPr/>
+          <a:lstStyle/>
+          <a:p>
+            <a:pPr rtl="0"/>
+            <a:fld id="{49598980-D22C-4904-9F8F-3DB09B2ECD84}" type="slidenum">
+              <a:rPr lang="ru-RU" noProof="0" smtClean="0"/>
+              <a:pPr rtl="0"/>
+              <a:t>22</a:t>
+            </a:fld>
+            <a:endParaRPr lang="ru-RU" noProof="0"/>
+          </a:p>
+        </p:txBody>
+      </p:sp>
+      <p:sp>
+        <p:nvSpPr>
+          <p:cNvPr id="5" name="Заголовок 4">
+            <a:extLst>
+              <a:ext uri="{FF2B5EF4-FFF2-40B4-BE49-F238E27FC236}">
+                <a16:creationId xmlns:a16="http://schemas.microsoft.com/office/drawing/2014/main" id="{B310EACB-6D47-4F54-BDDD-071484E12C2D}"/>
+              </a:ext>
+            </a:extLst>
+          </p:cNvPr>
+          <p:cNvSpPr>
+            <a:spLocks noGrp="1"/>
+          </p:cNvSpPr>
+          <p:nvPr>
+            <p:ph type="title"/>
+          </p:nvPr>
+        </p:nvSpPr>
         <p:spPr/>
         <p:txBody>
           <a:bodyPr/>
@@ -15756,7 +15434,7 @@
 </p:sld>
 </file>
 
-<file path=ppt/slides/slide18.xml><?xml version="1.0" encoding="utf-8"?>
+<file path=ppt/slides/slide23.xml><?xml version="1.0" encoding="utf-8"?>
 <p:sld xmlns:a="http://schemas.openxmlformats.org/drawingml/2006/main" xmlns:r="http://schemas.openxmlformats.org/officeDocument/2006/relationships" xmlns:p="http://schemas.openxmlformats.org/presentationml/2006/main">
   <p:cSld>
     <p:spTree>
@@ -15798,7 +15476,7 @@
             <a:fld id="{49598980-D22C-4904-9F8F-3DB09B2ECD84}" type="slidenum">
               <a:rPr lang="ru-RU" noProof="0" smtClean="0"/>
               <a:pPr rtl="0"/>
-              <a:t>18</a:t>
+              <a:t>23</a:t>
             </a:fld>
             <a:endParaRPr lang="ru-RU" noProof="0"/>
           </a:p>
@@ -16386,7 +16064,7 @@
 </p:sld>
 </file>
 
-<file path=ppt/slides/slide19.xml><?xml version="1.0" encoding="utf-8"?>
+<file path=ppt/slides/slide24.xml><?xml version="1.0" encoding="utf-8"?>
 <p:sld xmlns:a="http://schemas.openxmlformats.org/drawingml/2006/main" xmlns:r="http://schemas.openxmlformats.org/officeDocument/2006/relationships" xmlns:p="http://schemas.openxmlformats.org/presentationml/2006/main">
   <p:cSld>
     <p:spTree>
@@ -16428,7 +16106,7 @@
             <a:fld id="{49598980-D22C-4904-9F8F-3DB09B2ECD84}" type="slidenum">
               <a:rPr lang="ru-RU" noProof="0" smtClean="0"/>
               <a:pPr rtl="0"/>
-              <a:t>19</a:t>
+              <a:t>24</a:t>
             </a:fld>
             <a:endParaRPr lang="ru-RU" noProof="0"/>
           </a:p>
@@ -16647,128 +16325,7 @@
 </p:sld>
 </file>
 
-<file path=ppt/slides/slide2.xml><?xml version="1.0" encoding="utf-8"?>
-<p:sld xmlns:a="http://schemas.openxmlformats.org/drawingml/2006/main" xmlns:r="http://schemas.openxmlformats.org/officeDocument/2006/relationships" xmlns:p="http://schemas.openxmlformats.org/presentationml/2006/main">
-  <p:cSld>
-    <p:spTree>
-      <p:nvGrpSpPr>
-        <p:cNvPr id="1" name=""/>
-        <p:cNvGrpSpPr/>
-        <p:nvPr/>
-      </p:nvGrpSpPr>
-      <p:grpSpPr>
-        <a:xfrm>
-          <a:off x="0" y="0"/>
-          <a:ext cx="0" cy="0"/>
-          <a:chOff x="0" y="0"/>
-          <a:chExt cx="0" cy="0"/>
-        </a:xfrm>
-      </p:grpSpPr>
-      <p:sp>
-        <p:nvSpPr>
-          <p:cNvPr id="2" name="Прямоугольник 1"/>
-          <p:cNvSpPr>
-            <a:spLocks noGrp="1"/>
-          </p:cNvSpPr>
-          <p:nvPr>
-            <p:ph type="title"/>
-          </p:nvPr>
-        </p:nvSpPr>
-        <p:spPr>
-          <a:xfrm>
-            <a:off x="466344" y="384048"/>
-            <a:ext cx="4969752" cy="1216152"/>
-          </a:xfrm>
-        </p:spPr>
-        <p:txBody>
-          <a:bodyPr rtlCol="0"/>
-          <a:lstStyle/>
-          <a:p>
-            <a:pPr rtl="0"/>
-            <a:r>
-              <a:rPr lang="ru-RU" dirty="0"/>
-              <a:t>Виды информации</a:t>
-            </a:r>
-          </a:p>
-        </p:txBody>
-      </p:sp>
-      <p:sp>
-        <p:nvSpPr>
-          <p:cNvPr id="5" name="Номер слайда 4">
-            <a:extLst>
-              <a:ext uri="{FF2B5EF4-FFF2-40B4-BE49-F238E27FC236}">
-                <a16:creationId xmlns:a16="http://schemas.microsoft.com/office/drawing/2014/main" id="{22334DF1-D929-4181-86BF-E2E3C8F17509}"/>
-              </a:ext>
-            </a:extLst>
-          </p:cNvPr>
-          <p:cNvSpPr>
-            <a:spLocks noGrp="1"/>
-          </p:cNvSpPr>
-          <p:nvPr>
-            <p:ph type="sldNum" sz="quarter" idx="12"/>
-          </p:nvPr>
-        </p:nvSpPr>
-        <p:spPr/>
-        <p:txBody>
-          <a:bodyPr/>
-          <a:lstStyle/>
-          <a:p>
-            <a:pPr rtl="0"/>
-            <a:fld id="{FEA1243F-3000-4347-94A4-FBDEAD3122CB}" type="slidenum">
-              <a:rPr lang="ru-RU" noProof="0" smtClean="0"/>
-              <a:pPr rtl="0"/>
-              <a:t>2</a:t>
-            </a:fld>
-            <a:endParaRPr lang="ru-RU" noProof="0"/>
-          </a:p>
-        </p:txBody>
-      </p:sp>
-      <p:pic>
-        <p:nvPicPr>
-          <p:cNvPr id="9" name="Объект 8">
-            <a:extLst>
-              <a:ext uri="{FF2B5EF4-FFF2-40B4-BE49-F238E27FC236}">
-                <a16:creationId xmlns:a16="http://schemas.microsoft.com/office/drawing/2014/main" id="{A0F4E43B-C6C1-4103-8C59-CEDE83955AC7}"/>
-              </a:ext>
-            </a:extLst>
-          </p:cNvPr>
-          <p:cNvPicPr>
-            <a:picLocks noGrp="1"/>
-          </p:cNvPicPr>
-          <p:nvPr>
-            <p:ph idx="1"/>
-          </p:nvPr>
-        </p:nvPicPr>
-        <p:blipFill>
-          <a:blip r:embed="rId3"/>
-          <a:stretch>
-            <a:fillRect/>
-          </a:stretch>
-        </p:blipFill>
-        <p:spPr bwMode="auto">
-          <a:xfrm>
-            <a:off x="1691680" y="1998802"/>
-            <a:ext cx="6120680" cy="4507604"/>
-          </a:xfrm>
-          <a:prstGeom prst="rect">
-            <a:avLst/>
-          </a:prstGeom>
-        </p:spPr>
-      </p:pic>
-    </p:spTree>
-    <p:extLst>
-      <p:ext uri="{BB962C8B-B14F-4D97-AF65-F5344CB8AC3E}">
-        <p14:creationId xmlns:p14="http://schemas.microsoft.com/office/powerpoint/2010/main" val="2498794186"/>
-      </p:ext>
-    </p:extLst>
-  </p:cSld>
-  <p:clrMapOvr>
-    <a:masterClrMapping/>
-  </p:clrMapOvr>
-</p:sld>
-</file>
-
-<file path=ppt/slides/slide20.xml><?xml version="1.0" encoding="utf-8"?>
+<file path=ppt/slides/slide25.xml><?xml version="1.0" encoding="utf-8"?>
 <p:sld xmlns:a="http://schemas.openxmlformats.org/drawingml/2006/main" xmlns:r="http://schemas.openxmlformats.org/officeDocument/2006/relationships" xmlns:p="http://schemas.openxmlformats.org/presentationml/2006/main">
   <p:cSld>
     <p:spTree>
@@ -16810,7 +16367,7 @@
             <a:fld id="{49598980-D22C-4904-9F8F-3DB09B2ECD84}" type="slidenum">
               <a:rPr lang="ru-RU" noProof="0" smtClean="0"/>
               <a:pPr rtl="0"/>
-              <a:t>20</a:t>
+              <a:t>25</a:t>
             </a:fld>
             <a:endParaRPr lang="ru-RU" noProof="0"/>
           </a:p>
@@ -17408,358 +16965,6 @@
     <p:extLst>
       <p:ext uri="{BB962C8B-B14F-4D97-AF65-F5344CB8AC3E}">
         <p14:creationId xmlns:p14="http://schemas.microsoft.com/office/powerpoint/2010/main" val="3764698757"/>
-      </p:ext>
-    </p:extLst>
-  </p:cSld>
-  <p:clrMapOvr>
-    <a:masterClrMapping/>
-  </p:clrMapOvr>
-</p:sld>
-</file>
-
-<file path=ppt/slides/slide21.xml><?xml version="1.0" encoding="utf-8"?>
-<p:sld xmlns:a="http://schemas.openxmlformats.org/drawingml/2006/main" xmlns:r="http://schemas.openxmlformats.org/officeDocument/2006/relationships" xmlns:p="http://schemas.openxmlformats.org/presentationml/2006/main">
-  <p:cSld>
-    <p:spTree>
-      <p:nvGrpSpPr>
-        <p:cNvPr id="1" name=""/>
-        <p:cNvGrpSpPr/>
-        <p:nvPr/>
-      </p:nvGrpSpPr>
-      <p:grpSpPr>
-        <a:xfrm>
-          <a:off x="0" y="0"/>
-          <a:ext cx="0" cy="0"/>
-          <a:chOff x="0" y="0"/>
-          <a:chExt cx="0" cy="0"/>
-        </a:xfrm>
-      </p:grpSpPr>
-      <p:sp>
-        <p:nvSpPr>
-          <p:cNvPr id="2" name="Прямоугольник 1"/>
-          <p:cNvSpPr>
-            <a:spLocks noGrp="1"/>
-          </p:cNvSpPr>
-          <p:nvPr>
-            <p:ph type="title"/>
-          </p:nvPr>
-        </p:nvSpPr>
-        <p:spPr>
-          <a:xfrm>
-            <a:off x="466344" y="384048"/>
-            <a:ext cx="4969752" cy="1216152"/>
-          </a:xfrm>
-        </p:spPr>
-        <p:txBody>
-          <a:bodyPr rtlCol="0"/>
-          <a:lstStyle/>
-          <a:p>
-            <a:pPr rtl="0"/>
-            <a:r>
-              <a:rPr lang="ru-RU" dirty="0"/>
-              <a:t>Арифметические операции</a:t>
-            </a:r>
-          </a:p>
-        </p:txBody>
-      </p:sp>
-      <p:sp>
-        <p:nvSpPr>
-          <p:cNvPr id="5" name="Номер слайда 4">
-            <a:extLst>
-              <a:ext uri="{FF2B5EF4-FFF2-40B4-BE49-F238E27FC236}">
-                <a16:creationId xmlns:a16="http://schemas.microsoft.com/office/drawing/2014/main" id="{22334DF1-D929-4181-86BF-E2E3C8F17509}"/>
-              </a:ext>
-            </a:extLst>
-          </p:cNvPr>
-          <p:cNvSpPr>
-            <a:spLocks noGrp="1"/>
-          </p:cNvSpPr>
-          <p:nvPr>
-            <p:ph type="sldNum" sz="quarter" idx="12"/>
-          </p:nvPr>
-        </p:nvSpPr>
-        <p:spPr/>
-        <p:txBody>
-          <a:bodyPr/>
-          <a:lstStyle/>
-          <a:p>
-            <a:pPr rtl="0"/>
-            <a:fld id="{FEA1243F-3000-4347-94A4-FBDEAD3122CB}" type="slidenum">
-              <a:rPr lang="ru-RU" noProof="0" smtClean="0"/>
-              <a:pPr rtl="0"/>
-              <a:t>21</a:t>
-            </a:fld>
-            <a:endParaRPr lang="ru-RU" noProof="0"/>
-          </a:p>
-        </p:txBody>
-      </p:sp>
-      <p:pic>
-        <p:nvPicPr>
-          <p:cNvPr id="4" name="Рисунок 3">
-            <a:extLst>
-              <a:ext uri="{FF2B5EF4-FFF2-40B4-BE49-F238E27FC236}">
-                <a16:creationId xmlns:a16="http://schemas.microsoft.com/office/drawing/2014/main" id="{02328D60-4A73-4339-BCD6-7945359E0D8B}"/>
-              </a:ext>
-            </a:extLst>
-          </p:cNvPr>
-          <p:cNvPicPr>
-            <a:picLocks noChangeAspect="1"/>
-          </p:cNvPicPr>
-          <p:nvPr/>
-        </p:nvPicPr>
-        <p:blipFill>
-          <a:blip r:embed="rId3"/>
-          <a:stretch>
-            <a:fillRect/>
-          </a:stretch>
-        </p:blipFill>
-        <p:spPr>
-          <a:xfrm>
-            <a:off x="280999" y="1916832"/>
-            <a:ext cx="5340441" cy="2232248"/>
-          </a:xfrm>
-          <a:prstGeom prst="rect">
-            <a:avLst/>
-          </a:prstGeom>
-        </p:spPr>
-      </p:pic>
-    </p:spTree>
-    <p:extLst>
-      <p:ext uri="{BB962C8B-B14F-4D97-AF65-F5344CB8AC3E}">
-        <p14:creationId xmlns:p14="http://schemas.microsoft.com/office/powerpoint/2010/main" val="697408144"/>
-      </p:ext>
-    </p:extLst>
-  </p:cSld>
-  <p:clrMapOvr>
-    <a:masterClrMapping/>
-  </p:clrMapOvr>
-</p:sld>
-</file>
-
-<file path=ppt/slides/slide22.xml><?xml version="1.0" encoding="utf-8"?>
-<p:sld xmlns:a="http://schemas.openxmlformats.org/drawingml/2006/main" xmlns:r="http://schemas.openxmlformats.org/officeDocument/2006/relationships" xmlns:p="http://schemas.openxmlformats.org/presentationml/2006/main">
-  <p:cSld>
-    <p:spTree>
-      <p:nvGrpSpPr>
-        <p:cNvPr id="1" name=""/>
-        <p:cNvGrpSpPr/>
-        <p:nvPr/>
-      </p:nvGrpSpPr>
-      <p:grpSpPr>
-        <a:xfrm>
-          <a:off x="0" y="0"/>
-          <a:ext cx="0" cy="0"/>
-          <a:chOff x="0" y="0"/>
-          <a:chExt cx="0" cy="0"/>
-        </a:xfrm>
-      </p:grpSpPr>
-      <p:sp>
-        <p:nvSpPr>
-          <p:cNvPr id="2" name="Прямоугольник 1"/>
-          <p:cNvSpPr>
-            <a:spLocks noGrp="1"/>
-          </p:cNvSpPr>
-          <p:nvPr>
-            <p:ph type="title"/>
-          </p:nvPr>
-        </p:nvSpPr>
-        <p:spPr>
-          <a:xfrm>
-            <a:off x="466725" y="-16686"/>
-            <a:ext cx="4638674" cy="1928498"/>
-          </a:xfrm>
-        </p:spPr>
-        <p:txBody>
-          <a:bodyPr rtlCol="0"/>
-          <a:lstStyle/>
-          <a:p>
-            <a:pPr rtl="0"/>
-            <a:r>
-              <a:rPr lang="ru-RU" b="0" dirty="0"/>
-              <a:t>Задание</a:t>
-            </a:r>
-            <a:endParaRPr lang="ru-RU" dirty="0"/>
-          </a:p>
-        </p:txBody>
-      </p:sp>
-      <p:graphicFrame>
-        <p:nvGraphicFramePr>
-          <p:cNvPr id="10" name="Объект 3" descr="интеллектуальный графический дизайн списка">
-            <a:extLst>
-              <a:ext uri="{FF2B5EF4-FFF2-40B4-BE49-F238E27FC236}">
-                <a16:creationId xmlns:a16="http://schemas.microsoft.com/office/drawing/2014/main" id="{D1AC5E11-1154-464F-B56E-523DE54E5000}"/>
-              </a:ext>
-            </a:extLst>
-          </p:cNvPr>
-          <p:cNvGraphicFramePr>
-            <a:graphicFrameLocks/>
-          </p:cNvGraphicFramePr>
-          <p:nvPr>
-            <p:extLst>
-              <p:ext uri="{D42A27DB-BD31-4B8C-83A1-F6EECF244321}">
-                <p14:modId xmlns:p14="http://schemas.microsoft.com/office/powerpoint/2010/main" val="814809259"/>
-              </p:ext>
-            </p:extLst>
-          </p:nvPr>
-        </p:nvGraphicFramePr>
-        <p:xfrm>
-          <a:off x="466725" y="1700808"/>
-          <a:ext cx="7968615" cy="4417417"/>
-        </p:xfrm>
-        <a:graphic>
-          <a:graphicData uri="http://schemas.openxmlformats.org/drawingml/2006/diagram">
-            <dgm:relIds xmlns:dgm="http://schemas.openxmlformats.org/drawingml/2006/diagram" xmlns:r="http://schemas.openxmlformats.org/officeDocument/2006/relationships" r:dm="rId3" r:lo="rId4" r:qs="rId5" r:cs="rId6"/>
-          </a:graphicData>
-        </a:graphic>
-      </p:graphicFrame>
-      <p:sp>
-        <p:nvSpPr>
-          <p:cNvPr id="4" name="Номер слайда 3">
-            <a:extLst>
-              <a:ext uri="{FF2B5EF4-FFF2-40B4-BE49-F238E27FC236}">
-                <a16:creationId xmlns:a16="http://schemas.microsoft.com/office/drawing/2014/main" id="{1EE234AD-938A-4037-A4D2-FD590E7E0A4B}"/>
-              </a:ext>
-            </a:extLst>
-          </p:cNvPr>
-          <p:cNvSpPr>
-            <a:spLocks noGrp="1"/>
-          </p:cNvSpPr>
-          <p:nvPr>
-            <p:ph type="sldNum" sz="quarter" idx="11"/>
-          </p:nvPr>
-        </p:nvSpPr>
-        <p:spPr/>
-        <p:txBody>
-          <a:bodyPr/>
-          <a:lstStyle/>
-          <a:p>
-            <a:pPr rtl="0"/>
-            <a:fld id="{49598980-D22C-4904-9F8F-3DB09B2ECD84}" type="slidenum">
-              <a:rPr lang="ru-RU" noProof="0" smtClean="0"/>
-              <a:pPr rtl="0"/>
-              <a:t>22</a:t>
-            </a:fld>
-            <a:endParaRPr lang="ru-RU" noProof="0"/>
-          </a:p>
-        </p:txBody>
-      </p:sp>
-    </p:spTree>
-  </p:cSld>
-  <p:clrMapOvr>
-    <a:masterClrMapping/>
-  </p:clrMapOvr>
-</p:sld>
-</file>
-
-<file path=ppt/slides/slide23.xml><?xml version="1.0" encoding="utf-8"?>
-<p:sld xmlns:a="http://schemas.openxmlformats.org/drawingml/2006/main" xmlns:r="http://schemas.openxmlformats.org/officeDocument/2006/relationships" xmlns:p="http://schemas.openxmlformats.org/presentationml/2006/main">
-  <p:cSld>
-    <p:spTree>
-      <p:nvGrpSpPr>
-        <p:cNvPr id="1" name=""/>
-        <p:cNvGrpSpPr/>
-        <p:nvPr/>
-      </p:nvGrpSpPr>
-      <p:grpSpPr>
-        <a:xfrm>
-          <a:off x="0" y="0"/>
-          <a:ext cx="0" cy="0"/>
-          <a:chOff x="0" y="0"/>
-          <a:chExt cx="0" cy="0"/>
-        </a:xfrm>
-      </p:grpSpPr>
-      <p:sp>
-        <p:nvSpPr>
-          <p:cNvPr id="2" name="Прямоугольник 1"/>
-          <p:cNvSpPr>
-            <a:spLocks noGrp="1"/>
-          </p:cNvSpPr>
-          <p:nvPr>
-            <p:ph type="title"/>
-          </p:nvPr>
-        </p:nvSpPr>
-        <p:spPr>
-          <a:xfrm>
-            <a:off x="457200" y="0"/>
-            <a:ext cx="4969752" cy="1216152"/>
-          </a:xfrm>
-        </p:spPr>
-        <p:txBody>
-          <a:bodyPr rtlCol="0"/>
-          <a:lstStyle/>
-          <a:p>
-            <a:pPr rtl="0"/>
-            <a:r>
-              <a:rPr lang="ru-RU" dirty="0"/>
-              <a:t>Интерфейс</a:t>
-            </a:r>
-          </a:p>
-        </p:txBody>
-      </p:sp>
-      <p:sp>
-        <p:nvSpPr>
-          <p:cNvPr id="5" name="Номер слайда 4">
-            <a:extLst>
-              <a:ext uri="{FF2B5EF4-FFF2-40B4-BE49-F238E27FC236}">
-                <a16:creationId xmlns:a16="http://schemas.microsoft.com/office/drawing/2014/main" id="{22334DF1-D929-4181-86BF-E2E3C8F17509}"/>
-              </a:ext>
-            </a:extLst>
-          </p:cNvPr>
-          <p:cNvSpPr>
-            <a:spLocks noGrp="1"/>
-          </p:cNvSpPr>
-          <p:nvPr>
-            <p:ph type="sldNum" sz="quarter" idx="12"/>
-          </p:nvPr>
-        </p:nvSpPr>
-        <p:spPr/>
-        <p:txBody>
-          <a:bodyPr/>
-          <a:lstStyle/>
-          <a:p>
-            <a:pPr rtl="0"/>
-            <a:fld id="{FEA1243F-3000-4347-94A4-FBDEAD3122CB}" type="slidenum">
-              <a:rPr lang="ru-RU" noProof="0" smtClean="0"/>
-              <a:pPr rtl="0"/>
-              <a:t>23</a:t>
-            </a:fld>
-            <a:endParaRPr lang="ru-RU" noProof="0"/>
-          </a:p>
-        </p:txBody>
-      </p:sp>
-      <p:pic>
-        <p:nvPicPr>
-          <p:cNvPr id="6" name="Рисунок 5">
-            <a:extLst>
-              <a:ext uri="{FF2B5EF4-FFF2-40B4-BE49-F238E27FC236}">
-                <a16:creationId xmlns:a16="http://schemas.microsoft.com/office/drawing/2014/main" id="{4F35786E-3F2C-4AFB-A398-11187BA41FBD}"/>
-              </a:ext>
-            </a:extLst>
-          </p:cNvPr>
-          <p:cNvPicPr>
-            <a:picLocks noChangeAspect="1"/>
-          </p:cNvPicPr>
-          <p:nvPr/>
-        </p:nvPicPr>
-        <p:blipFill rotWithShape="1">
-          <a:blip r:embed="rId3"/>
-          <a:srcRect l="36045" t="21987" r="24801" b="20586"/>
-          <a:stretch/>
-        </p:blipFill>
-        <p:spPr>
-          <a:xfrm>
-            <a:off x="1691680" y="1181462"/>
-            <a:ext cx="6624736" cy="5462813"/>
-          </a:xfrm>
-          <a:prstGeom prst="rect">
-            <a:avLst/>
-          </a:prstGeom>
-        </p:spPr>
-      </p:pic>
-    </p:spTree>
-    <p:extLst>
-      <p:ext uri="{BB962C8B-B14F-4D97-AF65-F5344CB8AC3E}">
-        <p14:creationId xmlns:p14="http://schemas.microsoft.com/office/powerpoint/2010/main" val="4274490203"/>
       </p:ext>
     </p:extLst>
   </p:cSld>
